--- a/docs/ЛЭТИ ВвПП 2020.2.pptx
+++ b/docs/ЛЭТИ ВвПП 2020.2.pptx
@@ -1,37 +1,132 @@
 
 <file path=ppt/presentation.xml><?xml version="1.0" encoding="utf-8"?>
-<p:presentation xmlns:a="http://schemas.openxmlformats.org/drawingml/2006/main" xmlns:p="http://schemas.openxmlformats.org/presentationml/2006/main" xmlns:r="http://schemas.openxmlformats.org/officeDocument/2006/relationships" xmlns:p14="http://schemas.microsoft.com/office/powerpoint/2010/main" xmlns:p15="http://schemas.microsoft.com/office/powerpoint/2012/main" xmlns:mc="http://schemas.openxmlformats.org/markup-compatibility/2006">
+<p:presentation xmlns:a="http://schemas.openxmlformats.org/drawingml/2006/main" xmlns:r="http://schemas.openxmlformats.org/officeDocument/2006/relationships" xmlns:p="http://schemas.openxmlformats.org/presentationml/2006/main">
   <p:sldMasterIdLst>
-    <p:sldMasterId id="2147483648" r:id="rId2"/>
+    <p:sldMasterId id="2147483648" r:id="rId1"/>
   </p:sldMasterIdLst>
   <p:sldIdLst>
-    <p:sldId id="256" r:id="rId3"/>
-    <p:sldId id="257" r:id="rId4"/>
-    <p:sldId id="258" r:id="rId5"/>
-    <p:sldId id="259" r:id="rId6"/>
-    <p:sldId id="260" r:id="rId7"/>
-    <p:sldId id="261" r:id="rId8"/>
-    <p:sldId id="262" r:id="rId9"/>
-    <p:sldId id="263" r:id="rId10"/>
-    <p:sldId id="264" r:id="rId11"/>
-    <p:sldId id="265" r:id="rId12"/>
-    <p:sldId id="266" r:id="rId13"/>
-    <p:sldId id="267" r:id="rId14"/>
-    <p:sldId id="268" r:id="rId15"/>
-    <p:sldId id="269" r:id="rId16"/>
-    <p:sldId id="270" r:id="rId17"/>
-    <p:sldId id="271" r:id="rId18"/>
-    <p:sldId id="272" r:id="rId19"/>
-    <p:sldId id="273" r:id="rId20"/>
-    <p:sldId id="274" r:id="rId21"/>
+    <p:sldId id="256" r:id="rId2"/>
+    <p:sldId id="257" r:id="rId3"/>
+    <p:sldId id="258" r:id="rId4"/>
+    <p:sldId id="259" r:id="rId5"/>
+    <p:sldId id="260" r:id="rId6"/>
+    <p:sldId id="261" r:id="rId7"/>
+    <p:sldId id="262" r:id="rId8"/>
+    <p:sldId id="263" r:id="rId9"/>
+    <p:sldId id="264" r:id="rId10"/>
+    <p:sldId id="265" r:id="rId11"/>
+    <p:sldId id="266" r:id="rId12"/>
+    <p:sldId id="267" r:id="rId13"/>
+    <p:sldId id="268" r:id="rId14"/>
+    <p:sldId id="269" r:id="rId15"/>
+    <p:sldId id="270" r:id="rId16"/>
+    <p:sldId id="271" r:id="rId17"/>
+    <p:sldId id="272" r:id="rId18"/>
+    <p:sldId id="273" r:id="rId19"/>
+    <p:sldId id="274" r:id="rId20"/>
   </p:sldIdLst>
   <p:sldSz cx="11998325" cy="7559675"/>
-  <p:notesSz cx="7559675" cy="10691812"/>
+  <p:notesSz cx="7559675" cy="10691813"/>
+  <p:defaultTextStyle>
+    <a:defPPr>
+      <a:defRPr lang="en-US"/>
+    </a:defPPr>
+    <a:lvl1pPr marL="0" algn="l" defTabSz="914400" rtl="0" eaLnBrk="1" latinLnBrk="0" hangingPunct="1">
+      <a:defRPr sz="1800" kern="1200">
+        <a:solidFill>
+          <a:schemeClr val="tx1"/>
+        </a:solidFill>
+        <a:latin typeface="+mn-lt"/>
+        <a:ea typeface="+mn-ea"/>
+        <a:cs typeface="+mn-cs"/>
+      </a:defRPr>
+    </a:lvl1pPr>
+    <a:lvl2pPr marL="457200" algn="l" defTabSz="914400" rtl="0" eaLnBrk="1" latinLnBrk="0" hangingPunct="1">
+      <a:defRPr sz="1800" kern="1200">
+        <a:solidFill>
+          <a:schemeClr val="tx1"/>
+        </a:solidFill>
+        <a:latin typeface="+mn-lt"/>
+        <a:ea typeface="+mn-ea"/>
+        <a:cs typeface="+mn-cs"/>
+      </a:defRPr>
+    </a:lvl2pPr>
+    <a:lvl3pPr marL="914400" algn="l" defTabSz="914400" rtl="0" eaLnBrk="1" latinLnBrk="0" hangingPunct="1">
+      <a:defRPr sz="1800" kern="1200">
+        <a:solidFill>
+          <a:schemeClr val="tx1"/>
+        </a:solidFill>
+        <a:latin typeface="+mn-lt"/>
+        <a:ea typeface="+mn-ea"/>
+        <a:cs typeface="+mn-cs"/>
+      </a:defRPr>
+    </a:lvl3pPr>
+    <a:lvl4pPr marL="1371600" algn="l" defTabSz="914400" rtl="0" eaLnBrk="1" latinLnBrk="0" hangingPunct="1">
+      <a:defRPr sz="1800" kern="1200">
+        <a:solidFill>
+          <a:schemeClr val="tx1"/>
+        </a:solidFill>
+        <a:latin typeface="+mn-lt"/>
+        <a:ea typeface="+mn-ea"/>
+        <a:cs typeface="+mn-cs"/>
+      </a:defRPr>
+    </a:lvl4pPr>
+    <a:lvl5pPr marL="1828800" algn="l" defTabSz="914400" rtl="0" eaLnBrk="1" latinLnBrk="0" hangingPunct="1">
+      <a:defRPr sz="1800" kern="1200">
+        <a:solidFill>
+          <a:schemeClr val="tx1"/>
+        </a:solidFill>
+        <a:latin typeface="+mn-lt"/>
+        <a:ea typeface="+mn-ea"/>
+        <a:cs typeface="+mn-cs"/>
+      </a:defRPr>
+    </a:lvl5pPr>
+    <a:lvl6pPr marL="2286000" algn="l" defTabSz="914400" rtl="0" eaLnBrk="1" latinLnBrk="0" hangingPunct="1">
+      <a:defRPr sz="1800" kern="1200">
+        <a:solidFill>
+          <a:schemeClr val="tx1"/>
+        </a:solidFill>
+        <a:latin typeface="+mn-lt"/>
+        <a:ea typeface="+mn-ea"/>
+        <a:cs typeface="+mn-cs"/>
+      </a:defRPr>
+    </a:lvl6pPr>
+    <a:lvl7pPr marL="2743200" algn="l" defTabSz="914400" rtl="0" eaLnBrk="1" latinLnBrk="0" hangingPunct="1">
+      <a:defRPr sz="1800" kern="1200">
+        <a:solidFill>
+          <a:schemeClr val="tx1"/>
+        </a:solidFill>
+        <a:latin typeface="+mn-lt"/>
+        <a:ea typeface="+mn-ea"/>
+        <a:cs typeface="+mn-cs"/>
+      </a:defRPr>
+    </a:lvl7pPr>
+    <a:lvl8pPr marL="3200400" algn="l" defTabSz="914400" rtl="0" eaLnBrk="1" latinLnBrk="0" hangingPunct="1">
+      <a:defRPr sz="1800" kern="1200">
+        <a:solidFill>
+          <a:schemeClr val="tx1"/>
+        </a:solidFill>
+        <a:latin typeface="+mn-lt"/>
+        <a:ea typeface="+mn-ea"/>
+        <a:cs typeface="+mn-cs"/>
+      </a:defRPr>
+    </a:lvl8pPr>
+    <a:lvl9pPr marL="3657600" algn="l" defTabSz="914400" rtl="0" eaLnBrk="1" latinLnBrk="0" hangingPunct="1">
+      <a:defRPr sz="1800" kern="1200">
+        <a:solidFill>
+          <a:schemeClr val="tx1"/>
+        </a:solidFill>
+        <a:latin typeface="+mn-lt"/>
+        <a:ea typeface="+mn-ea"/>
+        <a:cs typeface="+mn-cs"/>
+      </a:defRPr>
+    </a:lvl9pPr>
+  </p:defaultTextStyle>
 </p:presentation>
 </file>
 
 <file path=ppt/slideLayouts/slideLayout1.xml><?xml version="1.0" encoding="utf-8"?>
-<p:sldLayout xmlns:a="http://schemas.openxmlformats.org/drawingml/2006/main" xmlns:p="http://schemas.openxmlformats.org/presentationml/2006/main" xmlns:r="http://schemas.openxmlformats.org/officeDocument/2006/relationships" xmlns:p14="http://schemas.microsoft.com/office/powerpoint/2010/main" xmlns:p15="http://schemas.microsoft.com/office/powerpoint/2012/main" xmlns:mc="http://schemas.openxmlformats.org/markup-compatibility/2006" type="blank" preserve="1">
+<p:sldLayout xmlns:a="http://schemas.openxmlformats.org/drawingml/2006/main" xmlns:r="http://schemas.openxmlformats.org/officeDocument/2006/relationships" xmlns:p="http://schemas.openxmlformats.org/presentationml/2006/main" type="blank" preserve="1">
   <p:cSld name="Blank Slide">
     <p:spTree>
       <p:nvGrpSpPr>
@@ -49,11 +144,14 @@
       </p:grpSpPr>
     </p:spTree>
   </p:cSld>
+  <p:clrMapOvr>
+    <a:masterClrMapping/>
+  </p:clrMapOvr>
 </p:sldLayout>
 </file>
 
 <file path=ppt/slideLayouts/slideLayout10.xml><?xml version="1.0" encoding="utf-8"?>
-<p:sldLayout xmlns:a="http://schemas.openxmlformats.org/drawingml/2006/main" xmlns:p="http://schemas.openxmlformats.org/presentationml/2006/main" xmlns:r="http://schemas.openxmlformats.org/officeDocument/2006/relationships" xmlns:p14="http://schemas.microsoft.com/office/powerpoint/2010/main" xmlns:p15="http://schemas.microsoft.com/office/powerpoint/2012/main" xmlns:mc="http://schemas.openxmlformats.org/markup-compatibility/2006" type="objOverTx" preserve="1">
+<p:sldLayout xmlns:a="http://schemas.openxmlformats.org/drawingml/2006/main" xmlns:r="http://schemas.openxmlformats.org/officeDocument/2006/relationships" xmlns:p="http://schemas.openxmlformats.org/presentationml/2006/main" type="objOverTx" preserve="1">
   <p:cSld name="Title, Content over Content">
     <p:spTree>
       <p:nvGrpSpPr>
@@ -89,10 +187,11 @@
           </a:prstGeom>
         </p:spPr>
         <p:txBody>
-          <a:bodyPr lIns="0" rIns="0" tIns="0" bIns="0" anchor="ctr"/>
+          <a:bodyPr lIns="0" tIns="0" rIns="0" bIns="0" anchor="ctr"/>
+          <a:lstStyle/>
           <a:p>
             <a:pPr algn="ctr"/>
-            <a:endParaRPr b="0" lang="ru-RU" sz="4400" spc="-1" strike="noStrike">
+            <a:endParaRPr lang="ru-RU" sz="4400" b="0" strike="noStrike" spc="-1">
               <a:latin typeface="Arial"/>
             </a:endParaRPr>
           </a:p>
@@ -118,11 +217,12 @@
           </a:prstGeom>
         </p:spPr>
         <p:txBody>
-          <a:bodyPr lIns="0" rIns="0" tIns="0" bIns="0">
+          <a:bodyPr lIns="0" tIns="0" rIns="0" bIns="0">
             <a:normAutofit/>
           </a:bodyPr>
-          <a:p>
-            <a:endParaRPr b="0" lang="ru-RU" sz="3200" spc="-1" strike="noStrike">
+          <a:lstStyle/>
+          <a:p>
+            <a:endParaRPr lang="ru-RU" sz="3200" b="0" strike="noStrike" spc="-1">
               <a:latin typeface="Arial"/>
             </a:endParaRPr>
           </a:p>
@@ -148,11 +248,12 @@
           </a:prstGeom>
         </p:spPr>
         <p:txBody>
-          <a:bodyPr lIns="0" rIns="0" tIns="0" bIns="0">
+          <a:bodyPr lIns="0" tIns="0" rIns="0" bIns="0">
             <a:normAutofit/>
           </a:bodyPr>
-          <a:p>
-            <a:endParaRPr b="0" lang="ru-RU" sz="3200" spc="-1" strike="noStrike">
+          <a:lstStyle/>
+          <a:p>
+            <a:endParaRPr lang="ru-RU" sz="3200" b="0" strike="noStrike" spc="-1">
               <a:latin typeface="Arial"/>
             </a:endParaRPr>
           </a:p>
@@ -160,11 +261,14 @@
       </p:sp>
     </p:spTree>
   </p:cSld>
+  <p:clrMapOvr>
+    <a:masterClrMapping/>
+  </p:clrMapOvr>
 </p:sldLayout>
 </file>
 
 <file path=ppt/slideLayouts/slideLayout11.xml><?xml version="1.0" encoding="utf-8"?>
-<p:sldLayout xmlns:a="http://schemas.openxmlformats.org/drawingml/2006/main" xmlns:p="http://schemas.openxmlformats.org/presentationml/2006/main" xmlns:r="http://schemas.openxmlformats.org/officeDocument/2006/relationships" xmlns:p14="http://schemas.microsoft.com/office/powerpoint/2010/main" xmlns:p15="http://schemas.microsoft.com/office/powerpoint/2012/main" xmlns:mc="http://schemas.openxmlformats.org/markup-compatibility/2006" type="fourObj" preserve="1">
+<p:sldLayout xmlns:a="http://schemas.openxmlformats.org/drawingml/2006/main" xmlns:r="http://schemas.openxmlformats.org/officeDocument/2006/relationships" xmlns:p="http://schemas.openxmlformats.org/presentationml/2006/main" type="fourObj" preserve="1">
   <p:cSld name="Title, 4 Content">
     <p:spTree>
       <p:nvGrpSpPr>
@@ -200,10 +304,11 @@
           </a:prstGeom>
         </p:spPr>
         <p:txBody>
-          <a:bodyPr lIns="0" rIns="0" tIns="0" bIns="0" anchor="ctr"/>
+          <a:bodyPr lIns="0" tIns="0" rIns="0" bIns="0" anchor="ctr"/>
+          <a:lstStyle/>
           <a:p>
             <a:pPr algn="ctr"/>
-            <a:endParaRPr b="0" lang="ru-RU" sz="4400" spc="-1" strike="noStrike">
+            <a:endParaRPr lang="ru-RU" sz="4400" b="0" strike="noStrike" spc="-1">
               <a:latin typeface="Arial"/>
             </a:endParaRPr>
           </a:p>
@@ -229,11 +334,12 @@
           </a:prstGeom>
         </p:spPr>
         <p:txBody>
-          <a:bodyPr lIns="0" rIns="0" tIns="0" bIns="0">
+          <a:bodyPr lIns="0" tIns="0" rIns="0" bIns="0">
             <a:normAutofit/>
           </a:bodyPr>
-          <a:p>
-            <a:endParaRPr b="0" lang="ru-RU" sz="3200" spc="-1" strike="noStrike">
+          <a:lstStyle/>
+          <a:p>
+            <a:endParaRPr lang="ru-RU" sz="3200" b="0" strike="noStrike" spc="-1">
               <a:latin typeface="Arial"/>
             </a:endParaRPr>
           </a:p>
@@ -259,11 +365,12 @@
           </a:prstGeom>
         </p:spPr>
         <p:txBody>
-          <a:bodyPr lIns="0" rIns="0" tIns="0" bIns="0">
+          <a:bodyPr lIns="0" tIns="0" rIns="0" bIns="0">
             <a:normAutofit/>
           </a:bodyPr>
-          <a:p>
-            <a:endParaRPr b="0" lang="ru-RU" sz="3200" spc="-1" strike="noStrike">
+          <a:lstStyle/>
+          <a:p>
+            <a:endParaRPr lang="ru-RU" sz="3200" b="0" strike="noStrike" spc="-1">
               <a:latin typeface="Arial"/>
             </a:endParaRPr>
           </a:p>
@@ -289,11 +396,12 @@
           </a:prstGeom>
         </p:spPr>
         <p:txBody>
-          <a:bodyPr lIns="0" rIns="0" tIns="0" bIns="0">
+          <a:bodyPr lIns="0" tIns="0" rIns="0" bIns="0">
             <a:normAutofit/>
           </a:bodyPr>
-          <a:p>
-            <a:endParaRPr b="0" lang="ru-RU" sz="3200" spc="-1" strike="noStrike">
+          <a:lstStyle/>
+          <a:p>
+            <a:endParaRPr lang="ru-RU" sz="3200" b="0" strike="noStrike" spc="-1">
               <a:latin typeface="Arial"/>
             </a:endParaRPr>
           </a:p>
@@ -319,11 +427,12 @@
           </a:prstGeom>
         </p:spPr>
         <p:txBody>
-          <a:bodyPr lIns="0" rIns="0" tIns="0" bIns="0">
+          <a:bodyPr lIns="0" tIns="0" rIns="0" bIns="0">
             <a:normAutofit/>
           </a:bodyPr>
-          <a:p>
-            <a:endParaRPr b="0" lang="ru-RU" sz="3200" spc="-1" strike="noStrike">
+          <a:lstStyle/>
+          <a:p>
+            <a:endParaRPr lang="ru-RU" sz="3200" b="0" strike="noStrike" spc="-1">
               <a:latin typeface="Arial"/>
             </a:endParaRPr>
           </a:p>
@@ -331,11 +440,14 @@
       </p:sp>
     </p:spTree>
   </p:cSld>
+  <p:clrMapOvr>
+    <a:masterClrMapping/>
+  </p:clrMapOvr>
 </p:sldLayout>
 </file>
 
 <file path=ppt/slideLayouts/slideLayout12.xml><?xml version="1.0" encoding="utf-8"?>
-<p:sldLayout xmlns:a="http://schemas.openxmlformats.org/drawingml/2006/main" xmlns:p="http://schemas.openxmlformats.org/presentationml/2006/main" xmlns:r="http://schemas.openxmlformats.org/officeDocument/2006/relationships" xmlns:p14="http://schemas.microsoft.com/office/powerpoint/2010/main" xmlns:p15="http://schemas.microsoft.com/office/powerpoint/2012/main" xmlns:mc="http://schemas.openxmlformats.org/markup-compatibility/2006" type="blank" preserve="1">
+<p:sldLayout xmlns:a="http://schemas.openxmlformats.org/drawingml/2006/main" xmlns:r="http://schemas.openxmlformats.org/officeDocument/2006/relationships" xmlns:p="http://schemas.openxmlformats.org/presentationml/2006/main" type="blank" preserve="1">
   <p:cSld name="Title, 6 Content">
     <p:spTree>
       <p:nvGrpSpPr>
@@ -371,10 +483,11 @@
           </a:prstGeom>
         </p:spPr>
         <p:txBody>
-          <a:bodyPr lIns="0" rIns="0" tIns="0" bIns="0" anchor="ctr"/>
+          <a:bodyPr lIns="0" tIns="0" rIns="0" bIns="0" anchor="ctr"/>
+          <a:lstStyle/>
           <a:p>
             <a:pPr algn="ctr"/>
-            <a:endParaRPr b="0" lang="ru-RU" sz="4400" spc="-1" strike="noStrike">
+            <a:endParaRPr lang="ru-RU" sz="4400" b="0" strike="noStrike" spc="-1">
               <a:latin typeface="Arial"/>
             </a:endParaRPr>
           </a:p>
@@ -400,11 +513,12 @@
           </a:prstGeom>
         </p:spPr>
         <p:txBody>
-          <a:bodyPr lIns="0" rIns="0" tIns="0" bIns="0">
+          <a:bodyPr lIns="0" tIns="0" rIns="0" bIns="0">
             <a:normAutofit/>
           </a:bodyPr>
-          <a:p>
-            <a:endParaRPr b="0" lang="ru-RU" sz="3200" spc="-1" strike="noStrike">
+          <a:lstStyle/>
+          <a:p>
+            <a:endParaRPr lang="ru-RU" sz="3200" b="0" strike="noStrike" spc="-1">
               <a:latin typeface="Arial"/>
             </a:endParaRPr>
           </a:p>
@@ -430,11 +544,12 @@
           </a:prstGeom>
         </p:spPr>
         <p:txBody>
-          <a:bodyPr lIns="0" rIns="0" tIns="0" bIns="0">
+          <a:bodyPr lIns="0" tIns="0" rIns="0" bIns="0">
             <a:normAutofit/>
           </a:bodyPr>
-          <a:p>
-            <a:endParaRPr b="0" lang="ru-RU" sz="3200" spc="-1" strike="noStrike">
+          <a:lstStyle/>
+          <a:p>
+            <a:endParaRPr lang="ru-RU" sz="3200" b="0" strike="noStrike" spc="-1">
               <a:latin typeface="Arial"/>
             </a:endParaRPr>
           </a:p>
@@ -460,11 +575,12 @@
           </a:prstGeom>
         </p:spPr>
         <p:txBody>
-          <a:bodyPr lIns="0" rIns="0" tIns="0" bIns="0">
+          <a:bodyPr lIns="0" tIns="0" rIns="0" bIns="0">
             <a:normAutofit/>
           </a:bodyPr>
-          <a:p>
-            <a:endParaRPr b="0" lang="ru-RU" sz="3200" spc="-1" strike="noStrike">
+          <a:lstStyle/>
+          <a:p>
+            <a:endParaRPr lang="ru-RU" sz="3200" b="0" strike="noStrike" spc="-1">
               <a:latin typeface="Arial"/>
             </a:endParaRPr>
           </a:p>
@@ -490,11 +606,12 @@
           </a:prstGeom>
         </p:spPr>
         <p:txBody>
-          <a:bodyPr lIns="0" rIns="0" tIns="0" bIns="0">
+          <a:bodyPr lIns="0" tIns="0" rIns="0" bIns="0">
             <a:normAutofit/>
           </a:bodyPr>
-          <a:p>
-            <a:endParaRPr b="0" lang="ru-RU" sz="3200" spc="-1" strike="noStrike">
+          <a:lstStyle/>
+          <a:p>
+            <a:endParaRPr lang="ru-RU" sz="3200" b="0" strike="noStrike" spc="-1">
               <a:latin typeface="Arial"/>
             </a:endParaRPr>
           </a:p>
@@ -520,11 +637,12 @@
           </a:prstGeom>
         </p:spPr>
         <p:txBody>
-          <a:bodyPr lIns="0" rIns="0" tIns="0" bIns="0">
+          <a:bodyPr lIns="0" tIns="0" rIns="0" bIns="0">
             <a:normAutofit/>
           </a:bodyPr>
-          <a:p>
-            <a:endParaRPr b="0" lang="ru-RU" sz="3200" spc="-1" strike="noStrike">
+          <a:lstStyle/>
+          <a:p>
+            <a:endParaRPr lang="ru-RU" sz="3200" b="0" strike="noStrike" spc="-1">
               <a:latin typeface="Arial"/>
             </a:endParaRPr>
           </a:p>
@@ -550,11 +668,12 @@
           </a:prstGeom>
         </p:spPr>
         <p:txBody>
-          <a:bodyPr lIns="0" rIns="0" tIns="0" bIns="0">
+          <a:bodyPr lIns="0" tIns="0" rIns="0" bIns="0">
             <a:normAutofit/>
           </a:bodyPr>
-          <a:p>
-            <a:endParaRPr b="0" lang="ru-RU" sz="3200" spc="-1" strike="noStrike">
+          <a:lstStyle/>
+          <a:p>
+            <a:endParaRPr lang="ru-RU" sz="3200" b="0" strike="noStrike" spc="-1">
               <a:latin typeface="Arial"/>
             </a:endParaRPr>
           </a:p>
@@ -562,11 +681,14 @@
       </p:sp>
     </p:spTree>
   </p:cSld>
+  <p:clrMapOvr>
+    <a:masterClrMapping/>
+  </p:clrMapOvr>
 </p:sldLayout>
 </file>
 
 <file path=ppt/slideLayouts/slideLayout2.xml><?xml version="1.0" encoding="utf-8"?>
-<p:sldLayout xmlns:a="http://schemas.openxmlformats.org/drawingml/2006/main" xmlns:p="http://schemas.openxmlformats.org/presentationml/2006/main" xmlns:r="http://schemas.openxmlformats.org/officeDocument/2006/relationships" xmlns:p14="http://schemas.microsoft.com/office/powerpoint/2010/main" xmlns:p15="http://schemas.microsoft.com/office/powerpoint/2012/main" xmlns:mc="http://schemas.openxmlformats.org/markup-compatibility/2006" type="tx" preserve="1">
+<p:sldLayout xmlns:a="http://schemas.openxmlformats.org/drawingml/2006/main" xmlns:r="http://schemas.openxmlformats.org/officeDocument/2006/relationships" xmlns:p="http://schemas.openxmlformats.org/presentationml/2006/main" type="tx" preserve="1">
   <p:cSld name="Title Slide">
     <p:spTree>
       <p:nvGrpSpPr>
@@ -602,10 +724,11 @@
           </a:prstGeom>
         </p:spPr>
         <p:txBody>
-          <a:bodyPr lIns="0" rIns="0" tIns="0" bIns="0" anchor="ctr"/>
+          <a:bodyPr lIns="0" tIns="0" rIns="0" bIns="0" anchor="ctr"/>
+          <a:lstStyle/>
           <a:p>
             <a:pPr algn="ctr"/>
-            <a:endParaRPr b="0" lang="ru-RU" sz="4400" spc="-1" strike="noStrike">
+            <a:endParaRPr lang="ru-RU" sz="4400" b="0" strike="noStrike" spc="-1">
               <a:latin typeface="Arial"/>
             </a:endParaRPr>
           </a:p>
@@ -631,10 +754,11 @@
           </a:prstGeom>
         </p:spPr>
         <p:txBody>
-          <a:bodyPr lIns="0" rIns="0" tIns="0" bIns="0" anchor="ctr"/>
+          <a:bodyPr lIns="0" tIns="0" rIns="0" bIns="0" anchor="ctr"/>
+          <a:lstStyle/>
           <a:p>
             <a:pPr algn="ctr"/>
-            <a:endParaRPr b="0" lang="ru-RU" sz="3200" spc="-1" strike="noStrike">
+            <a:endParaRPr lang="ru-RU" sz="3200" b="0" strike="noStrike" spc="-1">
               <a:latin typeface="Arial"/>
             </a:endParaRPr>
           </a:p>
@@ -642,11 +766,14 @@
       </p:sp>
     </p:spTree>
   </p:cSld>
+  <p:clrMapOvr>
+    <a:masterClrMapping/>
+  </p:clrMapOvr>
 </p:sldLayout>
 </file>
 
 <file path=ppt/slideLayouts/slideLayout3.xml><?xml version="1.0" encoding="utf-8"?>
-<p:sldLayout xmlns:a="http://schemas.openxmlformats.org/drawingml/2006/main" xmlns:p="http://schemas.openxmlformats.org/presentationml/2006/main" xmlns:r="http://schemas.openxmlformats.org/officeDocument/2006/relationships" xmlns:p14="http://schemas.microsoft.com/office/powerpoint/2010/main" xmlns:p15="http://schemas.microsoft.com/office/powerpoint/2012/main" xmlns:mc="http://schemas.openxmlformats.org/markup-compatibility/2006" type="obj" preserve="1">
+<p:sldLayout xmlns:a="http://schemas.openxmlformats.org/drawingml/2006/main" xmlns:r="http://schemas.openxmlformats.org/officeDocument/2006/relationships" xmlns:p="http://schemas.openxmlformats.org/presentationml/2006/main" type="obj" preserve="1">
   <p:cSld name="Title, Content">
     <p:spTree>
       <p:nvGrpSpPr>
@@ -682,10 +809,11 @@
           </a:prstGeom>
         </p:spPr>
         <p:txBody>
-          <a:bodyPr lIns="0" rIns="0" tIns="0" bIns="0" anchor="ctr"/>
+          <a:bodyPr lIns="0" tIns="0" rIns="0" bIns="0" anchor="ctr"/>
+          <a:lstStyle/>
           <a:p>
             <a:pPr algn="ctr"/>
-            <a:endParaRPr b="0" lang="ru-RU" sz="4400" spc="-1" strike="noStrike">
+            <a:endParaRPr lang="ru-RU" sz="4400" b="0" strike="noStrike" spc="-1">
               <a:latin typeface="Arial"/>
             </a:endParaRPr>
           </a:p>
@@ -711,11 +839,12 @@
           </a:prstGeom>
         </p:spPr>
         <p:txBody>
-          <a:bodyPr lIns="0" rIns="0" tIns="0" bIns="0">
+          <a:bodyPr lIns="0" tIns="0" rIns="0" bIns="0">
             <a:normAutofit/>
           </a:bodyPr>
-          <a:p>
-            <a:endParaRPr b="0" lang="ru-RU" sz="3200" spc="-1" strike="noStrike">
+          <a:lstStyle/>
+          <a:p>
+            <a:endParaRPr lang="ru-RU" sz="3200" b="0" strike="noStrike" spc="-1">
               <a:latin typeface="Arial"/>
             </a:endParaRPr>
           </a:p>
@@ -723,11 +852,14 @@
       </p:sp>
     </p:spTree>
   </p:cSld>
+  <p:clrMapOvr>
+    <a:masterClrMapping/>
+  </p:clrMapOvr>
 </p:sldLayout>
 </file>
 
 <file path=ppt/slideLayouts/slideLayout4.xml><?xml version="1.0" encoding="utf-8"?>
-<p:sldLayout xmlns:a="http://schemas.openxmlformats.org/drawingml/2006/main" xmlns:p="http://schemas.openxmlformats.org/presentationml/2006/main" xmlns:r="http://schemas.openxmlformats.org/officeDocument/2006/relationships" xmlns:p14="http://schemas.microsoft.com/office/powerpoint/2010/main" xmlns:p15="http://schemas.microsoft.com/office/powerpoint/2012/main" xmlns:mc="http://schemas.openxmlformats.org/markup-compatibility/2006" type="twoObj" preserve="1">
+<p:sldLayout xmlns:a="http://schemas.openxmlformats.org/drawingml/2006/main" xmlns:r="http://schemas.openxmlformats.org/officeDocument/2006/relationships" xmlns:p="http://schemas.openxmlformats.org/presentationml/2006/main" type="twoObj" preserve="1">
   <p:cSld name="Title, 2 Content">
     <p:spTree>
       <p:nvGrpSpPr>
@@ -763,10 +895,11 @@
           </a:prstGeom>
         </p:spPr>
         <p:txBody>
-          <a:bodyPr lIns="0" rIns="0" tIns="0" bIns="0" anchor="ctr"/>
+          <a:bodyPr lIns="0" tIns="0" rIns="0" bIns="0" anchor="ctr"/>
+          <a:lstStyle/>
           <a:p>
             <a:pPr algn="ctr"/>
-            <a:endParaRPr b="0" lang="ru-RU" sz="4400" spc="-1" strike="noStrike">
+            <a:endParaRPr lang="ru-RU" sz="4400" b="0" strike="noStrike" spc="-1">
               <a:latin typeface="Arial"/>
             </a:endParaRPr>
           </a:p>
@@ -792,11 +925,12 @@
           </a:prstGeom>
         </p:spPr>
         <p:txBody>
-          <a:bodyPr lIns="0" rIns="0" tIns="0" bIns="0">
+          <a:bodyPr lIns="0" tIns="0" rIns="0" bIns="0">
             <a:normAutofit/>
           </a:bodyPr>
-          <a:p>
-            <a:endParaRPr b="0" lang="ru-RU" sz="3200" spc="-1" strike="noStrike">
+          <a:lstStyle/>
+          <a:p>
+            <a:endParaRPr lang="ru-RU" sz="3200" b="0" strike="noStrike" spc="-1">
               <a:latin typeface="Arial"/>
             </a:endParaRPr>
           </a:p>
@@ -822,11 +956,12 @@
           </a:prstGeom>
         </p:spPr>
         <p:txBody>
-          <a:bodyPr lIns="0" rIns="0" tIns="0" bIns="0">
+          <a:bodyPr lIns="0" tIns="0" rIns="0" bIns="0">
             <a:normAutofit/>
           </a:bodyPr>
-          <a:p>
-            <a:endParaRPr b="0" lang="ru-RU" sz="3200" spc="-1" strike="noStrike">
+          <a:lstStyle/>
+          <a:p>
+            <a:endParaRPr lang="ru-RU" sz="3200" b="0" strike="noStrike" spc="-1">
               <a:latin typeface="Arial"/>
             </a:endParaRPr>
           </a:p>
@@ -834,11 +969,14 @@
       </p:sp>
     </p:spTree>
   </p:cSld>
+  <p:clrMapOvr>
+    <a:masterClrMapping/>
+  </p:clrMapOvr>
 </p:sldLayout>
 </file>
 
 <file path=ppt/slideLayouts/slideLayout5.xml><?xml version="1.0" encoding="utf-8"?>
-<p:sldLayout xmlns:a="http://schemas.openxmlformats.org/drawingml/2006/main" xmlns:p="http://schemas.openxmlformats.org/presentationml/2006/main" xmlns:r="http://schemas.openxmlformats.org/officeDocument/2006/relationships" xmlns:p14="http://schemas.microsoft.com/office/powerpoint/2010/main" xmlns:p15="http://schemas.microsoft.com/office/powerpoint/2012/main" xmlns:mc="http://schemas.openxmlformats.org/markup-compatibility/2006" type="titleOnly" preserve="1">
+<p:sldLayout xmlns:a="http://schemas.openxmlformats.org/drawingml/2006/main" xmlns:r="http://schemas.openxmlformats.org/officeDocument/2006/relationships" xmlns:p="http://schemas.openxmlformats.org/presentationml/2006/main" type="titleOnly" preserve="1">
   <p:cSld name="Title Only">
     <p:spTree>
       <p:nvGrpSpPr>
@@ -874,10 +1012,11 @@
           </a:prstGeom>
         </p:spPr>
         <p:txBody>
-          <a:bodyPr lIns="0" rIns="0" tIns="0" bIns="0" anchor="ctr"/>
+          <a:bodyPr lIns="0" tIns="0" rIns="0" bIns="0" anchor="ctr"/>
+          <a:lstStyle/>
           <a:p>
             <a:pPr algn="ctr"/>
-            <a:endParaRPr b="0" lang="ru-RU" sz="4400" spc="-1" strike="noStrike">
+            <a:endParaRPr lang="ru-RU" sz="4400" b="0" strike="noStrike" spc="-1">
               <a:latin typeface="Arial"/>
             </a:endParaRPr>
           </a:p>
@@ -885,11 +1024,14 @@
       </p:sp>
     </p:spTree>
   </p:cSld>
+  <p:clrMapOvr>
+    <a:masterClrMapping/>
+  </p:clrMapOvr>
 </p:sldLayout>
 </file>
 
 <file path=ppt/slideLayouts/slideLayout6.xml><?xml version="1.0" encoding="utf-8"?>
-<p:sldLayout xmlns:a="http://schemas.openxmlformats.org/drawingml/2006/main" xmlns:p="http://schemas.openxmlformats.org/presentationml/2006/main" xmlns:r="http://schemas.openxmlformats.org/officeDocument/2006/relationships" xmlns:p14="http://schemas.microsoft.com/office/powerpoint/2010/main" xmlns:p15="http://schemas.microsoft.com/office/powerpoint/2012/main" xmlns:mc="http://schemas.openxmlformats.org/markup-compatibility/2006" type="objOnly" preserve="1">
+<p:sldLayout xmlns:a="http://schemas.openxmlformats.org/drawingml/2006/main" xmlns:r="http://schemas.openxmlformats.org/officeDocument/2006/relationships" xmlns:p="http://schemas.openxmlformats.org/presentationml/2006/main" type="objOnly" preserve="1">
   <p:cSld name="Centered Text">
     <p:spTree>
       <p:nvGrpSpPr>
@@ -925,10 +1067,11 @@
           </a:prstGeom>
         </p:spPr>
         <p:txBody>
-          <a:bodyPr lIns="0" rIns="0" tIns="0" bIns="0" anchor="ctr"/>
+          <a:bodyPr lIns="0" tIns="0" rIns="0" bIns="0" anchor="ctr"/>
+          <a:lstStyle/>
           <a:p>
             <a:pPr algn="ctr"/>
-            <a:endParaRPr b="0" lang="ru-RU" sz="3200" spc="-1" strike="noStrike">
+            <a:endParaRPr lang="ru-RU" sz="3200" b="0" strike="noStrike" spc="-1">
               <a:latin typeface="Arial"/>
             </a:endParaRPr>
           </a:p>
@@ -936,11 +1079,14 @@
       </p:sp>
     </p:spTree>
   </p:cSld>
+  <p:clrMapOvr>
+    <a:masterClrMapping/>
+  </p:clrMapOvr>
 </p:sldLayout>
 </file>
 
 <file path=ppt/slideLayouts/slideLayout7.xml><?xml version="1.0" encoding="utf-8"?>
-<p:sldLayout xmlns:a="http://schemas.openxmlformats.org/drawingml/2006/main" xmlns:p="http://schemas.openxmlformats.org/presentationml/2006/main" xmlns:r="http://schemas.openxmlformats.org/officeDocument/2006/relationships" xmlns:p14="http://schemas.microsoft.com/office/powerpoint/2010/main" xmlns:p15="http://schemas.microsoft.com/office/powerpoint/2012/main" xmlns:mc="http://schemas.openxmlformats.org/markup-compatibility/2006" type="twoObjAndObj" preserve="1">
+<p:sldLayout xmlns:a="http://schemas.openxmlformats.org/drawingml/2006/main" xmlns:r="http://schemas.openxmlformats.org/officeDocument/2006/relationships" xmlns:p="http://schemas.openxmlformats.org/presentationml/2006/main" type="twoObjAndObj" preserve="1">
   <p:cSld name="Title, 2 Content and Content">
     <p:spTree>
       <p:nvGrpSpPr>
@@ -976,10 +1122,11 @@
           </a:prstGeom>
         </p:spPr>
         <p:txBody>
-          <a:bodyPr lIns="0" rIns="0" tIns="0" bIns="0" anchor="ctr"/>
+          <a:bodyPr lIns="0" tIns="0" rIns="0" bIns="0" anchor="ctr"/>
+          <a:lstStyle/>
           <a:p>
             <a:pPr algn="ctr"/>
-            <a:endParaRPr b="0" lang="ru-RU" sz="4400" spc="-1" strike="noStrike">
+            <a:endParaRPr lang="ru-RU" sz="4400" b="0" strike="noStrike" spc="-1">
               <a:latin typeface="Arial"/>
             </a:endParaRPr>
           </a:p>
@@ -1005,11 +1152,12 @@
           </a:prstGeom>
         </p:spPr>
         <p:txBody>
-          <a:bodyPr lIns="0" rIns="0" tIns="0" bIns="0">
+          <a:bodyPr lIns="0" tIns="0" rIns="0" bIns="0">
             <a:normAutofit/>
           </a:bodyPr>
-          <a:p>
-            <a:endParaRPr b="0" lang="ru-RU" sz="3200" spc="-1" strike="noStrike">
+          <a:lstStyle/>
+          <a:p>
+            <a:endParaRPr lang="ru-RU" sz="3200" b="0" strike="noStrike" spc="-1">
               <a:latin typeface="Arial"/>
             </a:endParaRPr>
           </a:p>
@@ -1035,11 +1183,12 @@
           </a:prstGeom>
         </p:spPr>
         <p:txBody>
-          <a:bodyPr lIns="0" rIns="0" tIns="0" bIns="0">
+          <a:bodyPr lIns="0" tIns="0" rIns="0" bIns="0">
             <a:normAutofit/>
           </a:bodyPr>
-          <a:p>
-            <a:endParaRPr b="0" lang="ru-RU" sz="3200" spc="-1" strike="noStrike">
+          <a:lstStyle/>
+          <a:p>
+            <a:endParaRPr lang="ru-RU" sz="3200" b="0" strike="noStrike" spc="-1">
               <a:latin typeface="Arial"/>
             </a:endParaRPr>
           </a:p>
@@ -1065,11 +1214,12 @@
           </a:prstGeom>
         </p:spPr>
         <p:txBody>
-          <a:bodyPr lIns="0" rIns="0" tIns="0" bIns="0">
+          <a:bodyPr lIns="0" tIns="0" rIns="0" bIns="0">
             <a:normAutofit/>
           </a:bodyPr>
-          <a:p>
-            <a:endParaRPr b="0" lang="ru-RU" sz="3200" spc="-1" strike="noStrike">
+          <a:lstStyle/>
+          <a:p>
+            <a:endParaRPr lang="ru-RU" sz="3200" b="0" strike="noStrike" spc="-1">
               <a:latin typeface="Arial"/>
             </a:endParaRPr>
           </a:p>
@@ -1077,11 +1227,14 @@
       </p:sp>
     </p:spTree>
   </p:cSld>
+  <p:clrMapOvr>
+    <a:masterClrMapping/>
+  </p:clrMapOvr>
 </p:sldLayout>
 </file>
 
 <file path=ppt/slideLayouts/slideLayout8.xml><?xml version="1.0" encoding="utf-8"?>
-<p:sldLayout xmlns:a="http://schemas.openxmlformats.org/drawingml/2006/main" xmlns:p="http://schemas.openxmlformats.org/presentationml/2006/main" xmlns:r="http://schemas.openxmlformats.org/officeDocument/2006/relationships" xmlns:p14="http://schemas.microsoft.com/office/powerpoint/2010/main" xmlns:p15="http://schemas.microsoft.com/office/powerpoint/2012/main" xmlns:mc="http://schemas.openxmlformats.org/markup-compatibility/2006" type="objAndTwoObj" preserve="1">
+<p:sldLayout xmlns:a="http://schemas.openxmlformats.org/drawingml/2006/main" xmlns:r="http://schemas.openxmlformats.org/officeDocument/2006/relationships" xmlns:p="http://schemas.openxmlformats.org/presentationml/2006/main" type="objAndTwoObj" preserve="1">
   <p:cSld name="Title Content and 2 Content">
     <p:spTree>
       <p:nvGrpSpPr>
@@ -1117,10 +1270,11 @@
           </a:prstGeom>
         </p:spPr>
         <p:txBody>
-          <a:bodyPr lIns="0" rIns="0" tIns="0" bIns="0" anchor="ctr"/>
+          <a:bodyPr lIns="0" tIns="0" rIns="0" bIns="0" anchor="ctr"/>
+          <a:lstStyle/>
           <a:p>
             <a:pPr algn="ctr"/>
-            <a:endParaRPr b="0" lang="ru-RU" sz="4400" spc="-1" strike="noStrike">
+            <a:endParaRPr lang="ru-RU" sz="4400" b="0" strike="noStrike" spc="-1">
               <a:latin typeface="Arial"/>
             </a:endParaRPr>
           </a:p>
@@ -1146,11 +1300,12 @@
           </a:prstGeom>
         </p:spPr>
         <p:txBody>
-          <a:bodyPr lIns="0" rIns="0" tIns="0" bIns="0">
+          <a:bodyPr lIns="0" tIns="0" rIns="0" bIns="0">
             <a:normAutofit/>
           </a:bodyPr>
-          <a:p>
-            <a:endParaRPr b="0" lang="ru-RU" sz="3200" spc="-1" strike="noStrike">
+          <a:lstStyle/>
+          <a:p>
+            <a:endParaRPr lang="ru-RU" sz="3200" b="0" strike="noStrike" spc="-1">
               <a:latin typeface="Arial"/>
             </a:endParaRPr>
           </a:p>
@@ -1176,11 +1331,12 @@
           </a:prstGeom>
         </p:spPr>
         <p:txBody>
-          <a:bodyPr lIns="0" rIns="0" tIns="0" bIns="0">
+          <a:bodyPr lIns="0" tIns="0" rIns="0" bIns="0">
             <a:normAutofit/>
           </a:bodyPr>
-          <a:p>
-            <a:endParaRPr b="0" lang="ru-RU" sz="3200" spc="-1" strike="noStrike">
+          <a:lstStyle/>
+          <a:p>
+            <a:endParaRPr lang="ru-RU" sz="3200" b="0" strike="noStrike" spc="-1">
               <a:latin typeface="Arial"/>
             </a:endParaRPr>
           </a:p>
@@ -1206,11 +1362,12 @@
           </a:prstGeom>
         </p:spPr>
         <p:txBody>
-          <a:bodyPr lIns="0" rIns="0" tIns="0" bIns="0">
+          <a:bodyPr lIns="0" tIns="0" rIns="0" bIns="0">
             <a:normAutofit/>
           </a:bodyPr>
-          <a:p>
-            <a:endParaRPr b="0" lang="ru-RU" sz="3200" spc="-1" strike="noStrike">
+          <a:lstStyle/>
+          <a:p>
+            <a:endParaRPr lang="ru-RU" sz="3200" b="0" strike="noStrike" spc="-1">
               <a:latin typeface="Arial"/>
             </a:endParaRPr>
           </a:p>
@@ -1218,11 +1375,14 @@
       </p:sp>
     </p:spTree>
   </p:cSld>
+  <p:clrMapOvr>
+    <a:masterClrMapping/>
+  </p:clrMapOvr>
 </p:sldLayout>
 </file>
 
 <file path=ppt/slideLayouts/slideLayout9.xml><?xml version="1.0" encoding="utf-8"?>
-<p:sldLayout xmlns:a="http://schemas.openxmlformats.org/drawingml/2006/main" xmlns:p="http://schemas.openxmlformats.org/presentationml/2006/main" xmlns:r="http://schemas.openxmlformats.org/officeDocument/2006/relationships" xmlns:p14="http://schemas.microsoft.com/office/powerpoint/2010/main" xmlns:p15="http://schemas.microsoft.com/office/powerpoint/2012/main" xmlns:mc="http://schemas.openxmlformats.org/markup-compatibility/2006" type="twoObjOverTx" preserve="1">
+<p:sldLayout xmlns:a="http://schemas.openxmlformats.org/drawingml/2006/main" xmlns:r="http://schemas.openxmlformats.org/officeDocument/2006/relationships" xmlns:p="http://schemas.openxmlformats.org/presentationml/2006/main" type="twoObjOverTx" preserve="1">
   <p:cSld name="Title, 2 Content over Content">
     <p:spTree>
       <p:nvGrpSpPr>
@@ -1258,10 +1418,11 @@
           </a:prstGeom>
         </p:spPr>
         <p:txBody>
-          <a:bodyPr lIns="0" rIns="0" tIns="0" bIns="0" anchor="ctr"/>
+          <a:bodyPr lIns="0" tIns="0" rIns="0" bIns="0" anchor="ctr"/>
+          <a:lstStyle/>
           <a:p>
             <a:pPr algn="ctr"/>
-            <a:endParaRPr b="0" lang="ru-RU" sz="4400" spc="-1" strike="noStrike">
+            <a:endParaRPr lang="ru-RU" sz="4400" b="0" strike="noStrike" spc="-1">
               <a:latin typeface="Arial"/>
             </a:endParaRPr>
           </a:p>
@@ -1287,11 +1448,12 @@
           </a:prstGeom>
         </p:spPr>
         <p:txBody>
-          <a:bodyPr lIns="0" rIns="0" tIns="0" bIns="0">
+          <a:bodyPr lIns="0" tIns="0" rIns="0" bIns="0">
             <a:normAutofit/>
           </a:bodyPr>
-          <a:p>
-            <a:endParaRPr b="0" lang="ru-RU" sz="3200" spc="-1" strike="noStrike">
+          <a:lstStyle/>
+          <a:p>
+            <a:endParaRPr lang="ru-RU" sz="3200" b="0" strike="noStrike" spc="-1">
               <a:latin typeface="Arial"/>
             </a:endParaRPr>
           </a:p>
@@ -1317,11 +1479,12 @@
           </a:prstGeom>
         </p:spPr>
         <p:txBody>
-          <a:bodyPr lIns="0" rIns="0" tIns="0" bIns="0">
+          <a:bodyPr lIns="0" tIns="0" rIns="0" bIns="0">
             <a:normAutofit/>
           </a:bodyPr>
-          <a:p>
-            <a:endParaRPr b="0" lang="ru-RU" sz="3200" spc="-1" strike="noStrike">
+          <a:lstStyle/>
+          <a:p>
+            <a:endParaRPr lang="ru-RU" sz="3200" b="0" strike="noStrike" spc="-1">
               <a:latin typeface="Arial"/>
             </a:endParaRPr>
           </a:p>
@@ -1347,11 +1510,12 @@
           </a:prstGeom>
         </p:spPr>
         <p:txBody>
-          <a:bodyPr lIns="0" rIns="0" tIns="0" bIns="0">
+          <a:bodyPr lIns="0" tIns="0" rIns="0" bIns="0">
             <a:normAutofit/>
           </a:bodyPr>
-          <a:p>
-            <a:endParaRPr b="0" lang="ru-RU" sz="3200" spc="-1" strike="noStrike">
+          <a:lstStyle/>
+          <a:p>
+            <a:endParaRPr lang="ru-RU" sz="3200" b="0" strike="noStrike" spc="-1">
               <a:latin typeface="Arial"/>
             </a:endParaRPr>
           </a:p>
@@ -1359,20 +1523,24 @@
       </p:sp>
     </p:spTree>
   </p:cSld>
+  <p:clrMapOvr>
+    <a:masterClrMapping/>
+  </p:clrMapOvr>
 </p:sldLayout>
 </file>
 
 <file path=ppt/slideMasters/slideMaster1.xml><?xml version="1.0" encoding="utf-8"?>
-<p:sldMaster xmlns:a="http://schemas.openxmlformats.org/drawingml/2006/main" xmlns:p="http://schemas.openxmlformats.org/presentationml/2006/main" xmlns:r="http://schemas.openxmlformats.org/officeDocument/2006/relationships" xmlns:p14="http://schemas.microsoft.com/office/powerpoint/2010/main" xmlns:p15="http://schemas.microsoft.com/office/powerpoint/2012/main" xmlns:mc="http://schemas.openxmlformats.org/markup-compatibility/2006">
+<p:sldMaster xmlns:a="http://schemas.openxmlformats.org/drawingml/2006/main" xmlns:r="http://schemas.openxmlformats.org/officeDocument/2006/relationships" xmlns:p="http://schemas.openxmlformats.org/presentationml/2006/main">
   <p:cSld>
     <p:bg>
       <p:bgPr>
         <a:blipFill rotWithShape="0">
-          <a:blip r:embed="rId2"/>
+          <a:blip r:embed="rId14"/>
           <a:stretch>
             <a:fillRect/>
           </a:stretch>
         </a:blipFill>
+        <a:effectLst/>
       </p:bgPr>
     </p:bg>
     <p:spTree>
@@ -1391,7 +1559,7 @@
       </p:grpSpPr>
       <p:sp>
         <p:nvSpPr>
-          <p:cNvPr id="0" name="PlaceHolder 1"/>
+          <p:cNvPr id="2" name="PlaceHolder 1"/>
           <p:cNvSpPr>
             <a:spLocks noGrp="1"/>
           </p:cNvSpPr>
@@ -1409,24 +1577,22 @@
           </a:prstGeom>
         </p:spPr>
         <p:txBody>
-          <a:bodyPr lIns="0" rIns="0" tIns="0" bIns="0" anchor="ctr"/>
+          <a:bodyPr lIns="0" tIns="0" rIns="0" bIns="0" anchor="ctr"/>
+          <a:lstStyle/>
           <a:p>
             <a:pPr algn="ctr"/>
             <a:r>
-              <a:rPr b="0" lang="ru-RU" sz="4400" spc="-1" strike="noStrike">
+              <a:rPr lang="ru-RU" sz="4400" b="0" strike="noStrike" spc="-1">
                 <a:latin typeface="Arial"/>
               </a:rPr>
               <a:t>Для правки текста заглавия щёлкните мышью</a:t>
             </a:r>
-            <a:endParaRPr b="0" lang="ru-RU" sz="4400" spc="-1" strike="noStrike">
-              <a:latin typeface="Arial"/>
-            </a:endParaRPr>
-          </a:p>
-        </p:txBody>
-      </p:sp>
-      <p:sp>
-        <p:nvSpPr>
-          <p:cNvPr id="1" name="PlaceHolder 2"/>
+          </a:p>
+        </p:txBody>
+      </p:sp>
+      <p:sp>
+        <p:nvSpPr>
+          <p:cNvPr id="3" name="PlaceHolder 2"/>
           <p:cNvSpPr>
             <a:spLocks noGrp="1"/>
           </p:cNvSpPr>
@@ -1444,9 +1610,10 @@
           </a:prstGeom>
         </p:spPr>
         <p:txBody>
-          <a:bodyPr lIns="0" rIns="0" tIns="0" bIns="0">
+          <a:bodyPr lIns="0" tIns="0" rIns="0" bIns="0">
             <a:normAutofit/>
           </a:bodyPr>
+          <a:lstStyle/>
           <a:p>
             <a:pPr marL="432000" indent="-324000">
               <a:spcBef>
@@ -1460,17 +1627,14 @@
               <a:buChar char=""/>
             </a:pPr>
             <a:r>
-              <a:rPr b="0" lang="ru-RU" sz="3200" spc="-1" strike="noStrike">
+              <a:rPr lang="ru-RU" sz="3200" b="0" strike="noStrike" spc="-1">
                 <a:latin typeface="Arial"/>
               </a:rPr>
               <a:t>Для правки структуры щёлкните мышью</a:t>
             </a:r>
-            <a:endParaRPr b="0" lang="ru-RU" sz="3200" spc="-1" strike="noStrike">
-              <a:latin typeface="Arial"/>
-            </a:endParaRPr>
-          </a:p>
-          <a:p>
-            <a:pPr lvl="1" marL="864000" indent="-324000">
+          </a:p>
+          <a:p>
+            <a:pPr marL="864000" lvl="1" indent="-324000">
               <a:spcBef>
                 <a:spcPts val="1134"/>
               </a:spcBef>
@@ -1482,17 +1646,14 @@
               <a:buChar char=""/>
             </a:pPr>
             <a:r>
-              <a:rPr b="0" lang="ru-RU" sz="2800" spc="-1" strike="noStrike">
+              <a:rPr lang="ru-RU" sz="2800" b="0" strike="noStrike" spc="-1">
                 <a:latin typeface="Arial"/>
               </a:rPr>
               <a:t>Второй уровень структуры</a:t>
             </a:r>
-            <a:endParaRPr b="0" lang="ru-RU" sz="2800" spc="-1" strike="noStrike">
-              <a:latin typeface="Arial"/>
-            </a:endParaRPr>
-          </a:p>
-          <a:p>
-            <a:pPr lvl="2" marL="1296000" indent="-288000">
+          </a:p>
+          <a:p>
+            <a:pPr marL="1296000" lvl="2" indent="-288000">
               <a:spcBef>
                 <a:spcPts val="850"/>
               </a:spcBef>
@@ -1504,17 +1665,14 @@
               <a:buChar char=""/>
             </a:pPr>
             <a:r>
-              <a:rPr b="0" lang="ru-RU" sz="2400" spc="-1" strike="noStrike">
+              <a:rPr lang="ru-RU" sz="2400" b="0" strike="noStrike" spc="-1">
                 <a:latin typeface="Arial"/>
               </a:rPr>
               <a:t>Третий уровень структуры</a:t>
             </a:r>
-            <a:endParaRPr b="0" lang="ru-RU" sz="2400" spc="-1" strike="noStrike">
-              <a:latin typeface="Arial"/>
-            </a:endParaRPr>
-          </a:p>
-          <a:p>
-            <a:pPr lvl="3" marL="1728000" indent="-216000">
+          </a:p>
+          <a:p>
+            <a:pPr marL="1728000" lvl="3" indent="-216000">
               <a:spcBef>
                 <a:spcPts val="567"/>
               </a:spcBef>
@@ -1526,17 +1684,14 @@
               <a:buChar char=""/>
             </a:pPr>
             <a:r>
-              <a:rPr b="0" lang="ru-RU" sz="2000" spc="-1" strike="noStrike">
+              <a:rPr lang="ru-RU" sz="2000" b="0" strike="noStrike" spc="-1">
                 <a:latin typeface="Arial"/>
               </a:rPr>
               <a:t>Четвёртый уровень структуры</a:t>
             </a:r>
-            <a:endParaRPr b="0" lang="ru-RU" sz="2000" spc="-1" strike="noStrike">
-              <a:latin typeface="Arial"/>
-            </a:endParaRPr>
-          </a:p>
-          <a:p>
-            <a:pPr lvl="4" marL="2160000" indent="-216000">
+          </a:p>
+          <a:p>
+            <a:pPr marL="2160000" lvl="4" indent="-216000">
               <a:spcBef>
                 <a:spcPts val="283"/>
               </a:spcBef>
@@ -1548,17 +1703,14 @@
               <a:buChar char=""/>
             </a:pPr>
             <a:r>
-              <a:rPr b="0" lang="ru-RU" sz="2000" spc="-1" strike="noStrike">
+              <a:rPr lang="ru-RU" sz="2000" b="0" strike="noStrike" spc="-1">
                 <a:latin typeface="Arial"/>
               </a:rPr>
               <a:t>Пятый уровень структуры</a:t>
             </a:r>
-            <a:endParaRPr b="0" lang="ru-RU" sz="2000" spc="-1" strike="noStrike">
-              <a:latin typeface="Arial"/>
-            </a:endParaRPr>
-          </a:p>
-          <a:p>
-            <a:pPr lvl="5" marL="2592000" indent="-216000">
+          </a:p>
+          <a:p>
+            <a:pPr marL="2592000" lvl="5" indent="-216000">
               <a:spcBef>
                 <a:spcPts val="283"/>
               </a:spcBef>
@@ -1570,17 +1722,14 @@
               <a:buChar char=""/>
             </a:pPr>
             <a:r>
-              <a:rPr b="0" lang="ru-RU" sz="2000" spc="-1" strike="noStrike">
+              <a:rPr lang="ru-RU" sz="2000" b="0" strike="noStrike" spc="-1">
                 <a:latin typeface="Arial"/>
               </a:rPr>
               <a:t>Шестой уровень структуры</a:t>
             </a:r>
-            <a:endParaRPr b="0" lang="ru-RU" sz="2000" spc="-1" strike="noStrike">
-              <a:latin typeface="Arial"/>
-            </a:endParaRPr>
-          </a:p>
-          <a:p>
-            <a:pPr lvl="6" marL="3024000" indent="-216000">
+          </a:p>
+          <a:p>
+            <a:pPr marL="3024000" lvl="6" indent="-216000">
               <a:spcBef>
                 <a:spcPts val="283"/>
               </a:spcBef>
@@ -1592,39 +1741,316 @@
               <a:buChar char=""/>
             </a:pPr>
             <a:r>
-              <a:rPr b="0" lang="ru-RU" sz="2000" spc="-1" strike="noStrike">
+              <a:rPr lang="ru-RU" sz="2000" b="0" strike="noStrike" spc="-1">
                 <a:latin typeface="Arial"/>
               </a:rPr>
               <a:t>Седьмой уровень структуры</a:t>
             </a:r>
-            <a:endParaRPr b="0" lang="ru-RU" sz="2000" spc="-1" strike="noStrike">
-              <a:latin typeface="Arial"/>
-            </a:endParaRPr>
           </a:p>
         </p:txBody>
       </p:sp>
     </p:spTree>
   </p:cSld>
-  <p:clrMap bg1="lt1" bg2="lt2" tx1="dk1" tx2="dk2" accent1="accent1" accent2="accent2" accent3="accent3" accent4="accent4" accent5="accent5" accent6="accent6" hlink="hlink" folHlink="folHlink"/>
+  <p:clrMap bg1="lt1" tx1="dk1" bg2="lt2" tx2="dk2" accent1="accent1" accent2="accent2" accent3="accent3" accent4="accent4" accent5="accent5" accent6="accent6" hlink="hlink" folHlink="folHlink"/>
   <p:sldLayoutIdLst>
-    <p:sldLayoutId id="2147483649" r:id="rId3"/>
-    <p:sldLayoutId id="2147483650" r:id="rId4"/>
-    <p:sldLayoutId id="2147483651" r:id="rId5"/>
-    <p:sldLayoutId id="2147483652" r:id="rId6"/>
-    <p:sldLayoutId id="2147483653" r:id="rId7"/>
-    <p:sldLayoutId id="2147483654" r:id="rId8"/>
-    <p:sldLayoutId id="2147483655" r:id="rId9"/>
-    <p:sldLayoutId id="2147483656" r:id="rId10"/>
-    <p:sldLayoutId id="2147483657" r:id="rId11"/>
-    <p:sldLayoutId id="2147483658" r:id="rId12"/>
-    <p:sldLayoutId id="2147483659" r:id="rId13"/>
-    <p:sldLayoutId id="2147483660" r:id="rId14"/>
+    <p:sldLayoutId id="2147483649" r:id="rId1"/>
+    <p:sldLayoutId id="2147483650" r:id="rId2"/>
+    <p:sldLayoutId id="2147483651" r:id="rId3"/>
+    <p:sldLayoutId id="2147483652" r:id="rId4"/>
+    <p:sldLayoutId id="2147483653" r:id="rId5"/>
+    <p:sldLayoutId id="2147483654" r:id="rId6"/>
+    <p:sldLayoutId id="2147483655" r:id="rId7"/>
+    <p:sldLayoutId id="2147483656" r:id="rId8"/>
+    <p:sldLayoutId id="2147483657" r:id="rId9"/>
+    <p:sldLayoutId id="2147483658" r:id="rId10"/>
+    <p:sldLayoutId id="2147483659" r:id="rId11"/>
+    <p:sldLayoutId id="2147483660" r:id="rId12"/>
   </p:sldLayoutIdLst>
+  <p:txStyles>
+    <p:titleStyle>
+      <a:lvl1pPr algn="l" defTabSz="914400" rtl="0" eaLnBrk="1" latinLnBrk="0" hangingPunct="1">
+        <a:lnSpc>
+          <a:spcPct val="90000"/>
+        </a:lnSpc>
+        <a:spcBef>
+          <a:spcPct val="0"/>
+        </a:spcBef>
+        <a:buNone/>
+        <a:defRPr sz="4400" kern="1200">
+          <a:solidFill>
+            <a:schemeClr val="tx1"/>
+          </a:solidFill>
+          <a:latin typeface="+mj-lt"/>
+          <a:ea typeface="+mj-ea"/>
+          <a:cs typeface="+mj-cs"/>
+        </a:defRPr>
+      </a:lvl1pPr>
+    </p:titleStyle>
+    <p:bodyStyle>
+      <a:lvl1pPr marL="228600" indent="-228600" algn="l" defTabSz="914400" rtl="0" eaLnBrk="1" latinLnBrk="0" hangingPunct="1">
+        <a:lnSpc>
+          <a:spcPct val="90000"/>
+        </a:lnSpc>
+        <a:spcBef>
+          <a:spcPts val="1000"/>
+        </a:spcBef>
+        <a:buFont typeface="Arial" panose="020B0604020202020204" pitchFamily="34" charset="0"/>
+        <a:buChar char="•"/>
+        <a:defRPr sz="2800" kern="1200">
+          <a:solidFill>
+            <a:schemeClr val="tx1"/>
+          </a:solidFill>
+          <a:latin typeface="+mn-lt"/>
+          <a:ea typeface="+mn-ea"/>
+          <a:cs typeface="+mn-cs"/>
+        </a:defRPr>
+      </a:lvl1pPr>
+      <a:lvl2pPr marL="685800" indent="-228600" algn="l" defTabSz="914400" rtl="0" eaLnBrk="1" latinLnBrk="0" hangingPunct="1">
+        <a:lnSpc>
+          <a:spcPct val="90000"/>
+        </a:lnSpc>
+        <a:spcBef>
+          <a:spcPts val="500"/>
+        </a:spcBef>
+        <a:buFont typeface="Arial" panose="020B0604020202020204" pitchFamily="34" charset="0"/>
+        <a:buChar char="•"/>
+        <a:defRPr sz="2400" kern="1200">
+          <a:solidFill>
+            <a:schemeClr val="tx1"/>
+          </a:solidFill>
+          <a:latin typeface="+mn-lt"/>
+          <a:ea typeface="+mn-ea"/>
+          <a:cs typeface="+mn-cs"/>
+        </a:defRPr>
+      </a:lvl2pPr>
+      <a:lvl3pPr marL="1143000" indent="-228600" algn="l" defTabSz="914400" rtl="0" eaLnBrk="1" latinLnBrk="0" hangingPunct="1">
+        <a:lnSpc>
+          <a:spcPct val="90000"/>
+        </a:lnSpc>
+        <a:spcBef>
+          <a:spcPts val="500"/>
+        </a:spcBef>
+        <a:buFont typeface="Arial" panose="020B0604020202020204" pitchFamily="34" charset="0"/>
+        <a:buChar char="•"/>
+        <a:defRPr sz="2000" kern="1200">
+          <a:solidFill>
+            <a:schemeClr val="tx1"/>
+          </a:solidFill>
+          <a:latin typeface="+mn-lt"/>
+          <a:ea typeface="+mn-ea"/>
+          <a:cs typeface="+mn-cs"/>
+        </a:defRPr>
+      </a:lvl3pPr>
+      <a:lvl4pPr marL="1600200" indent="-228600" algn="l" defTabSz="914400" rtl="0" eaLnBrk="1" latinLnBrk="0" hangingPunct="1">
+        <a:lnSpc>
+          <a:spcPct val="90000"/>
+        </a:lnSpc>
+        <a:spcBef>
+          <a:spcPts val="500"/>
+        </a:spcBef>
+        <a:buFont typeface="Arial" panose="020B0604020202020204" pitchFamily="34" charset="0"/>
+        <a:buChar char="•"/>
+        <a:defRPr sz="1800" kern="1200">
+          <a:solidFill>
+            <a:schemeClr val="tx1"/>
+          </a:solidFill>
+          <a:latin typeface="+mn-lt"/>
+          <a:ea typeface="+mn-ea"/>
+          <a:cs typeface="+mn-cs"/>
+        </a:defRPr>
+      </a:lvl4pPr>
+      <a:lvl5pPr marL="2057400" indent="-228600" algn="l" defTabSz="914400" rtl="0" eaLnBrk="1" latinLnBrk="0" hangingPunct="1">
+        <a:lnSpc>
+          <a:spcPct val="90000"/>
+        </a:lnSpc>
+        <a:spcBef>
+          <a:spcPts val="500"/>
+        </a:spcBef>
+        <a:buFont typeface="Arial" panose="020B0604020202020204" pitchFamily="34" charset="0"/>
+        <a:buChar char="•"/>
+        <a:defRPr sz="1800" kern="1200">
+          <a:solidFill>
+            <a:schemeClr val="tx1"/>
+          </a:solidFill>
+          <a:latin typeface="+mn-lt"/>
+          <a:ea typeface="+mn-ea"/>
+          <a:cs typeface="+mn-cs"/>
+        </a:defRPr>
+      </a:lvl5pPr>
+      <a:lvl6pPr marL="2514600" indent="-228600" algn="l" defTabSz="914400" rtl="0" eaLnBrk="1" latinLnBrk="0" hangingPunct="1">
+        <a:lnSpc>
+          <a:spcPct val="90000"/>
+        </a:lnSpc>
+        <a:spcBef>
+          <a:spcPts val="500"/>
+        </a:spcBef>
+        <a:buFont typeface="Arial" panose="020B0604020202020204" pitchFamily="34" charset="0"/>
+        <a:buChar char="•"/>
+        <a:defRPr sz="1800" kern="1200">
+          <a:solidFill>
+            <a:schemeClr val="tx1"/>
+          </a:solidFill>
+          <a:latin typeface="+mn-lt"/>
+          <a:ea typeface="+mn-ea"/>
+          <a:cs typeface="+mn-cs"/>
+        </a:defRPr>
+      </a:lvl6pPr>
+      <a:lvl7pPr marL="2971800" indent="-228600" algn="l" defTabSz="914400" rtl="0" eaLnBrk="1" latinLnBrk="0" hangingPunct="1">
+        <a:lnSpc>
+          <a:spcPct val="90000"/>
+        </a:lnSpc>
+        <a:spcBef>
+          <a:spcPts val="500"/>
+        </a:spcBef>
+        <a:buFont typeface="Arial" panose="020B0604020202020204" pitchFamily="34" charset="0"/>
+        <a:buChar char="•"/>
+        <a:defRPr sz="1800" kern="1200">
+          <a:solidFill>
+            <a:schemeClr val="tx1"/>
+          </a:solidFill>
+          <a:latin typeface="+mn-lt"/>
+          <a:ea typeface="+mn-ea"/>
+          <a:cs typeface="+mn-cs"/>
+        </a:defRPr>
+      </a:lvl7pPr>
+      <a:lvl8pPr marL="3429000" indent="-228600" algn="l" defTabSz="914400" rtl="0" eaLnBrk="1" latinLnBrk="0" hangingPunct="1">
+        <a:lnSpc>
+          <a:spcPct val="90000"/>
+        </a:lnSpc>
+        <a:spcBef>
+          <a:spcPts val="500"/>
+        </a:spcBef>
+        <a:buFont typeface="Arial" panose="020B0604020202020204" pitchFamily="34" charset="0"/>
+        <a:buChar char="•"/>
+        <a:defRPr sz="1800" kern="1200">
+          <a:solidFill>
+            <a:schemeClr val="tx1"/>
+          </a:solidFill>
+          <a:latin typeface="+mn-lt"/>
+          <a:ea typeface="+mn-ea"/>
+          <a:cs typeface="+mn-cs"/>
+        </a:defRPr>
+      </a:lvl8pPr>
+      <a:lvl9pPr marL="3886200" indent="-228600" algn="l" defTabSz="914400" rtl="0" eaLnBrk="1" latinLnBrk="0" hangingPunct="1">
+        <a:lnSpc>
+          <a:spcPct val="90000"/>
+        </a:lnSpc>
+        <a:spcBef>
+          <a:spcPts val="500"/>
+        </a:spcBef>
+        <a:buFont typeface="Arial" panose="020B0604020202020204" pitchFamily="34" charset="0"/>
+        <a:buChar char="•"/>
+        <a:defRPr sz="1800" kern="1200">
+          <a:solidFill>
+            <a:schemeClr val="tx1"/>
+          </a:solidFill>
+          <a:latin typeface="+mn-lt"/>
+          <a:ea typeface="+mn-ea"/>
+          <a:cs typeface="+mn-cs"/>
+        </a:defRPr>
+      </a:lvl9pPr>
+    </p:bodyStyle>
+    <p:otherStyle>
+      <a:defPPr>
+        <a:defRPr lang="en-US"/>
+      </a:defPPr>
+      <a:lvl1pPr marL="0" algn="l" defTabSz="914400" rtl="0" eaLnBrk="1" latinLnBrk="0" hangingPunct="1">
+        <a:defRPr sz="1800" kern="1200">
+          <a:solidFill>
+            <a:schemeClr val="tx1"/>
+          </a:solidFill>
+          <a:latin typeface="+mn-lt"/>
+          <a:ea typeface="+mn-ea"/>
+          <a:cs typeface="+mn-cs"/>
+        </a:defRPr>
+      </a:lvl1pPr>
+      <a:lvl2pPr marL="457200" algn="l" defTabSz="914400" rtl="0" eaLnBrk="1" latinLnBrk="0" hangingPunct="1">
+        <a:defRPr sz="1800" kern="1200">
+          <a:solidFill>
+            <a:schemeClr val="tx1"/>
+          </a:solidFill>
+          <a:latin typeface="+mn-lt"/>
+          <a:ea typeface="+mn-ea"/>
+          <a:cs typeface="+mn-cs"/>
+        </a:defRPr>
+      </a:lvl2pPr>
+      <a:lvl3pPr marL="914400" algn="l" defTabSz="914400" rtl="0" eaLnBrk="1" latinLnBrk="0" hangingPunct="1">
+        <a:defRPr sz="1800" kern="1200">
+          <a:solidFill>
+            <a:schemeClr val="tx1"/>
+          </a:solidFill>
+          <a:latin typeface="+mn-lt"/>
+          <a:ea typeface="+mn-ea"/>
+          <a:cs typeface="+mn-cs"/>
+        </a:defRPr>
+      </a:lvl3pPr>
+      <a:lvl4pPr marL="1371600" algn="l" defTabSz="914400" rtl="0" eaLnBrk="1" latinLnBrk="0" hangingPunct="1">
+        <a:defRPr sz="1800" kern="1200">
+          <a:solidFill>
+            <a:schemeClr val="tx1"/>
+          </a:solidFill>
+          <a:latin typeface="+mn-lt"/>
+          <a:ea typeface="+mn-ea"/>
+          <a:cs typeface="+mn-cs"/>
+        </a:defRPr>
+      </a:lvl4pPr>
+      <a:lvl5pPr marL="1828800" algn="l" defTabSz="914400" rtl="0" eaLnBrk="1" latinLnBrk="0" hangingPunct="1">
+        <a:defRPr sz="1800" kern="1200">
+          <a:solidFill>
+            <a:schemeClr val="tx1"/>
+          </a:solidFill>
+          <a:latin typeface="+mn-lt"/>
+          <a:ea typeface="+mn-ea"/>
+          <a:cs typeface="+mn-cs"/>
+        </a:defRPr>
+      </a:lvl5pPr>
+      <a:lvl6pPr marL="2286000" algn="l" defTabSz="914400" rtl="0" eaLnBrk="1" latinLnBrk="0" hangingPunct="1">
+        <a:defRPr sz="1800" kern="1200">
+          <a:solidFill>
+            <a:schemeClr val="tx1"/>
+          </a:solidFill>
+          <a:latin typeface="+mn-lt"/>
+          <a:ea typeface="+mn-ea"/>
+          <a:cs typeface="+mn-cs"/>
+        </a:defRPr>
+      </a:lvl6pPr>
+      <a:lvl7pPr marL="2743200" algn="l" defTabSz="914400" rtl="0" eaLnBrk="1" latinLnBrk="0" hangingPunct="1">
+        <a:defRPr sz="1800" kern="1200">
+          <a:solidFill>
+            <a:schemeClr val="tx1"/>
+          </a:solidFill>
+          <a:latin typeface="+mn-lt"/>
+          <a:ea typeface="+mn-ea"/>
+          <a:cs typeface="+mn-cs"/>
+        </a:defRPr>
+      </a:lvl7pPr>
+      <a:lvl8pPr marL="3200400" algn="l" defTabSz="914400" rtl="0" eaLnBrk="1" latinLnBrk="0" hangingPunct="1">
+        <a:defRPr sz="1800" kern="1200">
+          <a:solidFill>
+            <a:schemeClr val="tx1"/>
+          </a:solidFill>
+          <a:latin typeface="+mn-lt"/>
+          <a:ea typeface="+mn-ea"/>
+          <a:cs typeface="+mn-cs"/>
+        </a:defRPr>
+      </a:lvl8pPr>
+      <a:lvl9pPr marL="3657600" algn="l" defTabSz="914400" rtl="0" eaLnBrk="1" latinLnBrk="0" hangingPunct="1">
+        <a:defRPr sz="1800" kern="1200">
+          <a:solidFill>
+            <a:schemeClr val="tx1"/>
+          </a:solidFill>
+          <a:latin typeface="+mn-lt"/>
+          <a:ea typeface="+mn-ea"/>
+          <a:cs typeface="+mn-cs"/>
+        </a:defRPr>
+      </a:lvl9pPr>
+    </p:otherStyle>
+  </p:txStyles>
 </p:sldMaster>
 </file>
 
 <file path=ppt/slides/slide1.xml><?xml version="1.0" encoding="utf-8"?>
-<p:sld xmlns:a="http://schemas.openxmlformats.org/drawingml/2006/main" xmlns:p="http://schemas.openxmlformats.org/presentationml/2006/main" xmlns:r="http://schemas.openxmlformats.org/officeDocument/2006/relationships" xmlns:p14="http://schemas.microsoft.com/office/powerpoint/2010/main" xmlns:p15="http://schemas.microsoft.com/office/powerpoint/2012/main" xmlns:mc="http://schemas.openxmlformats.org/markup-compatibility/2006">
+<p:sld xmlns:a="http://schemas.openxmlformats.org/drawingml/2006/main" xmlns:r="http://schemas.openxmlformats.org/officeDocument/2006/relationships" xmlns:p="http://schemas.openxmlformats.org/presentationml/2006/main">
   <p:cSld>
     <p:spTree>
       <p:nvGrpSpPr>
@@ -1649,7 +2075,7 @@
         <p:spPr>
           <a:xfrm>
             <a:off x="548640" y="301320"/>
-            <a:ext cx="10797120" cy="4452120"/>
+            <a:ext cx="10796760" cy="4451760"/>
           </a:xfrm>
           <a:prstGeom prst="rect">
             <a:avLst/>
@@ -1660,27 +2086,34 @@
           </a:ln>
         </p:spPr>
         <p:style>
-          <a:lnRef idx="0"/>
-          <a:fillRef idx="0"/>
-          <a:effectRef idx="0"/>
+          <a:lnRef idx="0">
+            <a:scrgbClr r="0" g="0" b="0"/>
+          </a:lnRef>
+          <a:fillRef idx="0">
+            <a:scrgbClr r="0" g="0" b="0"/>
+          </a:fillRef>
+          <a:effectRef idx="0">
+            <a:scrgbClr r="0" g="0" b="0"/>
+          </a:effectRef>
           <a:fontRef idx="minor"/>
         </p:style>
         <p:txBody>
-          <a:bodyPr lIns="0" rIns="0" tIns="0" bIns="0" anchor="b">
+          <a:bodyPr lIns="0" tIns="0" rIns="0" bIns="0" anchor="b">
             <a:normAutofit/>
           </a:bodyPr>
-          <a:p>
-            <a:r>
-              <a:rPr b="0" lang="ru-RU" sz="8000" spc="-1" strike="noStrike">
-                <a:solidFill>
-                  <a:srgbClr val="04617b"/>
+          <a:lstStyle/>
+          <a:p>
+            <a:r>
+              <a:rPr lang="ru-RU" sz="8000" b="0" strike="noStrike" spc="-1" dirty="0">
+                <a:solidFill>
+                  <a:srgbClr val="04617B"/>
                 </a:solidFill>
                 <a:latin typeface="Source Sans Pro Light"/>
                 <a:ea typeface="DejaVu Sans"/>
               </a:rPr>
               <a:t>Основы разработки корпоративных систем на платформе .NET</a:t>
             </a:r>
-            <a:endParaRPr b="0" lang="ru-RU" sz="8000" spc="-1" strike="noStrike">
+            <a:endParaRPr lang="ru-RU" sz="8000" b="0" strike="noStrike" spc="-1" dirty="0">
               <a:latin typeface="Arial"/>
             </a:endParaRPr>
           </a:p>
@@ -1695,7 +2128,7 @@
         <p:spPr>
           <a:xfrm>
             <a:off x="552960" y="5216400"/>
-            <a:ext cx="10788480" cy="1548720"/>
+            <a:ext cx="10788120" cy="1548360"/>
           </a:xfrm>
           <a:prstGeom prst="rect">
             <a:avLst/>
@@ -1706,40 +2139,57 @@
           </a:ln>
         </p:spPr>
         <p:style>
-          <a:lnRef idx="0"/>
-          <a:fillRef idx="0"/>
-          <a:effectRef idx="0"/>
+          <a:lnRef idx="0">
+            <a:scrgbClr r="0" g="0" b="0"/>
+          </a:lnRef>
+          <a:fillRef idx="0">
+            <a:scrgbClr r="0" g="0" b="0"/>
+          </a:fillRef>
+          <a:effectRef idx="0">
+            <a:scrgbClr r="0" g="0" b="0"/>
+          </a:effectRef>
           <a:fontRef idx="minor"/>
         </p:style>
         <p:txBody>
-          <a:bodyPr lIns="0" rIns="0" tIns="0" bIns="0"/>
-          <a:p>
-            <a:r>
-              <a:rPr b="1" lang="ru-RU" sz="3600" spc="-1" strike="noStrike">
-                <a:solidFill>
-                  <a:srgbClr val="dbf5f9"/>
+          <a:bodyPr lIns="0" tIns="0" rIns="0" bIns="0"/>
+          <a:lstStyle/>
+          <a:p>
+            <a:r>
+              <a:rPr lang="ru-RU" sz="3600" b="1" strike="noStrike" spc="-1" dirty="0">
+                <a:solidFill>
+                  <a:srgbClr val="DBF5F9"/>
                 </a:solidFill>
                 <a:latin typeface="Source Sans Pro"/>
                 <a:ea typeface="Microsoft YaHei"/>
               </a:rPr>
               <a:t>Лекция 2. Методологии, архитектуры, процессы</a:t>
             </a:r>
-            <a:endParaRPr b="0" lang="ru-RU" sz="3600" spc="-1" strike="noStrike">
-              <a:latin typeface="Arial"/>
-            </a:endParaRPr>
-          </a:p>
-          <a:p>
-            <a:r>
-              <a:rPr b="1" lang="ru-RU" sz="3600" spc="-1" strike="noStrike">
-                <a:solidFill>
-                  <a:srgbClr val="dbf5f9"/>
+            <a:endParaRPr lang="ru-RU" sz="3600" b="0" strike="noStrike" spc="-1" dirty="0">
+              <a:latin typeface="Arial"/>
+            </a:endParaRPr>
+          </a:p>
+          <a:p>
+            <a:r>
+              <a:rPr lang="ru-RU" sz="3600" b="1" strike="noStrike" spc="-1" dirty="0">
+                <a:solidFill>
+                  <a:srgbClr val="DBF5F9"/>
                 </a:solidFill>
                 <a:latin typeface="Source Sans Pro"/>
                 <a:ea typeface="DejaVu Sans"/>
               </a:rPr>
-              <a:t>Пешехонов К. А., 10.02.2019</a:t>
-            </a:r>
-            <a:endParaRPr b="0" lang="ru-RU" sz="3600" spc="-1" strike="noStrike">
+              <a:t>Пешехонов К. А., 10.02.20</a:t>
+            </a:r>
+            <a:r>
+              <a:rPr lang="en-US" sz="3600" b="1" strike="noStrike" spc="-1">
+                <a:solidFill>
+                  <a:srgbClr val="DBF5F9"/>
+                </a:solidFill>
+                <a:latin typeface="Source Sans Pro"/>
+                <a:ea typeface="DejaVu Sans"/>
+              </a:rPr>
+              <a:t>20</a:t>
+            </a:r>
+            <a:endParaRPr lang="ru-RU" sz="3600" b="0" strike="noStrike" spc="-1">
               <a:latin typeface="Arial"/>
             </a:endParaRPr>
           </a:p>
@@ -1747,6 +2197,9 @@
       </p:sp>
     </p:spTree>
   </p:cSld>
+  <p:clrMapOvr>
+    <a:masterClrMapping/>
+  </p:clrMapOvr>
   <p:timing>
     <p:tnLst>
       <p:par>
@@ -1755,14 +2208,14 @@
             <p:seq>
               <p:cTn id="2" dur="indefinite" nodeType="mainSeq"/>
               <p:prevCondLst>
-                <p:cond delay="0" evt="onPrev">
+                <p:cond evt="onPrev" delay="0">
                   <p:tgtEl>
                     <p:sldTgt/>
                   </p:tgtEl>
                 </p:cond>
               </p:prevCondLst>
               <p:nextCondLst>
-                <p:cond delay="0" evt="onNext">
+                <p:cond evt="onNext" delay="0">
                   <p:tgtEl>
                     <p:sldTgt/>
                   </p:tgtEl>
@@ -1778,7 +2231,7 @@
 </file>
 
 <file path=ppt/slides/slide10.xml><?xml version="1.0" encoding="utf-8"?>
-<p:sld xmlns:a="http://schemas.openxmlformats.org/drawingml/2006/main" xmlns:p="http://schemas.openxmlformats.org/presentationml/2006/main" xmlns:r="http://schemas.openxmlformats.org/officeDocument/2006/relationships" xmlns:p14="http://schemas.microsoft.com/office/powerpoint/2010/main" xmlns:p15="http://schemas.microsoft.com/office/powerpoint/2012/main" xmlns:mc="http://schemas.openxmlformats.org/markup-compatibility/2006">
+<p:sld xmlns:a="http://schemas.openxmlformats.org/drawingml/2006/main" xmlns:r="http://schemas.openxmlformats.org/officeDocument/2006/relationships" xmlns:p="http://schemas.openxmlformats.org/presentationml/2006/main">
   <p:cSld>
     <p:spTree>
       <p:nvGrpSpPr>
@@ -1803,7 +2256,7 @@
         <p:spPr>
           <a:xfrm>
             <a:off x="578160" y="34560"/>
-            <a:ext cx="10797120" cy="1260720"/>
+            <a:ext cx="10796760" cy="1260360"/>
           </a:xfrm>
           <a:prstGeom prst="rect">
             <a:avLst/>
@@ -1814,13 +2267,20 @@
           </a:ln>
         </p:spPr>
         <p:style>
-          <a:lnRef idx="0"/>
-          <a:fillRef idx="0"/>
-          <a:effectRef idx="0"/>
+          <a:lnRef idx="0">
+            <a:scrgbClr r="0" g="0" b="0"/>
+          </a:lnRef>
+          <a:fillRef idx="0">
+            <a:scrgbClr r="0" g="0" b="0"/>
+          </a:fillRef>
+          <a:effectRef idx="0">
+            <a:scrgbClr r="0" g="0" b="0"/>
+          </a:effectRef>
           <a:fontRef idx="minor"/>
         </p:style>
         <p:txBody>
-          <a:bodyPr lIns="0" rIns="0" tIns="0" bIns="0" anchor="ctr"/>
+          <a:bodyPr lIns="0" tIns="0" rIns="0" bIns="0" anchor="ctr"/>
+          <a:lstStyle/>
           <a:p>
             <a:pPr algn="ctr">
               <a:lnSpc>
@@ -1828,7 +2288,7 @@
               </a:lnSpc>
             </a:pPr>
             <a:r>
-              <a:rPr b="0" lang="ru-RU" sz="4400" spc="-1" strike="noStrike">
+              <a:rPr lang="ru-RU" sz="4400" b="0" strike="noStrike" spc="-1">
                 <a:solidFill>
                   <a:srgbClr val="000000"/>
                 </a:solidFill>
@@ -1837,7 +2297,7 @@
               </a:rPr>
               <a:t>Микросервисы (идеал)</a:t>
             </a:r>
-            <a:endParaRPr b="0" lang="ru-RU" sz="4400" spc="-1" strike="noStrike">
+            <a:endParaRPr lang="ru-RU" sz="4400" b="0" strike="noStrike" spc="-1">
               <a:latin typeface="Arial"/>
             </a:endParaRPr>
           </a:p>
@@ -1852,7 +2312,7 @@
         <p:spPr>
           <a:xfrm>
             <a:off x="360000" y="5400000"/>
-            <a:ext cx="10797120" cy="1260720"/>
+            <a:ext cx="10796760" cy="1260360"/>
           </a:xfrm>
           <a:prstGeom prst="rect">
             <a:avLst/>
@@ -1863,16 +2323,23 @@
           </a:ln>
         </p:spPr>
         <p:style>
-          <a:lnRef idx="0"/>
-          <a:fillRef idx="0"/>
-          <a:effectRef idx="0"/>
+          <a:lnRef idx="0">
+            <a:scrgbClr r="0" g="0" b="0"/>
+          </a:lnRef>
+          <a:fillRef idx="0">
+            <a:scrgbClr r="0" g="0" b="0"/>
+          </a:fillRef>
+          <a:effectRef idx="0">
+            <a:scrgbClr r="0" g="0" b="0"/>
+          </a:effectRef>
           <a:fontRef idx="minor"/>
         </p:style>
         <p:txBody>
-          <a:bodyPr lIns="0" rIns="0" tIns="0" bIns="0" anchor="ctr"/>
-          <a:p>
-            <a:r>
-              <a:rPr b="0" lang="ru-RU" sz="2800" spc="-1" strike="noStrike">
+          <a:bodyPr lIns="0" tIns="0" rIns="0" bIns="0" anchor="ctr"/>
+          <a:lstStyle/>
+          <a:p>
+            <a:r>
+              <a:rPr lang="ru-RU" sz="2800" b="0" strike="noStrike" spc="-1">
                 <a:solidFill>
                   <a:srgbClr val="000000"/>
                 </a:solidFill>
@@ -1881,7 +2348,7 @@
               </a:rPr>
               <a:t>Основы разработки корпоративных систем на платформе .NET</a:t>
             </a:r>
-            <a:endParaRPr b="0" lang="ru-RU" sz="2800" spc="-1" strike="noStrike">
+            <a:endParaRPr lang="ru-RU" sz="2800" b="0" strike="noStrike" spc="-1">
               <a:latin typeface="Arial"/>
             </a:endParaRPr>
           </a:p>
@@ -1896,7 +2363,7 @@
         <p:spPr>
           <a:xfrm>
             <a:off x="3168000" y="4478400"/>
-            <a:ext cx="5183640" cy="417240"/>
+            <a:ext cx="5183280" cy="416880"/>
           </a:xfrm>
           <a:prstGeom prst="rect">
             <a:avLst/>
@@ -1907,26 +2374,34 @@
           </a:ln>
         </p:spPr>
         <p:style>
-          <a:lnRef idx="0"/>
-          <a:fillRef idx="0"/>
-          <a:effectRef idx="0"/>
+          <a:lnRef idx="0">
+            <a:scrgbClr r="0" g="0" b="0"/>
+          </a:lnRef>
+          <a:fillRef idx="0">
+            <a:scrgbClr r="0" g="0" b="0"/>
+          </a:fillRef>
+          <a:effectRef idx="0">
+            <a:scrgbClr r="0" g="0" b="0"/>
+          </a:effectRef>
           <a:fontRef idx="minor"/>
         </p:style>
         <p:txBody>
-          <a:bodyPr lIns="68760" rIns="68760" tIns="34200" bIns="34200">
+          <a:bodyPr lIns="68760" tIns="34200" rIns="68760" bIns="34200">
             <a:normAutofit/>
           </a:bodyPr>
-          <a:p>
-            <a:r>
-              <a:rPr b="0" lang="ru-RU" sz="1400" spc="-1" strike="noStrike">
+          <a:lstStyle/>
+          <a:p>
+            <a:r>
+              <a:rPr lang="ru-RU" sz="1400" b="0" strike="noStrike" spc="-1">
                 <a:solidFill>
                   <a:srgbClr val="000000"/>
                 </a:solidFill>
                 <a:latin typeface="Open Sans"/>
+                <a:ea typeface="DejaVu Sans"/>
               </a:rPr>
               <a:t>https://www.ibm.com/developerworks/ru/library/1601_clark-trs/index.html</a:t>
             </a:r>
-            <a:endParaRPr b="0" lang="ru-RU" sz="1400" spc="-1" strike="noStrike">
+            <a:endParaRPr lang="ru-RU" sz="1400" b="0" strike="noStrike" spc="-1">
               <a:latin typeface="Arial"/>
             </a:endParaRPr>
           </a:p>
@@ -1934,18 +2409,18 @@
       </p:sp>
       <p:pic>
         <p:nvPicPr>
-          <p:cNvPr id="69" name="Picture 4" descr=""/>
+          <p:cNvPr id="69" name="Picture 4"/>
           <p:cNvPicPr/>
           <p:nvPr/>
         </p:nvPicPr>
         <p:blipFill>
-          <a:blip r:embed="rId1"/>
+          <a:blip r:embed="rId2"/>
           <a:stretch/>
         </p:blipFill>
         <p:spPr>
           <a:xfrm>
             <a:off x="3168000" y="1080000"/>
-            <a:ext cx="5115960" cy="3227760"/>
+            <a:ext cx="5115600" cy="3227400"/>
           </a:xfrm>
           <a:prstGeom prst="rect">
             <a:avLst/>
@@ -1957,22 +2432,25 @@
       </p:pic>
     </p:spTree>
   </p:cSld>
+  <p:clrMapOvr>
+    <a:masterClrMapping/>
+  </p:clrMapOvr>
   <p:timing>
     <p:tnLst>
       <p:par>
-        <p:cTn id="19" dur="indefinite" restart="never" nodeType="tmRoot">
+        <p:cTn id="1" dur="indefinite" restart="never" nodeType="tmRoot">
           <p:childTnLst>
             <p:seq>
-              <p:cTn id="20" dur="indefinite" nodeType="mainSeq"/>
+              <p:cTn id="2" dur="indefinite" nodeType="mainSeq"/>
               <p:prevCondLst>
-                <p:cond delay="0" evt="onPrev">
+                <p:cond evt="onPrev" delay="0">
                   <p:tgtEl>
                     <p:sldTgt/>
                   </p:tgtEl>
                 </p:cond>
               </p:prevCondLst>
               <p:nextCondLst>
-                <p:cond delay="0" evt="onNext">
+                <p:cond evt="onNext" delay="0">
                   <p:tgtEl>
                     <p:sldTgt/>
                   </p:tgtEl>
@@ -1988,7 +2466,7 @@
 </file>
 
 <file path=ppt/slides/slide11.xml><?xml version="1.0" encoding="utf-8"?>
-<p:sld xmlns:a="http://schemas.openxmlformats.org/drawingml/2006/main" xmlns:p="http://schemas.openxmlformats.org/presentationml/2006/main" xmlns:r="http://schemas.openxmlformats.org/officeDocument/2006/relationships" xmlns:p14="http://schemas.microsoft.com/office/powerpoint/2010/main" xmlns:p15="http://schemas.microsoft.com/office/powerpoint/2012/main" xmlns:mc="http://schemas.openxmlformats.org/markup-compatibility/2006">
+<p:sld xmlns:a="http://schemas.openxmlformats.org/drawingml/2006/main" xmlns:r="http://schemas.openxmlformats.org/officeDocument/2006/relationships" xmlns:p="http://schemas.openxmlformats.org/presentationml/2006/main">
   <p:cSld>
     <p:spTree>
       <p:nvGrpSpPr>
@@ -2013,7 +2491,7 @@
         <p:spPr>
           <a:xfrm>
             <a:off x="578160" y="34560"/>
-            <a:ext cx="10797120" cy="1260720"/>
+            <a:ext cx="10796760" cy="1260360"/>
           </a:xfrm>
           <a:prstGeom prst="rect">
             <a:avLst/>
@@ -2024,13 +2502,20 @@
           </a:ln>
         </p:spPr>
         <p:style>
-          <a:lnRef idx="0"/>
-          <a:fillRef idx="0"/>
-          <a:effectRef idx="0"/>
+          <a:lnRef idx="0">
+            <a:scrgbClr r="0" g="0" b="0"/>
+          </a:lnRef>
+          <a:fillRef idx="0">
+            <a:scrgbClr r="0" g="0" b="0"/>
+          </a:fillRef>
+          <a:effectRef idx="0">
+            <a:scrgbClr r="0" g="0" b="0"/>
+          </a:effectRef>
           <a:fontRef idx="minor"/>
         </p:style>
         <p:txBody>
-          <a:bodyPr lIns="0" rIns="0" tIns="0" bIns="0" anchor="ctr"/>
+          <a:bodyPr lIns="0" tIns="0" rIns="0" bIns="0" anchor="ctr"/>
+          <a:lstStyle/>
           <a:p>
             <a:pPr algn="ctr">
               <a:lnSpc>
@@ -2038,7 +2523,7 @@
               </a:lnSpc>
             </a:pPr>
             <a:r>
-              <a:rPr b="0" lang="ru-RU" sz="4400" spc="-1" strike="noStrike">
+              <a:rPr lang="ru-RU" sz="4400" b="0" strike="noStrike" spc="-1">
                 <a:solidFill>
                   <a:srgbClr val="000000"/>
                 </a:solidFill>
@@ -2047,7 +2532,7 @@
               </a:rPr>
               <a:t>Микросервисы (не очень)</a:t>
             </a:r>
-            <a:endParaRPr b="0" lang="ru-RU" sz="4400" spc="-1" strike="noStrike">
+            <a:endParaRPr lang="ru-RU" sz="4400" b="0" strike="noStrike" spc="-1">
               <a:latin typeface="Arial"/>
             </a:endParaRPr>
           </a:p>
@@ -2062,7 +2547,7 @@
         <p:spPr>
           <a:xfrm>
             <a:off x="360000" y="5400000"/>
-            <a:ext cx="10797120" cy="1260720"/>
+            <a:ext cx="10796760" cy="1260360"/>
           </a:xfrm>
           <a:prstGeom prst="rect">
             <a:avLst/>
@@ -2073,16 +2558,23 @@
           </a:ln>
         </p:spPr>
         <p:style>
-          <a:lnRef idx="0"/>
-          <a:fillRef idx="0"/>
-          <a:effectRef idx="0"/>
+          <a:lnRef idx="0">
+            <a:scrgbClr r="0" g="0" b="0"/>
+          </a:lnRef>
+          <a:fillRef idx="0">
+            <a:scrgbClr r="0" g="0" b="0"/>
+          </a:fillRef>
+          <a:effectRef idx="0">
+            <a:scrgbClr r="0" g="0" b="0"/>
+          </a:effectRef>
           <a:fontRef idx="minor"/>
         </p:style>
         <p:txBody>
-          <a:bodyPr lIns="0" rIns="0" tIns="0" bIns="0" anchor="ctr"/>
-          <a:p>
-            <a:r>
-              <a:rPr b="0" lang="ru-RU" sz="2800" spc="-1" strike="noStrike">
+          <a:bodyPr lIns="0" tIns="0" rIns="0" bIns="0" anchor="ctr"/>
+          <a:lstStyle/>
+          <a:p>
+            <a:r>
+              <a:rPr lang="ru-RU" sz="2800" b="0" strike="noStrike" spc="-1">
                 <a:solidFill>
                   <a:srgbClr val="000000"/>
                 </a:solidFill>
@@ -2091,7 +2583,7 @@
               </a:rPr>
               <a:t>Основы разработки корпоративных систем на платформе .NET</a:t>
             </a:r>
-            <a:endParaRPr b="0" lang="ru-RU" sz="2800" spc="-1" strike="noStrike">
+            <a:endParaRPr lang="ru-RU" sz="2800" b="0" strike="noStrike" spc="-1">
               <a:latin typeface="Arial"/>
             </a:endParaRPr>
           </a:p>
@@ -2099,18 +2591,18 @@
       </p:sp>
       <p:pic>
         <p:nvPicPr>
-          <p:cNvPr id="72" name="Picture 6" descr=""/>
+          <p:cNvPr id="72" name="Picture 6"/>
           <p:cNvPicPr/>
           <p:nvPr/>
         </p:nvPicPr>
         <p:blipFill>
-          <a:blip r:embed="rId1"/>
+          <a:blip r:embed="rId2"/>
           <a:stretch/>
         </p:blipFill>
         <p:spPr>
           <a:xfrm>
             <a:off x="2952000" y="1080000"/>
-            <a:ext cx="5877360" cy="3743640"/>
+            <a:ext cx="5877000" cy="3743280"/>
           </a:xfrm>
           <a:prstGeom prst="rect">
             <a:avLst/>
@@ -2122,22 +2614,25 @@
       </p:pic>
     </p:spTree>
   </p:cSld>
+  <p:clrMapOvr>
+    <a:masterClrMapping/>
+  </p:clrMapOvr>
   <p:timing>
     <p:tnLst>
       <p:par>
-        <p:cTn id="21" dur="indefinite" restart="never" nodeType="tmRoot">
+        <p:cTn id="1" dur="indefinite" restart="never" nodeType="tmRoot">
           <p:childTnLst>
             <p:seq>
-              <p:cTn id="22" dur="indefinite" nodeType="mainSeq"/>
+              <p:cTn id="2" dur="indefinite" nodeType="mainSeq"/>
               <p:prevCondLst>
-                <p:cond delay="0" evt="onPrev">
+                <p:cond evt="onPrev" delay="0">
                   <p:tgtEl>
                     <p:sldTgt/>
                   </p:tgtEl>
                 </p:cond>
               </p:prevCondLst>
               <p:nextCondLst>
-                <p:cond delay="0" evt="onNext">
+                <p:cond evt="onNext" delay="0">
                   <p:tgtEl>
                     <p:sldTgt/>
                   </p:tgtEl>
@@ -2153,7 +2648,7 @@
 </file>
 
 <file path=ppt/slides/slide12.xml><?xml version="1.0" encoding="utf-8"?>
-<p:sld xmlns:a="http://schemas.openxmlformats.org/drawingml/2006/main" xmlns:p="http://schemas.openxmlformats.org/presentationml/2006/main" xmlns:r="http://schemas.openxmlformats.org/officeDocument/2006/relationships" xmlns:p14="http://schemas.microsoft.com/office/powerpoint/2010/main" xmlns:p15="http://schemas.microsoft.com/office/powerpoint/2012/main" xmlns:mc="http://schemas.openxmlformats.org/markup-compatibility/2006">
+<p:sld xmlns:a="http://schemas.openxmlformats.org/drawingml/2006/main" xmlns:r="http://schemas.openxmlformats.org/officeDocument/2006/relationships" xmlns:p="http://schemas.openxmlformats.org/presentationml/2006/main">
   <p:cSld>
     <p:spTree>
       <p:nvGrpSpPr>
@@ -2178,7 +2673,7 @@
         <p:spPr>
           <a:xfrm>
             <a:off x="578160" y="34560"/>
-            <a:ext cx="10797120" cy="1260720"/>
+            <a:ext cx="10796760" cy="1260360"/>
           </a:xfrm>
           <a:prstGeom prst="rect">
             <a:avLst/>
@@ -2189,13 +2684,20 @@
           </a:ln>
         </p:spPr>
         <p:style>
-          <a:lnRef idx="0"/>
-          <a:fillRef idx="0"/>
-          <a:effectRef idx="0"/>
+          <a:lnRef idx="0">
+            <a:scrgbClr r="0" g="0" b="0"/>
+          </a:lnRef>
+          <a:fillRef idx="0">
+            <a:scrgbClr r="0" g="0" b="0"/>
+          </a:fillRef>
+          <a:effectRef idx="0">
+            <a:scrgbClr r="0" g="0" b="0"/>
+          </a:effectRef>
           <a:fontRef idx="minor"/>
         </p:style>
         <p:txBody>
-          <a:bodyPr lIns="0" rIns="0" tIns="0" bIns="0" anchor="ctr"/>
+          <a:bodyPr lIns="0" tIns="0" rIns="0" bIns="0" anchor="ctr"/>
+          <a:lstStyle/>
           <a:p>
             <a:pPr algn="ctr">
               <a:lnSpc>
@@ -2203,7 +2705,7 @@
               </a:lnSpc>
             </a:pPr>
             <a:r>
-              <a:rPr b="0" lang="ru-RU" sz="4400" spc="-1" strike="noStrike">
+              <a:rPr lang="ru-RU" sz="4400" b="0" strike="noStrike" spc="-1">
                 <a:solidFill>
                   <a:srgbClr val="000000"/>
                 </a:solidFill>
@@ -2212,7 +2714,7 @@
               </a:rPr>
               <a:t>Шина</a:t>
             </a:r>
-            <a:endParaRPr b="0" lang="ru-RU" sz="4400" spc="-1" strike="noStrike">
+            <a:endParaRPr lang="ru-RU" sz="4400" b="0" strike="noStrike" spc="-1">
               <a:latin typeface="Arial"/>
             </a:endParaRPr>
           </a:p>
@@ -2227,7 +2729,7 @@
         <p:spPr>
           <a:xfrm>
             <a:off x="360000" y="5400000"/>
-            <a:ext cx="10797120" cy="1260720"/>
+            <a:ext cx="10796760" cy="1260360"/>
           </a:xfrm>
           <a:prstGeom prst="rect">
             <a:avLst/>
@@ -2238,16 +2740,23 @@
           </a:ln>
         </p:spPr>
         <p:style>
-          <a:lnRef idx="0"/>
-          <a:fillRef idx="0"/>
-          <a:effectRef idx="0"/>
+          <a:lnRef idx="0">
+            <a:scrgbClr r="0" g="0" b="0"/>
+          </a:lnRef>
+          <a:fillRef idx="0">
+            <a:scrgbClr r="0" g="0" b="0"/>
+          </a:fillRef>
+          <a:effectRef idx="0">
+            <a:scrgbClr r="0" g="0" b="0"/>
+          </a:effectRef>
           <a:fontRef idx="minor"/>
         </p:style>
         <p:txBody>
-          <a:bodyPr lIns="0" rIns="0" tIns="0" bIns="0" anchor="ctr"/>
-          <a:p>
-            <a:r>
-              <a:rPr b="0" lang="ru-RU" sz="2800" spc="-1" strike="noStrike">
+          <a:bodyPr lIns="0" tIns="0" rIns="0" bIns="0" anchor="ctr"/>
+          <a:lstStyle/>
+          <a:p>
+            <a:r>
+              <a:rPr lang="ru-RU" sz="2800" b="0" strike="noStrike" spc="-1">
                 <a:solidFill>
                   <a:srgbClr val="000000"/>
                 </a:solidFill>
@@ -2256,7 +2765,7 @@
               </a:rPr>
               <a:t>Основы разработки корпоративных систем на платформе .NET</a:t>
             </a:r>
-            <a:endParaRPr b="0" lang="ru-RU" sz="2800" spc="-1" strike="noStrike">
+            <a:endParaRPr lang="ru-RU" sz="2800" b="0" strike="noStrike" spc="-1">
               <a:latin typeface="Arial"/>
             </a:endParaRPr>
           </a:p>
@@ -2264,18 +2773,18 @@
       </p:sp>
       <p:pic>
         <p:nvPicPr>
-          <p:cNvPr id="75" name="Picture 5" descr=""/>
+          <p:cNvPr id="75" name="Picture 5"/>
           <p:cNvPicPr/>
           <p:nvPr/>
         </p:nvPicPr>
         <p:blipFill>
-          <a:blip r:embed="rId1"/>
+          <a:blip r:embed="rId2"/>
           <a:stretch/>
         </p:blipFill>
         <p:spPr>
           <a:xfrm>
             <a:off x="1446120" y="1152000"/>
-            <a:ext cx="9340560" cy="3276360"/>
+            <a:ext cx="9340200" cy="3276000"/>
           </a:xfrm>
           <a:prstGeom prst="rect">
             <a:avLst/>
@@ -2294,7 +2803,7 @@
         <p:spPr>
           <a:xfrm>
             <a:off x="3600000" y="4605480"/>
-            <a:ext cx="4840920" cy="290160"/>
+            <a:ext cx="4840560" cy="289800"/>
           </a:xfrm>
           <a:prstGeom prst="rect">
             <a:avLst/>
@@ -2305,24 +2814,32 @@
           </a:ln>
         </p:spPr>
         <p:style>
-          <a:lnRef idx="0"/>
-          <a:fillRef idx="0"/>
-          <a:effectRef idx="0"/>
+          <a:lnRef idx="0">
+            <a:scrgbClr r="0" g="0" b="0"/>
+          </a:lnRef>
+          <a:fillRef idx="0">
+            <a:scrgbClr r="0" g="0" b="0"/>
+          </a:fillRef>
+          <a:effectRef idx="0">
+            <a:scrgbClr r="0" g="0" b="0"/>
+          </a:effectRef>
           <a:fontRef idx="minor"/>
         </p:style>
         <p:txBody>
-          <a:bodyPr lIns="90000" rIns="90000" tIns="45000" bIns="45000"/>
-          <a:p>
-            <a:r>
-              <a:rPr b="0" lang="ru-RU" sz="1400" spc="-1" strike="noStrike">
+          <a:bodyPr lIns="90000" tIns="45000" rIns="90000" bIns="45000"/>
+          <a:lstStyle/>
+          <a:p>
+            <a:r>
+              <a:rPr lang="ru-RU" sz="1400" b="0" strike="noStrike" spc="-1">
                 <a:solidFill>
                   <a:srgbClr val="000000"/>
                 </a:solidFill>
                 <a:latin typeface="Open Sans"/>
+                <a:ea typeface="DejaVu Sans"/>
               </a:rPr>
               <a:t>http://www.cloudcasts.net/devguide/Default.aspx?id=11020</a:t>
             </a:r>
-            <a:endParaRPr b="0" lang="ru-RU" sz="1400" spc="-1" strike="noStrike">
+            <a:endParaRPr lang="ru-RU" sz="1400" b="0" strike="noStrike" spc="-1">
               <a:latin typeface="Arial"/>
             </a:endParaRPr>
           </a:p>
@@ -2330,22 +2847,25 @@
       </p:sp>
     </p:spTree>
   </p:cSld>
+  <p:clrMapOvr>
+    <a:masterClrMapping/>
+  </p:clrMapOvr>
   <p:timing>
     <p:tnLst>
       <p:par>
-        <p:cTn id="23" dur="indefinite" restart="never" nodeType="tmRoot">
+        <p:cTn id="1" dur="indefinite" restart="never" nodeType="tmRoot">
           <p:childTnLst>
             <p:seq>
-              <p:cTn id="24" dur="indefinite" nodeType="mainSeq"/>
+              <p:cTn id="2" dur="indefinite" nodeType="mainSeq"/>
               <p:prevCondLst>
-                <p:cond delay="0" evt="onPrev">
+                <p:cond evt="onPrev" delay="0">
                   <p:tgtEl>
                     <p:sldTgt/>
                   </p:tgtEl>
                 </p:cond>
               </p:prevCondLst>
               <p:nextCondLst>
-                <p:cond delay="0" evt="onNext">
+                <p:cond evt="onNext" delay="0">
                   <p:tgtEl>
                     <p:sldTgt/>
                   </p:tgtEl>
@@ -2361,7 +2881,7 @@
 </file>
 
 <file path=ppt/slides/slide13.xml><?xml version="1.0" encoding="utf-8"?>
-<p:sld xmlns:a="http://schemas.openxmlformats.org/drawingml/2006/main" xmlns:p="http://schemas.openxmlformats.org/presentationml/2006/main" xmlns:r="http://schemas.openxmlformats.org/officeDocument/2006/relationships" xmlns:p14="http://schemas.microsoft.com/office/powerpoint/2010/main" xmlns:p15="http://schemas.microsoft.com/office/powerpoint/2012/main" xmlns:mc="http://schemas.openxmlformats.org/markup-compatibility/2006">
+<p:sld xmlns:a="http://schemas.openxmlformats.org/drawingml/2006/main" xmlns:r="http://schemas.openxmlformats.org/officeDocument/2006/relationships" xmlns:p="http://schemas.openxmlformats.org/presentationml/2006/main">
   <p:cSld>
     <p:spTree>
       <p:nvGrpSpPr>
@@ -2386,7 +2906,7 @@
         <p:spPr>
           <a:xfrm>
             <a:off x="578160" y="34560"/>
-            <a:ext cx="10797120" cy="1260720"/>
+            <a:ext cx="10796760" cy="1260360"/>
           </a:xfrm>
           <a:prstGeom prst="rect">
             <a:avLst/>
@@ -2397,13 +2917,20 @@
           </a:ln>
         </p:spPr>
         <p:style>
-          <a:lnRef idx="0"/>
-          <a:fillRef idx="0"/>
-          <a:effectRef idx="0"/>
+          <a:lnRef idx="0">
+            <a:scrgbClr r="0" g="0" b="0"/>
+          </a:lnRef>
+          <a:fillRef idx="0">
+            <a:scrgbClr r="0" g="0" b="0"/>
+          </a:fillRef>
+          <a:effectRef idx="0">
+            <a:scrgbClr r="0" g="0" b="0"/>
+          </a:effectRef>
           <a:fontRef idx="minor"/>
         </p:style>
         <p:txBody>
-          <a:bodyPr lIns="0" rIns="0" tIns="0" bIns="0" anchor="ctr"/>
+          <a:bodyPr lIns="0" tIns="0" rIns="0" bIns="0" anchor="ctr"/>
+          <a:lstStyle/>
           <a:p>
             <a:pPr algn="ctr">
               <a:lnSpc>
@@ -2411,7 +2938,7 @@
               </a:lnSpc>
             </a:pPr>
             <a:r>
-              <a:rPr b="0" lang="ru-RU" sz="4400" spc="-1" strike="noStrike">
+              <a:rPr lang="ru-RU" sz="4400" b="0" strike="noStrike" spc="-1">
                 <a:solidFill>
                   <a:srgbClr val="000000"/>
                 </a:solidFill>
@@ -2420,7 +2947,7 @@
               </a:rPr>
               <a:t>SOAP vs REST</a:t>
             </a:r>
-            <a:endParaRPr b="0" lang="ru-RU" sz="4400" spc="-1" strike="noStrike">
+            <a:endParaRPr lang="ru-RU" sz="4400" b="0" strike="noStrike" spc="-1">
               <a:latin typeface="Arial"/>
             </a:endParaRPr>
           </a:p>
@@ -2435,7 +2962,7 @@
         <p:spPr>
           <a:xfrm>
             <a:off x="521280" y="921600"/>
-            <a:ext cx="6800400" cy="4123440"/>
+            <a:ext cx="6800040" cy="4123080"/>
           </a:xfrm>
           <a:prstGeom prst="rect">
             <a:avLst/>
@@ -2446,15 +2973,22 @@
           </a:ln>
         </p:spPr>
         <p:style>
-          <a:lnRef idx="0"/>
-          <a:fillRef idx="0"/>
-          <a:effectRef idx="0"/>
+          <a:lnRef idx="0">
+            <a:scrgbClr r="0" g="0" b="0"/>
+          </a:lnRef>
+          <a:fillRef idx="0">
+            <a:scrgbClr r="0" g="0" b="0"/>
+          </a:fillRef>
+          <a:effectRef idx="0">
+            <a:scrgbClr r="0" g="0" b="0"/>
+          </a:effectRef>
           <a:fontRef idx="minor"/>
         </p:style>
         <p:txBody>
-          <a:bodyPr lIns="90000" rIns="90000" tIns="45000" bIns="45000"/>
-          <a:p>
-            <a:pPr marL="216000" indent="-215280">
+          <a:bodyPr lIns="90000" tIns="45000" rIns="90000" bIns="45000"/>
+          <a:lstStyle/>
+          <a:p>
+            <a:pPr marL="216000" indent="-214920">
               <a:lnSpc>
                 <a:spcPct val="100000"/>
               </a:lnSpc>
@@ -2472,7 +3006,7 @@
               <a:buChar char=""/>
             </a:pPr>
             <a:r>
-              <a:rPr b="0" lang="ru-RU" sz="1500" spc="-1" strike="noStrike">
+              <a:rPr lang="ru-RU" sz="1500" b="0" strike="noStrike" spc="-1">
                 <a:solidFill>
                   <a:srgbClr val="000000"/>
                 </a:solidFill>
@@ -2482,7 +3016,7 @@
               <a:t>SOAP - </a:t>
             </a:r>
             <a:r>
-              <a:rPr b="0" i="1" lang="ru-RU" sz="1500" spc="-1" strike="noStrike">
+              <a:rPr lang="ru-RU" sz="1500" b="0" i="1" strike="noStrike" spc="-1">
                 <a:solidFill>
                   <a:srgbClr val="000000"/>
                 </a:solidFill>
@@ -2491,7 +3025,7 @@
               </a:rPr>
               <a:t>Simple Object Access Protocol</a:t>
             </a:r>
-            <a:endParaRPr b="0" lang="ru-RU" sz="1500" spc="-1" strike="noStrike">
+            <a:endParaRPr lang="ru-RU" sz="1500" b="0" strike="noStrike" spc="-1">
               <a:latin typeface="Arial"/>
             </a:endParaRPr>
           </a:p>
@@ -2508,7 +3042,7 @@
               </a:spcAft>
             </a:pPr>
             <a:r>
-              <a:rPr b="0" lang="ru-RU" sz="1400" spc="-1" strike="noStrike">
+              <a:rPr lang="ru-RU" sz="1400" b="0" strike="noStrike" spc="-1">
                 <a:solidFill>
                   <a:srgbClr val="000000"/>
                 </a:solidFill>
@@ -2517,7 +3051,7 @@
               </a:rPr>
               <a:t>XML</a:t>
             </a:r>
-            <a:endParaRPr b="0" lang="ru-RU" sz="1400" spc="-1" strike="noStrike">
+            <a:endParaRPr lang="ru-RU" sz="1400" b="0" strike="noStrike" spc="-1">
               <a:latin typeface="Arial"/>
             </a:endParaRPr>
           </a:p>
@@ -2534,7 +3068,7 @@
               </a:spcAft>
             </a:pPr>
             <a:r>
-              <a:rPr b="0" lang="ru-RU" sz="1400" spc="-1" strike="noStrike">
+              <a:rPr lang="ru-RU" sz="1400" b="0" strike="noStrike" spc="-1">
                 <a:solidFill>
                   <a:srgbClr val="000000"/>
                 </a:solidFill>
@@ -2543,7 +3077,7 @@
               </a:rPr>
               <a:t>WSDL</a:t>
             </a:r>
-            <a:endParaRPr b="0" lang="ru-RU" sz="1400" spc="-1" strike="noStrike">
+            <a:endParaRPr lang="ru-RU" sz="1400" b="0" strike="noStrike" spc="-1">
               <a:latin typeface="Arial"/>
             </a:endParaRPr>
           </a:p>
@@ -2560,7 +3094,7 @@
               </a:spcAft>
             </a:pPr>
             <a:r>
-              <a:rPr b="0" lang="ru-RU" sz="1400" spc="-1" strike="noStrike">
+              <a:rPr lang="ru-RU" sz="1400" b="0" strike="noStrike" spc="-1">
                 <a:solidFill>
                   <a:srgbClr val="000000"/>
                 </a:solidFill>
@@ -2569,7 +3103,7 @@
               </a:rPr>
               <a:t>POST</a:t>
             </a:r>
-            <a:endParaRPr b="0" lang="ru-RU" sz="1400" spc="-1" strike="noStrike">
+            <a:endParaRPr lang="ru-RU" sz="1400" b="0" strike="noStrike" spc="-1">
               <a:latin typeface="Arial"/>
             </a:endParaRPr>
           </a:p>
@@ -2586,7 +3120,7 @@
               </a:spcAft>
             </a:pPr>
             <a:r>
-              <a:rPr b="0" lang="ru-RU" sz="1400" spc="-1" strike="noStrike">
+              <a:rPr lang="ru-RU" sz="1400" b="0" strike="noStrike" spc="-1">
                 <a:solidFill>
                   <a:srgbClr val="000000"/>
                 </a:solidFill>
@@ -2595,7 +3129,7 @@
               </a:rPr>
               <a:t>Запрос может изменять состояние на сервере (просто метод с параметрами)</a:t>
             </a:r>
-            <a:endParaRPr b="0" lang="ru-RU" sz="1400" spc="-1" strike="noStrike">
+            <a:endParaRPr lang="ru-RU" sz="1400" b="0" strike="noStrike" spc="-1">
               <a:latin typeface="Arial"/>
             </a:endParaRPr>
           </a:p>
@@ -2612,7 +3146,7 @@
               </a:spcAft>
             </a:pPr>
             <a:r>
-              <a:rPr b="0" lang="ru-RU" sz="1400" spc="-1" strike="noStrike">
+              <a:rPr lang="ru-RU" sz="1400" b="0" strike="noStrike" spc="-1">
                 <a:solidFill>
                   <a:srgbClr val="000000"/>
                 </a:solidFill>
@@ -2621,12 +3155,12 @@
               </a:rPr>
               <a:t>Классический WCF</a:t>
             </a:r>
-            <a:endParaRPr b="0" lang="ru-RU" sz="1400" spc="-1" strike="noStrike">
-              <a:latin typeface="Arial"/>
-            </a:endParaRPr>
-          </a:p>
-          <a:p>
-            <a:pPr marL="216000" indent="-215280">
+            <a:endParaRPr lang="ru-RU" sz="1400" b="0" strike="noStrike" spc="-1">
+              <a:latin typeface="Arial"/>
+            </a:endParaRPr>
+          </a:p>
+          <a:p>
+            <a:pPr marL="216000" indent="-214920">
               <a:lnSpc>
                 <a:spcPct val="100000"/>
               </a:lnSpc>
@@ -2644,7 +3178,7 @@
               <a:buChar char=""/>
             </a:pPr>
             <a:r>
-              <a:rPr b="0" lang="ru-RU" sz="1500" spc="-1" strike="noStrike">
+              <a:rPr lang="ru-RU" sz="1500" b="0" strike="noStrike" spc="-1">
                 <a:solidFill>
                   <a:srgbClr val="000000"/>
                 </a:solidFill>
@@ -2654,7 +3188,7 @@
               <a:t>REST - </a:t>
             </a:r>
             <a:r>
-              <a:rPr b="0" i="1" lang="ru-RU" sz="1500" spc="-1" strike="noStrike">
+              <a:rPr lang="ru-RU" sz="1500" b="0" i="1" strike="noStrike" spc="-1">
                 <a:solidFill>
                   <a:srgbClr val="000000"/>
                 </a:solidFill>
@@ -2663,7 +3197,7 @@
               </a:rPr>
               <a:t>Representational State Transfer</a:t>
             </a:r>
-            <a:endParaRPr b="0" lang="ru-RU" sz="1500" spc="-1" strike="noStrike">
+            <a:endParaRPr lang="ru-RU" sz="1500" b="0" strike="noStrike" spc="-1">
               <a:latin typeface="Arial"/>
             </a:endParaRPr>
           </a:p>
@@ -2680,7 +3214,7 @@
               </a:spcAft>
             </a:pPr>
             <a:r>
-              <a:rPr b="0" lang="ru-RU" sz="1400" spc="-1" strike="noStrike">
+              <a:rPr lang="ru-RU" sz="1400" b="0" strike="noStrike" spc="-1">
                 <a:solidFill>
                   <a:srgbClr val="000000"/>
                 </a:solidFill>
@@ -2689,7 +3223,7 @@
               </a:rPr>
               <a:t>JSON (чаще всего)</a:t>
             </a:r>
-            <a:endParaRPr b="0" lang="ru-RU" sz="1400" spc="-1" strike="noStrike">
+            <a:endParaRPr lang="ru-RU" sz="1400" b="0" strike="noStrike" spc="-1">
               <a:latin typeface="Arial"/>
             </a:endParaRPr>
           </a:p>
@@ -2706,7 +3240,7 @@
               </a:spcAft>
             </a:pPr>
             <a:r>
-              <a:rPr b="0" lang="ru-RU" sz="1400" spc="-1" strike="noStrike">
+              <a:rPr lang="ru-RU" sz="1400" b="0" strike="noStrike" spc="-1">
                 <a:solidFill>
                   <a:srgbClr val="000000"/>
                 </a:solidFill>
@@ -2715,7 +3249,7 @@
               </a:rPr>
               <a:t>GET/POST/PUT/DELETE/PATCH</a:t>
             </a:r>
-            <a:endParaRPr b="0" lang="ru-RU" sz="1400" spc="-1" strike="noStrike">
+            <a:endParaRPr lang="ru-RU" sz="1400" b="0" strike="noStrike" spc="-1">
               <a:latin typeface="Arial"/>
             </a:endParaRPr>
           </a:p>
@@ -2732,7 +3266,7 @@
               </a:spcAft>
             </a:pPr>
             <a:r>
-              <a:rPr b="0" lang="ru-RU" sz="1400" spc="-1" strike="noStrike">
+              <a:rPr lang="ru-RU" sz="1400" b="0" strike="noStrike" spc="-1">
                 <a:solidFill>
                   <a:srgbClr val="000000"/>
                 </a:solidFill>
@@ -2741,7 +3275,7 @@
               </a:rPr>
               <a:t>Запрос содержит всю информацию, необходимую для выполнения — нет состояния на сервере</a:t>
             </a:r>
-            <a:endParaRPr b="0" lang="ru-RU" sz="1400" spc="-1" strike="noStrike">
+            <a:endParaRPr lang="ru-RU" sz="1400" b="0" strike="noStrike" spc="-1">
               <a:latin typeface="Arial"/>
             </a:endParaRPr>
           </a:p>
@@ -2758,7 +3292,7 @@
               </a:spcAft>
             </a:pPr>
             <a:r>
-              <a:rPr b="0" lang="ru-RU" sz="1400" spc="-1" strike="noStrike">
+              <a:rPr lang="ru-RU" sz="1400" b="0" strike="noStrike" spc="-1">
                 <a:solidFill>
                   <a:srgbClr val="000000"/>
                 </a:solidFill>
@@ -2767,7 +3301,7 @@
               </a:rPr>
               <a:t>WebApi</a:t>
             </a:r>
-            <a:endParaRPr b="0" lang="ru-RU" sz="1400" spc="-1" strike="noStrike">
+            <a:endParaRPr lang="ru-RU" sz="1400" b="0" strike="noStrike" spc="-1">
               <a:latin typeface="Arial"/>
             </a:endParaRPr>
           </a:p>
@@ -2782,7 +3316,7 @@
         <p:spPr>
           <a:xfrm>
             <a:off x="360000" y="5400000"/>
-            <a:ext cx="10797120" cy="1260720"/>
+            <a:ext cx="10796760" cy="1260360"/>
           </a:xfrm>
           <a:prstGeom prst="rect">
             <a:avLst/>
@@ -2793,16 +3327,23 @@
           </a:ln>
         </p:spPr>
         <p:style>
-          <a:lnRef idx="0"/>
-          <a:fillRef idx="0"/>
-          <a:effectRef idx="0"/>
+          <a:lnRef idx="0">
+            <a:scrgbClr r="0" g="0" b="0"/>
+          </a:lnRef>
+          <a:fillRef idx="0">
+            <a:scrgbClr r="0" g="0" b="0"/>
+          </a:fillRef>
+          <a:effectRef idx="0">
+            <a:scrgbClr r="0" g="0" b="0"/>
+          </a:effectRef>
           <a:fontRef idx="minor"/>
         </p:style>
         <p:txBody>
-          <a:bodyPr lIns="0" rIns="0" tIns="0" bIns="0" anchor="ctr"/>
-          <a:p>
-            <a:r>
-              <a:rPr b="0" lang="ru-RU" sz="2800" spc="-1" strike="noStrike">
+          <a:bodyPr lIns="0" tIns="0" rIns="0" bIns="0" anchor="ctr"/>
+          <a:lstStyle/>
+          <a:p>
+            <a:r>
+              <a:rPr lang="ru-RU" sz="2800" b="0" strike="noStrike" spc="-1">
                 <a:solidFill>
                   <a:srgbClr val="000000"/>
                 </a:solidFill>
@@ -2811,7 +3352,7 @@
               </a:rPr>
               <a:t>Основы разработки корпоративных систем на платформе .NET</a:t>
             </a:r>
-            <a:endParaRPr b="0" lang="ru-RU" sz="2800" spc="-1" strike="noStrike">
+            <a:endParaRPr lang="ru-RU" sz="2800" b="0" strike="noStrike" spc="-1">
               <a:latin typeface="Arial"/>
             </a:endParaRPr>
           </a:p>
@@ -2819,22 +3360,25 @@
       </p:sp>
     </p:spTree>
   </p:cSld>
+  <p:clrMapOvr>
+    <a:masterClrMapping/>
+  </p:clrMapOvr>
   <p:timing>
     <p:tnLst>
       <p:par>
-        <p:cTn id="25" dur="indefinite" restart="never" nodeType="tmRoot">
+        <p:cTn id="1" dur="indefinite" restart="never" nodeType="tmRoot">
           <p:childTnLst>
             <p:seq>
-              <p:cTn id="26" dur="indefinite" nodeType="mainSeq"/>
+              <p:cTn id="2" dur="indefinite" nodeType="mainSeq"/>
               <p:prevCondLst>
-                <p:cond delay="0" evt="onPrev">
+                <p:cond evt="onPrev" delay="0">
                   <p:tgtEl>
                     <p:sldTgt/>
                   </p:tgtEl>
                 </p:cond>
               </p:prevCondLst>
               <p:nextCondLst>
-                <p:cond delay="0" evt="onNext">
+                <p:cond evt="onNext" delay="0">
                   <p:tgtEl>
                     <p:sldTgt/>
                   </p:tgtEl>
@@ -2850,7 +3394,7 @@
 </file>
 
 <file path=ppt/slides/slide14.xml><?xml version="1.0" encoding="utf-8"?>
-<p:sld xmlns:a="http://schemas.openxmlformats.org/drawingml/2006/main" xmlns:p="http://schemas.openxmlformats.org/presentationml/2006/main" xmlns:r="http://schemas.openxmlformats.org/officeDocument/2006/relationships" xmlns:p14="http://schemas.microsoft.com/office/powerpoint/2010/main" xmlns:p15="http://schemas.microsoft.com/office/powerpoint/2012/main" xmlns:mc="http://schemas.openxmlformats.org/markup-compatibility/2006">
+<p:sld xmlns:a="http://schemas.openxmlformats.org/drawingml/2006/main" xmlns:r="http://schemas.openxmlformats.org/officeDocument/2006/relationships" xmlns:p="http://schemas.openxmlformats.org/presentationml/2006/main">
   <p:cSld>
     <p:spTree>
       <p:nvGrpSpPr>
@@ -2875,7 +3419,7 @@
         <p:spPr>
           <a:xfrm>
             <a:off x="504000" y="1762920"/>
-            <a:ext cx="10797120" cy="1260720"/>
+            <a:ext cx="10796760" cy="1260360"/>
           </a:xfrm>
           <a:prstGeom prst="rect">
             <a:avLst/>
@@ -2886,13 +3430,20 @@
           </a:ln>
         </p:spPr>
         <p:style>
-          <a:lnRef idx="0"/>
-          <a:fillRef idx="0"/>
-          <a:effectRef idx="0"/>
+          <a:lnRef idx="0">
+            <a:scrgbClr r="0" g="0" b="0"/>
+          </a:lnRef>
+          <a:fillRef idx="0">
+            <a:scrgbClr r="0" g="0" b="0"/>
+          </a:fillRef>
+          <a:effectRef idx="0">
+            <a:scrgbClr r="0" g="0" b="0"/>
+          </a:effectRef>
           <a:fontRef idx="minor"/>
         </p:style>
         <p:txBody>
-          <a:bodyPr lIns="0" rIns="0" tIns="0" bIns="0" anchor="ctr"/>
+          <a:bodyPr lIns="0" tIns="0" rIns="0" bIns="0" anchor="ctr"/>
+          <a:lstStyle/>
           <a:p>
             <a:pPr algn="ctr">
               <a:lnSpc>
@@ -2900,7 +3451,7 @@
               </a:lnSpc>
             </a:pPr>
             <a:r>
-              <a:rPr b="0" lang="ru-RU" sz="4400" spc="-1" strike="noStrike">
+              <a:rPr lang="ru-RU" sz="4400" b="0" strike="noStrike" spc="-1">
                 <a:solidFill>
                   <a:srgbClr val="000000"/>
                 </a:solidFill>
@@ -2909,7 +3460,7 @@
               </a:rPr>
               <a:t>Процессы</a:t>
             </a:r>
-            <a:endParaRPr b="0" lang="ru-RU" sz="4400" spc="-1" strike="noStrike">
+            <a:endParaRPr lang="ru-RU" sz="4400" b="0" strike="noStrike" spc="-1">
               <a:latin typeface="Arial"/>
             </a:endParaRPr>
           </a:p>
@@ -2924,7 +3475,7 @@
         <p:spPr>
           <a:xfrm>
             <a:off x="360000" y="5400000"/>
-            <a:ext cx="10797120" cy="1260720"/>
+            <a:ext cx="10796760" cy="1260360"/>
           </a:xfrm>
           <a:prstGeom prst="rect">
             <a:avLst/>
@@ -2935,16 +3486,23 @@
           </a:ln>
         </p:spPr>
         <p:style>
-          <a:lnRef idx="0"/>
-          <a:fillRef idx="0"/>
-          <a:effectRef idx="0"/>
+          <a:lnRef idx="0">
+            <a:scrgbClr r="0" g="0" b="0"/>
+          </a:lnRef>
+          <a:fillRef idx="0">
+            <a:scrgbClr r="0" g="0" b="0"/>
+          </a:fillRef>
+          <a:effectRef idx="0">
+            <a:scrgbClr r="0" g="0" b="0"/>
+          </a:effectRef>
           <a:fontRef idx="minor"/>
         </p:style>
         <p:txBody>
-          <a:bodyPr lIns="0" rIns="0" tIns="0" bIns="0" anchor="ctr"/>
-          <a:p>
-            <a:r>
-              <a:rPr b="0" lang="ru-RU" sz="2800" spc="-1" strike="noStrike">
+          <a:bodyPr lIns="0" tIns="0" rIns="0" bIns="0" anchor="ctr"/>
+          <a:lstStyle/>
+          <a:p>
+            <a:r>
+              <a:rPr lang="ru-RU" sz="2800" b="0" strike="noStrike" spc="-1">
                 <a:solidFill>
                   <a:srgbClr val="000000"/>
                 </a:solidFill>
@@ -2953,7 +3511,7 @@
               </a:rPr>
               <a:t>Основы разработки корпоративных систем на платформе .NET</a:t>
             </a:r>
-            <a:endParaRPr b="0" lang="ru-RU" sz="2800" spc="-1" strike="noStrike">
+            <a:endParaRPr lang="ru-RU" sz="2800" b="0" strike="noStrike" spc="-1">
               <a:latin typeface="Arial"/>
             </a:endParaRPr>
           </a:p>
@@ -2961,22 +3519,25 @@
       </p:sp>
     </p:spTree>
   </p:cSld>
+  <p:clrMapOvr>
+    <a:masterClrMapping/>
+  </p:clrMapOvr>
   <p:timing>
     <p:tnLst>
       <p:par>
-        <p:cTn id="27" dur="indefinite" restart="never" nodeType="tmRoot">
+        <p:cTn id="1" dur="indefinite" restart="never" nodeType="tmRoot">
           <p:childTnLst>
             <p:seq>
-              <p:cTn id="28" dur="indefinite" nodeType="mainSeq"/>
+              <p:cTn id="2" dur="indefinite" nodeType="mainSeq"/>
               <p:prevCondLst>
-                <p:cond delay="0" evt="onPrev">
+                <p:cond evt="onPrev" delay="0">
                   <p:tgtEl>
                     <p:sldTgt/>
                   </p:tgtEl>
                 </p:cond>
               </p:prevCondLst>
               <p:nextCondLst>
-                <p:cond delay="0" evt="onNext">
+                <p:cond evt="onNext" delay="0">
                   <p:tgtEl>
                     <p:sldTgt/>
                   </p:tgtEl>
@@ -2992,7 +3553,7 @@
 </file>
 
 <file path=ppt/slides/slide15.xml><?xml version="1.0" encoding="utf-8"?>
-<p:sld xmlns:a="http://schemas.openxmlformats.org/drawingml/2006/main" xmlns:p="http://schemas.openxmlformats.org/presentationml/2006/main" xmlns:r="http://schemas.openxmlformats.org/officeDocument/2006/relationships" xmlns:p14="http://schemas.microsoft.com/office/powerpoint/2010/main" xmlns:p15="http://schemas.microsoft.com/office/powerpoint/2012/main" xmlns:mc="http://schemas.openxmlformats.org/markup-compatibility/2006">
+<p:sld xmlns:a="http://schemas.openxmlformats.org/drawingml/2006/main" xmlns:r="http://schemas.openxmlformats.org/officeDocument/2006/relationships" xmlns:p="http://schemas.openxmlformats.org/presentationml/2006/main">
   <p:cSld>
     <p:spTree>
       <p:nvGrpSpPr>
@@ -3017,7 +3578,7 @@
         <p:spPr>
           <a:xfrm>
             <a:off x="578160" y="34560"/>
-            <a:ext cx="10797120" cy="1260720"/>
+            <a:ext cx="10796760" cy="1260360"/>
           </a:xfrm>
           <a:prstGeom prst="rect">
             <a:avLst/>
@@ -3028,13 +3589,20 @@
           </a:ln>
         </p:spPr>
         <p:style>
-          <a:lnRef idx="0"/>
-          <a:fillRef idx="0"/>
-          <a:effectRef idx="0"/>
+          <a:lnRef idx="0">
+            <a:scrgbClr r="0" g="0" b="0"/>
+          </a:lnRef>
+          <a:fillRef idx="0">
+            <a:scrgbClr r="0" g="0" b="0"/>
+          </a:fillRef>
+          <a:effectRef idx="0">
+            <a:scrgbClr r="0" g="0" b="0"/>
+          </a:effectRef>
           <a:fontRef idx="minor"/>
         </p:style>
         <p:txBody>
-          <a:bodyPr lIns="0" rIns="0" tIns="0" bIns="0" anchor="ctr"/>
+          <a:bodyPr lIns="0" tIns="0" rIns="0" bIns="0" anchor="ctr"/>
+          <a:lstStyle/>
           <a:p>
             <a:pPr algn="ctr">
               <a:lnSpc>
@@ -3042,7 +3610,7 @@
               </a:lnSpc>
             </a:pPr>
             <a:r>
-              <a:rPr b="0" lang="ru-RU" sz="4400" spc="-1" strike="noStrike">
+              <a:rPr lang="ru-RU" sz="4400" b="0" strike="noStrike" spc="-1">
                 <a:solidFill>
                   <a:srgbClr val="000000"/>
                 </a:solidFill>
@@ -3051,7 +3619,7 @@
               </a:rPr>
               <a:t>Continuous Integration</a:t>
             </a:r>
-            <a:endParaRPr b="0" lang="ru-RU" sz="4400" spc="-1" strike="noStrike">
+            <a:endParaRPr lang="ru-RU" sz="4400" b="0" strike="noStrike" spc="-1">
               <a:latin typeface="Arial"/>
             </a:endParaRPr>
           </a:p>
@@ -3066,7 +3634,7 @@
         <p:spPr>
           <a:xfrm>
             <a:off x="521280" y="921600"/>
-            <a:ext cx="6800400" cy="4123440"/>
+            <a:ext cx="6800040" cy="4123080"/>
           </a:xfrm>
           <a:prstGeom prst="rect">
             <a:avLst/>
@@ -3077,15 +3645,22 @@
           </a:ln>
         </p:spPr>
         <p:style>
-          <a:lnRef idx="0"/>
-          <a:fillRef idx="0"/>
-          <a:effectRef idx="0"/>
+          <a:lnRef idx="0">
+            <a:scrgbClr r="0" g="0" b="0"/>
+          </a:lnRef>
+          <a:fillRef idx="0">
+            <a:scrgbClr r="0" g="0" b="0"/>
+          </a:fillRef>
+          <a:effectRef idx="0">
+            <a:scrgbClr r="0" g="0" b="0"/>
+          </a:effectRef>
           <a:fontRef idx="minor"/>
         </p:style>
         <p:txBody>
-          <a:bodyPr lIns="90000" rIns="90000" tIns="45000" bIns="45000"/>
-          <a:p>
-            <a:pPr marL="216000" indent="-215280">
+          <a:bodyPr lIns="90000" tIns="45000" rIns="90000" bIns="45000"/>
+          <a:lstStyle/>
+          <a:p>
+            <a:pPr marL="216000" indent="-214920">
               <a:lnSpc>
                 <a:spcPct val="100000"/>
               </a:lnSpc>
@@ -3103,7 +3678,7 @@
               <a:buChar char=""/>
             </a:pPr>
             <a:r>
-              <a:rPr b="0" lang="ru-RU" sz="1500" spc="-1" strike="noStrike">
+              <a:rPr lang="ru-RU" sz="1500" b="0" strike="noStrike" spc="-1">
                 <a:solidFill>
                   <a:srgbClr val="000000"/>
                 </a:solidFill>
@@ -3112,12 +3687,12 @@
               </a:rPr>
               <a:t>Master, develop, release, support ветки закрыты для прямых изменений (только через PR)</a:t>
             </a:r>
-            <a:endParaRPr b="0" lang="ru-RU" sz="1500" spc="-1" strike="noStrike">
-              <a:latin typeface="Arial"/>
-            </a:endParaRPr>
-          </a:p>
-          <a:p>
-            <a:pPr marL="216000" indent="-215280">
+            <a:endParaRPr lang="ru-RU" sz="1500" b="0" strike="noStrike" spc="-1">
+              <a:latin typeface="Arial"/>
+            </a:endParaRPr>
+          </a:p>
+          <a:p>
+            <a:pPr marL="216000" indent="-214920">
               <a:lnSpc>
                 <a:spcPct val="100000"/>
               </a:lnSpc>
@@ -3135,7 +3710,7 @@
               <a:buChar char=""/>
             </a:pPr>
             <a:r>
-              <a:rPr b="0" lang="ru-RU" sz="1500" spc="-1" strike="noStrike">
+              <a:rPr lang="ru-RU" sz="1500" b="0" strike="noStrike" spc="-1">
                 <a:solidFill>
                   <a:srgbClr val="000000"/>
                 </a:solidFill>
@@ -3144,12 +3719,12 @@
               </a:rPr>
               <a:t>Master (develop) ветка собирается каждый коммит</a:t>
             </a:r>
-            <a:endParaRPr b="0" lang="ru-RU" sz="1500" spc="-1" strike="noStrike">
-              <a:latin typeface="Arial"/>
-            </a:endParaRPr>
-          </a:p>
-          <a:p>
-            <a:pPr marL="216000" indent="-215280">
+            <a:endParaRPr lang="ru-RU" sz="1500" b="0" strike="noStrike" spc="-1">
+              <a:latin typeface="Arial"/>
+            </a:endParaRPr>
+          </a:p>
+          <a:p>
+            <a:pPr marL="216000" indent="-214920">
               <a:lnSpc>
                 <a:spcPct val="100000"/>
               </a:lnSpc>
@@ -3167,7 +3742,7 @@
               <a:buChar char=""/>
             </a:pPr>
             <a:r>
-              <a:rPr b="0" lang="ru-RU" sz="1500" spc="-1" strike="noStrike">
+              <a:rPr lang="ru-RU" sz="1500" b="0" strike="noStrike" spc="-1">
                 <a:solidFill>
                   <a:srgbClr val="000000"/>
                 </a:solidFill>
@@ -3176,12 +3751,12 @@
               </a:rPr>
               <a:t>Сборка включает как минимум юнит-тесты (и UI, если есть)</a:t>
             </a:r>
-            <a:endParaRPr b="0" lang="ru-RU" sz="1500" spc="-1" strike="noStrike">
-              <a:latin typeface="Arial"/>
-            </a:endParaRPr>
-          </a:p>
-          <a:p>
-            <a:pPr marL="216000" indent="-215280">
+            <a:endParaRPr lang="ru-RU" sz="1500" b="0" strike="noStrike" spc="-1">
+              <a:latin typeface="Arial"/>
+            </a:endParaRPr>
+          </a:p>
+          <a:p>
+            <a:pPr marL="216000" indent="-214920">
               <a:lnSpc>
                 <a:spcPct val="100000"/>
               </a:lnSpc>
@@ -3199,7 +3774,7 @@
               <a:buChar char=""/>
             </a:pPr>
             <a:r>
-              <a:rPr b="0" lang="ru-RU" sz="1500" spc="-1" strike="noStrike">
+              <a:rPr lang="ru-RU" sz="1500" b="0" strike="noStrike" spc="-1">
                 <a:solidFill>
                   <a:srgbClr val="000000"/>
                 </a:solidFill>
@@ -3208,12 +3783,12 @@
               </a:rPr>
               <a:t>Набор тестов под коммит должны быть быстрым! (да, 15 минут это относительно быстро)</a:t>
             </a:r>
-            <a:endParaRPr b="0" lang="ru-RU" sz="1500" spc="-1" strike="noStrike">
-              <a:latin typeface="Arial"/>
-            </a:endParaRPr>
-          </a:p>
-          <a:p>
-            <a:pPr marL="216000" indent="-215280">
+            <a:endParaRPr lang="ru-RU" sz="1500" b="0" strike="noStrike" spc="-1">
+              <a:latin typeface="Arial"/>
+            </a:endParaRPr>
+          </a:p>
+          <a:p>
+            <a:pPr marL="216000" indent="-214920">
               <a:lnSpc>
                 <a:spcPct val="100000"/>
               </a:lnSpc>
@@ -3231,7 +3806,7 @@
               <a:buChar char=""/>
             </a:pPr>
             <a:r>
-              <a:rPr b="0" lang="ru-RU" sz="1500" spc="-1" strike="noStrike">
+              <a:rPr lang="ru-RU" sz="1500" b="0" strike="noStrike" spc="-1">
                 <a:solidFill>
                   <a:srgbClr val="000000"/>
                 </a:solidFill>
@@ -3240,12 +3815,12 @@
               </a:rPr>
               <a:t>Полный набор тестов (интеграционные, регрессия, UI) собираются минимум раз в сутки</a:t>
             </a:r>
-            <a:endParaRPr b="0" lang="ru-RU" sz="1500" spc="-1" strike="noStrike">
-              <a:latin typeface="Arial"/>
-            </a:endParaRPr>
-          </a:p>
-          <a:p>
-            <a:pPr marL="216000" indent="-215280">
+            <a:endParaRPr lang="ru-RU" sz="1500" b="0" strike="noStrike" spc="-1">
+              <a:latin typeface="Arial"/>
+            </a:endParaRPr>
+          </a:p>
+          <a:p>
+            <a:pPr marL="216000" indent="-214920">
               <a:lnSpc>
                 <a:spcPct val="100000"/>
               </a:lnSpc>
@@ -3263,7 +3838,7 @@
               <a:buChar char=""/>
             </a:pPr>
             <a:r>
-              <a:rPr b="0" lang="ru-RU" sz="1500" spc="-1" strike="noStrike">
+              <a:rPr lang="ru-RU" sz="1500" b="0" strike="noStrike" spc="-1">
                 <a:solidFill>
                   <a:srgbClr val="000000"/>
                 </a:solidFill>
@@ -3272,12 +3847,12 @@
               </a:rPr>
               <a:t>Упавший билд – это критичная бага</a:t>
             </a:r>
-            <a:endParaRPr b="0" lang="ru-RU" sz="1500" spc="-1" strike="noStrike">
-              <a:latin typeface="Arial"/>
-            </a:endParaRPr>
-          </a:p>
-          <a:p>
-            <a:pPr marL="216000" indent="-215280">
+            <a:endParaRPr lang="ru-RU" sz="1500" b="0" strike="noStrike" spc="-1">
+              <a:latin typeface="Arial"/>
+            </a:endParaRPr>
+          </a:p>
+          <a:p>
+            <a:pPr marL="216000" indent="-214920">
               <a:lnSpc>
                 <a:spcPct val="100000"/>
               </a:lnSpc>
@@ -3295,7 +3870,7 @@
               <a:buChar char=""/>
             </a:pPr>
             <a:r>
-              <a:rPr b="0" lang="ru-RU" sz="1500" spc="-1" strike="noStrike">
+              <a:rPr lang="ru-RU" sz="1500" b="0" strike="noStrike" spc="-1">
                 <a:solidFill>
                   <a:srgbClr val="000000"/>
                 </a:solidFill>
@@ -3304,7 +3879,7 @@
               </a:rPr>
               <a:t>Релиз на CI-сервер как минимум каждую ночь, лучше каждый пул-реквест – автоматически</a:t>
             </a:r>
-            <a:endParaRPr b="0" lang="ru-RU" sz="1500" spc="-1" strike="noStrike">
+            <a:endParaRPr lang="ru-RU" sz="1500" b="0" strike="noStrike" spc="-1">
               <a:latin typeface="Arial"/>
             </a:endParaRPr>
           </a:p>
@@ -3319,7 +3894,7 @@
         <p:spPr>
           <a:xfrm>
             <a:off x="360000" y="5400000"/>
-            <a:ext cx="10797120" cy="1260720"/>
+            <a:ext cx="10796760" cy="1260360"/>
           </a:xfrm>
           <a:prstGeom prst="rect">
             <a:avLst/>
@@ -3330,16 +3905,23 @@
           </a:ln>
         </p:spPr>
         <p:style>
-          <a:lnRef idx="0"/>
-          <a:fillRef idx="0"/>
-          <a:effectRef idx="0"/>
+          <a:lnRef idx="0">
+            <a:scrgbClr r="0" g="0" b="0"/>
+          </a:lnRef>
+          <a:fillRef idx="0">
+            <a:scrgbClr r="0" g="0" b="0"/>
+          </a:fillRef>
+          <a:effectRef idx="0">
+            <a:scrgbClr r="0" g="0" b="0"/>
+          </a:effectRef>
           <a:fontRef idx="minor"/>
         </p:style>
         <p:txBody>
-          <a:bodyPr lIns="0" rIns="0" tIns="0" bIns="0" anchor="ctr"/>
-          <a:p>
-            <a:r>
-              <a:rPr b="0" lang="ru-RU" sz="2800" spc="-1" strike="noStrike">
+          <a:bodyPr lIns="0" tIns="0" rIns="0" bIns="0" anchor="ctr"/>
+          <a:lstStyle/>
+          <a:p>
+            <a:r>
+              <a:rPr lang="ru-RU" sz="2800" b="0" strike="noStrike" spc="-1">
                 <a:solidFill>
                   <a:srgbClr val="000000"/>
                 </a:solidFill>
@@ -3348,7 +3930,7 @@
               </a:rPr>
               <a:t>Основы разработки корпоративных систем на платформе .NET</a:t>
             </a:r>
-            <a:endParaRPr b="0" lang="ru-RU" sz="2800" spc="-1" strike="noStrike">
+            <a:endParaRPr lang="ru-RU" sz="2800" b="0" strike="noStrike" spc="-1">
               <a:latin typeface="Arial"/>
             </a:endParaRPr>
           </a:p>
@@ -3356,22 +3938,25 @@
       </p:sp>
     </p:spTree>
   </p:cSld>
+  <p:clrMapOvr>
+    <a:masterClrMapping/>
+  </p:clrMapOvr>
   <p:timing>
     <p:tnLst>
       <p:par>
-        <p:cTn id="29" dur="indefinite" restart="never" nodeType="tmRoot">
+        <p:cTn id="1" dur="indefinite" restart="never" nodeType="tmRoot">
           <p:childTnLst>
             <p:seq>
-              <p:cTn id="30" dur="indefinite" nodeType="mainSeq"/>
+              <p:cTn id="2" dur="indefinite" nodeType="mainSeq"/>
               <p:prevCondLst>
-                <p:cond delay="0" evt="onPrev">
+                <p:cond evt="onPrev" delay="0">
                   <p:tgtEl>
                     <p:sldTgt/>
                   </p:tgtEl>
                 </p:cond>
               </p:prevCondLst>
               <p:nextCondLst>
-                <p:cond delay="0" evt="onNext">
+                <p:cond evt="onNext" delay="0">
                   <p:tgtEl>
                     <p:sldTgt/>
                   </p:tgtEl>
@@ -3387,7 +3972,7 @@
 </file>
 
 <file path=ppt/slides/slide16.xml><?xml version="1.0" encoding="utf-8"?>
-<p:sld xmlns:a="http://schemas.openxmlformats.org/drawingml/2006/main" xmlns:p="http://schemas.openxmlformats.org/presentationml/2006/main" xmlns:r="http://schemas.openxmlformats.org/officeDocument/2006/relationships" xmlns:p14="http://schemas.microsoft.com/office/powerpoint/2010/main" xmlns:p15="http://schemas.microsoft.com/office/powerpoint/2012/main" xmlns:mc="http://schemas.openxmlformats.org/markup-compatibility/2006">
+<p:sld xmlns:a="http://schemas.openxmlformats.org/drawingml/2006/main" xmlns:r="http://schemas.openxmlformats.org/officeDocument/2006/relationships" xmlns:p="http://schemas.openxmlformats.org/presentationml/2006/main">
   <p:cSld>
     <p:spTree>
       <p:nvGrpSpPr>
@@ -3412,7 +3997,7 @@
         <p:spPr>
           <a:xfrm>
             <a:off x="144000" y="34560"/>
-            <a:ext cx="11854080" cy="1260720"/>
+            <a:ext cx="11853720" cy="1260360"/>
           </a:xfrm>
           <a:prstGeom prst="rect">
             <a:avLst/>
@@ -3423,13 +4008,20 @@
           </a:ln>
         </p:spPr>
         <p:style>
-          <a:lnRef idx="0"/>
-          <a:fillRef idx="0"/>
-          <a:effectRef idx="0"/>
+          <a:lnRef idx="0">
+            <a:scrgbClr r="0" g="0" b="0"/>
+          </a:lnRef>
+          <a:fillRef idx="0">
+            <a:scrgbClr r="0" g="0" b="0"/>
+          </a:fillRef>
+          <a:effectRef idx="0">
+            <a:scrgbClr r="0" g="0" b="0"/>
+          </a:effectRef>
           <a:fontRef idx="minor"/>
         </p:style>
         <p:txBody>
-          <a:bodyPr lIns="0" rIns="0" tIns="0" bIns="0" anchor="ctr"/>
+          <a:bodyPr lIns="0" tIns="0" rIns="0" bIns="0" anchor="ctr"/>
+          <a:lstStyle/>
           <a:p>
             <a:pPr algn="ctr">
               <a:lnSpc>
@@ -3437,7 +4029,7 @@
               </a:lnSpc>
             </a:pPr>
             <a:r>
-              <a:rPr b="0" lang="ru-RU" sz="4400" spc="-1" strike="noStrike">
+              <a:rPr lang="ru-RU" sz="4400" b="0" strike="noStrike" spc="-1">
                 <a:solidFill>
                   <a:srgbClr val="000000"/>
                 </a:solidFill>
@@ -3446,7 +4038,7 @@
               </a:rPr>
               <a:t>Continuous Delivery vs Continuous Deployment</a:t>
             </a:r>
-            <a:endParaRPr b="0" lang="ru-RU" sz="4400" spc="-1" strike="noStrike">
+            <a:endParaRPr lang="ru-RU" sz="4400" b="0" strike="noStrike" spc="-1">
               <a:latin typeface="Arial"/>
             </a:endParaRPr>
           </a:p>
@@ -3461,7 +4053,7 @@
         <p:spPr>
           <a:xfrm>
             <a:off x="360000" y="5400000"/>
-            <a:ext cx="10797120" cy="1260720"/>
+            <a:ext cx="10796760" cy="1260360"/>
           </a:xfrm>
           <a:prstGeom prst="rect">
             <a:avLst/>
@@ -3472,16 +4064,23 @@
           </a:ln>
         </p:spPr>
         <p:style>
-          <a:lnRef idx="0"/>
-          <a:fillRef idx="0"/>
-          <a:effectRef idx="0"/>
+          <a:lnRef idx="0">
+            <a:scrgbClr r="0" g="0" b="0"/>
+          </a:lnRef>
+          <a:fillRef idx="0">
+            <a:scrgbClr r="0" g="0" b="0"/>
+          </a:fillRef>
+          <a:effectRef idx="0">
+            <a:scrgbClr r="0" g="0" b="0"/>
+          </a:effectRef>
           <a:fontRef idx="minor"/>
         </p:style>
         <p:txBody>
-          <a:bodyPr lIns="0" rIns="0" tIns="0" bIns="0" anchor="ctr"/>
-          <a:p>
-            <a:r>
-              <a:rPr b="0" lang="ru-RU" sz="2800" spc="-1" strike="noStrike">
+          <a:bodyPr lIns="0" tIns="0" rIns="0" bIns="0" anchor="ctr"/>
+          <a:lstStyle/>
+          <a:p>
+            <a:r>
+              <a:rPr lang="ru-RU" sz="2800" b="0" strike="noStrike" spc="-1">
                 <a:solidFill>
                   <a:srgbClr val="000000"/>
                 </a:solidFill>
@@ -3490,7 +4089,7 @@
               </a:rPr>
               <a:t>Основы разработки корпоративных систем на платформе .NET</a:t>
             </a:r>
-            <a:endParaRPr b="0" lang="ru-RU" sz="2800" spc="-1" strike="noStrike">
+            <a:endParaRPr lang="ru-RU" sz="2800" b="0" strike="noStrike" spc="-1">
               <a:latin typeface="Arial"/>
             </a:endParaRPr>
           </a:p>
@@ -3505,7 +4104,7 @@
         <p:spPr>
           <a:xfrm>
             <a:off x="3600000" y="4605480"/>
-            <a:ext cx="5183640" cy="489600"/>
+            <a:ext cx="5183280" cy="489240"/>
           </a:xfrm>
           <a:prstGeom prst="rect">
             <a:avLst/>
@@ -3516,24 +4115,32 @@
           </a:ln>
         </p:spPr>
         <p:style>
-          <a:lnRef idx="0"/>
-          <a:fillRef idx="0"/>
-          <a:effectRef idx="0"/>
+          <a:lnRef idx="0">
+            <a:scrgbClr r="0" g="0" b="0"/>
+          </a:lnRef>
+          <a:fillRef idx="0">
+            <a:scrgbClr r="0" g="0" b="0"/>
+          </a:fillRef>
+          <a:effectRef idx="0">
+            <a:scrgbClr r="0" g="0" b="0"/>
+          </a:effectRef>
           <a:fontRef idx="minor"/>
         </p:style>
         <p:txBody>
-          <a:bodyPr lIns="90000" rIns="90000" tIns="45000" bIns="45000"/>
-          <a:p>
-            <a:r>
-              <a:rPr b="0" lang="ru-RU" sz="1400" spc="-1" strike="noStrike">
+          <a:bodyPr lIns="90000" tIns="45000" rIns="90000" bIns="45000"/>
+          <a:lstStyle/>
+          <a:p>
+            <a:r>
+              <a:rPr lang="ru-RU" sz="1400" b="0" strike="noStrike" spc="-1">
                 <a:solidFill>
                   <a:srgbClr val="000000"/>
                 </a:solidFill>
                 <a:latin typeface="Open Sans"/>
+                <a:ea typeface="DejaVu Sans"/>
               </a:rPr>
               <a:t>https://notafactoryanymore.com/tag/continuous-deployment/</a:t>
             </a:r>
-            <a:endParaRPr b="0" lang="ru-RU" sz="1400" spc="-1" strike="noStrike">
+            <a:endParaRPr lang="ru-RU" sz="1400" b="0" strike="noStrike" spc="-1">
               <a:latin typeface="Arial"/>
             </a:endParaRPr>
           </a:p>
@@ -3541,18 +4148,18 @@
       </p:sp>
       <p:pic>
         <p:nvPicPr>
-          <p:cNvPr id="88" name="Picture 6" descr=""/>
+          <p:cNvPr id="88" name="Picture 6"/>
           <p:cNvPicPr/>
           <p:nvPr/>
         </p:nvPicPr>
         <p:blipFill>
-          <a:blip r:embed="rId1"/>
+          <a:blip r:embed="rId2"/>
           <a:stretch/>
         </p:blipFill>
         <p:spPr>
           <a:xfrm>
             <a:off x="1656000" y="1008000"/>
-            <a:ext cx="8996760" cy="3589920"/>
+            <a:ext cx="8996400" cy="3589560"/>
           </a:xfrm>
           <a:prstGeom prst="rect">
             <a:avLst/>
@@ -3564,22 +4171,25 @@
       </p:pic>
     </p:spTree>
   </p:cSld>
+  <p:clrMapOvr>
+    <a:masterClrMapping/>
+  </p:clrMapOvr>
   <p:timing>
     <p:tnLst>
       <p:par>
-        <p:cTn id="31" dur="indefinite" restart="never" nodeType="tmRoot">
+        <p:cTn id="1" dur="indefinite" restart="never" nodeType="tmRoot">
           <p:childTnLst>
             <p:seq>
-              <p:cTn id="32" dur="indefinite" nodeType="mainSeq"/>
+              <p:cTn id="2" dur="indefinite" nodeType="mainSeq"/>
               <p:prevCondLst>
-                <p:cond delay="0" evt="onPrev">
+                <p:cond evt="onPrev" delay="0">
                   <p:tgtEl>
                     <p:sldTgt/>
                   </p:tgtEl>
                 </p:cond>
               </p:prevCondLst>
               <p:nextCondLst>
-                <p:cond delay="0" evt="onNext">
+                <p:cond evt="onNext" delay="0">
                   <p:tgtEl>
                     <p:sldTgt/>
                   </p:tgtEl>
@@ -3595,7 +4205,7 @@
 </file>
 
 <file path=ppt/slides/slide17.xml><?xml version="1.0" encoding="utf-8"?>
-<p:sld xmlns:a="http://schemas.openxmlformats.org/drawingml/2006/main" xmlns:p="http://schemas.openxmlformats.org/presentationml/2006/main" xmlns:r="http://schemas.openxmlformats.org/officeDocument/2006/relationships" xmlns:p14="http://schemas.microsoft.com/office/powerpoint/2010/main" xmlns:p15="http://schemas.microsoft.com/office/powerpoint/2012/main" xmlns:mc="http://schemas.openxmlformats.org/markup-compatibility/2006">
+<p:sld xmlns:a="http://schemas.openxmlformats.org/drawingml/2006/main" xmlns:r="http://schemas.openxmlformats.org/officeDocument/2006/relationships" xmlns:p="http://schemas.openxmlformats.org/presentationml/2006/main">
   <p:cSld>
     <p:spTree>
       <p:nvGrpSpPr>
@@ -3620,7 +4230,7 @@
         <p:spPr>
           <a:xfrm>
             <a:off x="144000" y="34560"/>
-            <a:ext cx="11854080" cy="1260720"/>
+            <a:ext cx="11853720" cy="1260360"/>
           </a:xfrm>
           <a:prstGeom prst="rect">
             <a:avLst/>
@@ -3631,13 +4241,20 @@
           </a:ln>
         </p:spPr>
         <p:style>
-          <a:lnRef idx="0"/>
-          <a:fillRef idx="0"/>
-          <a:effectRef idx="0"/>
+          <a:lnRef idx="0">
+            <a:scrgbClr r="0" g="0" b="0"/>
+          </a:lnRef>
+          <a:fillRef idx="0">
+            <a:scrgbClr r="0" g="0" b="0"/>
+          </a:fillRef>
+          <a:effectRef idx="0">
+            <a:scrgbClr r="0" g="0" b="0"/>
+          </a:effectRef>
           <a:fontRef idx="minor"/>
         </p:style>
         <p:txBody>
-          <a:bodyPr lIns="0" rIns="0" tIns="0" bIns="0" anchor="ctr"/>
+          <a:bodyPr lIns="0" tIns="0" rIns="0" bIns="0" anchor="ctr"/>
+          <a:lstStyle/>
           <a:p>
             <a:pPr algn="ctr">
               <a:lnSpc>
@@ -3645,7 +4262,7 @@
               </a:lnSpc>
             </a:pPr>
             <a:r>
-              <a:rPr b="0" lang="ru-RU" sz="4400" spc="-1" strike="noStrike">
+              <a:rPr lang="ru-RU" sz="4400" b="0" strike="noStrike" spc="-1">
                 <a:solidFill>
                   <a:srgbClr val="000000"/>
                 </a:solidFill>
@@ -3654,7 +4271,7 @@
               </a:rPr>
               <a:t>DevOps</a:t>
             </a:r>
-            <a:endParaRPr b="0" lang="ru-RU" sz="4400" spc="-1" strike="noStrike">
+            <a:endParaRPr lang="ru-RU" sz="4400" b="0" strike="noStrike" spc="-1">
               <a:latin typeface="Arial"/>
             </a:endParaRPr>
           </a:p>
@@ -3669,7 +4286,7 @@
         <p:spPr>
           <a:xfrm>
             <a:off x="360000" y="5400000"/>
-            <a:ext cx="10797120" cy="1260720"/>
+            <a:ext cx="10796760" cy="1260360"/>
           </a:xfrm>
           <a:prstGeom prst="rect">
             <a:avLst/>
@@ -3680,16 +4297,23 @@
           </a:ln>
         </p:spPr>
         <p:style>
-          <a:lnRef idx="0"/>
-          <a:fillRef idx="0"/>
-          <a:effectRef idx="0"/>
+          <a:lnRef idx="0">
+            <a:scrgbClr r="0" g="0" b="0"/>
+          </a:lnRef>
+          <a:fillRef idx="0">
+            <a:scrgbClr r="0" g="0" b="0"/>
+          </a:fillRef>
+          <a:effectRef idx="0">
+            <a:scrgbClr r="0" g="0" b="0"/>
+          </a:effectRef>
           <a:fontRef idx="minor"/>
         </p:style>
         <p:txBody>
-          <a:bodyPr lIns="0" rIns="0" tIns="0" bIns="0" anchor="ctr"/>
-          <a:p>
-            <a:r>
-              <a:rPr b="0" lang="ru-RU" sz="2800" spc="-1" strike="noStrike">
+          <a:bodyPr lIns="0" tIns="0" rIns="0" bIns="0" anchor="ctr"/>
+          <a:lstStyle/>
+          <a:p>
+            <a:r>
+              <a:rPr lang="ru-RU" sz="2800" b="0" strike="noStrike" spc="-1">
                 <a:solidFill>
                   <a:srgbClr val="000000"/>
                 </a:solidFill>
@@ -3698,7 +4322,7 @@
               </a:rPr>
               <a:t>Основы разработки корпоративных систем на платформе .NET</a:t>
             </a:r>
-            <a:endParaRPr b="0" lang="ru-RU" sz="2800" spc="-1" strike="noStrike">
+            <a:endParaRPr lang="ru-RU" sz="2800" b="0" strike="noStrike" spc="-1">
               <a:latin typeface="Arial"/>
             </a:endParaRPr>
           </a:p>
@@ -3713,7 +4337,7 @@
         <p:spPr>
           <a:xfrm>
             <a:off x="3600000" y="4605480"/>
-            <a:ext cx="5183640" cy="489600"/>
+            <a:ext cx="5183280" cy="489240"/>
           </a:xfrm>
           <a:prstGeom prst="rect">
             <a:avLst/>
@@ -3724,24 +4348,32 @@
           </a:ln>
         </p:spPr>
         <p:style>
-          <a:lnRef idx="0"/>
-          <a:fillRef idx="0"/>
-          <a:effectRef idx="0"/>
+          <a:lnRef idx="0">
+            <a:scrgbClr r="0" g="0" b="0"/>
+          </a:lnRef>
+          <a:fillRef idx="0">
+            <a:scrgbClr r="0" g="0" b="0"/>
+          </a:fillRef>
+          <a:effectRef idx="0">
+            <a:scrgbClr r="0" g="0" b="0"/>
+          </a:effectRef>
           <a:fontRef idx="minor"/>
         </p:style>
         <p:txBody>
-          <a:bodyPr lIns="90000" rIns="90000" tIns="45000" bIns="45000"/>
-          <a:p>
-            <a:r>
-              <a:rPr b="0" lang="ru-RU" sz="1400" spc="-1" strike="noStrike">
+          <a:bodyPr lIns="90000" tIns="45000" rIns="90000" bIns="45000"/>
+          <a:lstStyle/>
+          <a:p>
+            <a:r>
+              <a:rPr lang="ru-RU" sz="1400" b="0" strike="noStrike" spc="-1">
                 <a:solidFill>
                   <a:srgbClr val="000000"/>
                 </a:solidFill>
                 <a:latin typeface="Open Sans"/>
+                <a:ea typeface="DejaVu Sans"/>
               </a:rPr>
               <a:t>https://blog.xebialabs.com/2016/03/21/essential-devops-terms/</a:t>
             </a:r>
-            <a:endParaRPr b="0" lang="ru-RU" sz="1400" spc="-1" strike="noStrike">
+            <a:endParaRPr lang="ru-RU" sz="1400" b="0" strike="noStrike" spc="-1">
               <a:latin typeface="Arial"/>
             </a:endParaRPr>
           </a:p>
@@ -3749,18 +4381,18 @@
       </p:sp>
       <p:pic>
         <p:nvPicPr>
-          <p:cNvPr id="92" name="Picture 5" descr=""/>
+          <p:cNvPr id="92" name="Picture 5"/>
           <p:cNvPicPr/>
           <p:nvPr/>
         </p:nvPicPr>
         <p:blipFill>
-          <a:blip r:embed="rId1"/>
+          <a:blip r:embed="rId2"/>
           <a:stretch/>
         </p:blipFill>
         <p:spPr>
           <a:xfrm>
             <a:off x="2304000" y="1080000"/>
-            <a:ext cx="7200360" cy="3436560"/>
+            <a:ext cx="7200000" cy="3436200"/>
           </a:xfrm>
           <a:prstGeom prst="rect">
             <a:avLst/>
@@ -3772,22 +4404,25 @@
       </p:pic>
     </p:spTree>
   </p:cSld>
+  <p:clrMapOvr>
+    <a:masterClrMapping/>
+  </p:clrMapOvr>
   <p:timing>
     <p:tnLst>
       <p:par>
-        <p:cTn id="33" dur="indefinite" restart="never" nodeType="tmRoot">
+        <p:cTn id="1" dur="indefinite" restart="never" nodeType="tmRoot">
           <p:childTnLst>
             <p:seq>
-              <p:cTn id="34" dur="indefinite" nodeType="mainSeq"/>
+              <p:cTn id="2" dur="indefinite" nodeType="mainSeq"/>
               <p:prevCondLst>
-                <p:cond delay="0" evt="onPrev">
+                <p:cond evt="onPrev" delay="0">
                   <p:tgtEl>
                     <p:sldTgt/>
                   </p:tgtEl>
                 </p:cond>
               </p:prevCondLst>
               <p:nextCondLst>
-                <p:cond delay="0" evt="onNext">
+                <p:cond evt="onNext" delay="0">
                   <p:tgtEl>
                     <p:sldTgt/>
                   </p:tgtEl>
@@ -3803,7 +4438,7 @@
 </file>
 
 <file path=ppt/slides/slide18.xml><?xml version="1.0" encoding="utf-8"?>
-<p:sld xmlns:a="http://schemas.openxmlformats.org/drawingml/2006/main" xmlns:p="http://schemas.openxmlformats.org/presentationml/2006/main" xmlns:r="http://schemas.openxmlformats.org/officeDocument/2006/relationships" xmlns:p14="http://schemas.microsoft.com/office/powerpoint/2010/main" xmlns:p15="http://schemas.microsoft.com/office/powerpoint/2012/main" xmlns:mc="http://schemas.openxmlformats.org/markup-compatibility/2006">
+<p:sld xmlns:a="http://schemas.openxmlformats.org/drawingml/2006/main" xmlns:r="http://schemas.openxmlformats.org/officeDocument/2006/relationships" xmlns:p="http://schemas.openxmlformats.org/presentationml/2006/main">
   <p:cSld>
     <p:spTree>
       <p:nvGrpSpPr>
@@ -3828,7 +4463,7 @@
         <p:spPr>
           <a:xfrm>
             <a:off x="578160" y="34560"/>
-            <a:ext cx="10797120" cy="1260720"/>
+            <a:ext cx="10796760" cy="1260360"/>
           </a:xfrm>
           <a:prstGeom prst="rect">
             <a:avLst/>
@@ -3839,13 +4474,20 @@
           </a:ln>
         </p:spPr>
         <p:style>
-          <a:lnRef idx="0"/>
-          <a:fillRef idx="0"/>
-          <a:effectRef idx="0"/>
+          <a:lnRef idx="0">
+            <a:scrgbClr r="0" g="0" b="0"/>
+          </a:lnRef>
+          <a:fillRef idx="0">
+            <a:scrgbClr r="0" g="0" b="0"/>
+          </a:fillRef>
+          <a:effectRef idx="0">
+            <a:scrgbClr r="0" g="0" b="0"/>
+          </a:effectRef>
           <a:fontRef idx="minor"/>
         </p:style>
         <p:txBody>
-          <a:bodyPr lIns="0" rIns="0" tIns="0" bIns="0" anchor="ctr"/>
+          <a:bodyPr lIns="0" tIns="0" rIns="0" bIns="0" anchor="ctr"/>
+          <a:lstStyle/>
           <a:p>
             <a:pPr algn="ctr">
               <a:lnSpc>
@@ -3853,7 +4495,7 @@
               </a:lnSpc>
             </a:pPr>
             <a:r>
-              <a:rPr b="0" lang="ru-RU" sz="4400" spc="-1" strike="noStrike">
+              <a:rPr lang="ru-RU" sz="4400" b="0" strike="noStrike" spc="-1">
                 <a:solidFill>
                   <a:srgbClr val="000000"/>
                 </a:solidFill>
@@ -3862,7 +4504,7 @@
               </a:rPr>
               <a:t>Домашнее задание</a:t>
             </a:r>
-            <a:endParaRPr b="0" lang="ru-RU" sz="4400" spc="-1" strike="noStrike">
+            <a:endParaRPr lang="ru-RU" sz="4400" b="0" strike="noStrike" spc="-1">
               <a:latin typeface="Arial"/>
             </a:endParaRPr>
           </a:p>
@@ -3877,7 +4519,7 @@
         <p:spPr>
           <a:xfrm>
             <a:off x="521280" y="921600"/>
-            <a:ext cx="6800400" cy="4123440"/>
+            <a:ext cx="6800040" cy="4123080"/>
           </a:xfrm>
           <a:prstGeom prst="rect">
             <a:avLst/>
@@ -3888,15 +4530,22 @@
           </a:ln>
         </p:spPr>
         <p:style>
-          <a:lnRef idx="0"/>
-          <a:fillRef idx="0"/>
-          <a:effectRef idx="0"/>
+          <a:lnRef idx="0">
+            <a:scrgbClr r="0" g="0" b="0"/>
+          </a:lnRef>
+          <a:fillRef idx="0">
+            <a:scrgbClr r="0" g="0" b="0"/>
+          </a:fillRef>
+          <a:effectRef idx="0">
+            <a:scrgbClr r="0" g="0" b="0"/>
+          </a:effectRef>
           <a:fontRef idx="minor"/>
         </p:style>
         <p:txBody>
-          <a:bodyPr lIns="90000" rIns="90000" tIns="45000" bIns="45000"/>
-          <a:p>
-            <a:pPr marL="216000" indent="-215280">
+          <a:bodyPr lIns="90000" tIns="45000" rIns="90000" bIns="45000"/>
+          <a:lstStyle/>
+          <a:p>
+            <a:pPr>
               <a:lnSpc>
                 <a:spcPct val="100000"/>
               </a:lnSpc>
@@ -3906,18 +4555,13 @@
               <a:spcAft>
                 <a:spcPts val="451"/>
               </a:spcAft>
-              <a:buClr>
-                <a:srgbClr val="000000"/>
-              </a:buClr>
-              <a:buFont typeface="Wingdings" charset="2"/>
-              <a:buChar char=""/>
             </a:pPr>
-            <a:endParaRPr b="0" lang="ru-RU" sz="1800" spc="-1" strike="noStrike">
-              <a:latin typeface="Arial"/>
-            </a:endParaRPr>
-          </a:p>
-          <a:p>
-            <a:pPr marL="216000" indent="-215280">
+            <a:endParaRPr lang="ru-RU" sz="1800" b="0" strike="noStrike" spc="-1">
+              <a:latin typeface="Arial"/>
+            </a:endParaRPr>
+          </a:p>
+          <a:p>
+            <a:pPr marL="216000" indent="-214920">
               <a:lnSpc>
                 <a:spcPct val="100000"/>
               </a:lnSpc>
@@ -3935,7 +4579,7 @@
               <a:buChar char=""/>
             </a:pPr>
             <a:r>
-              <a:rPr b="0" lang="ru-RU" sz="1500" spc="-1" strike="noStrike">
+              <a:rPr lang="ru-RU" sz="1500" b="0" strike="noStrike" spc="-1">
                 <a:solidFill>
                   <a:srgbClr val="000000"/>
                 </a:solidFill>
@@ -3944,12 +4588,12 @@
               </a:rPr>
               <a:t>Выбрать тему для проекта – прототипа системы на трехзвенной архитектуре</a:t>
             </a:r>
-            <a:endParaRPr b="0" lang="ru-RU" sz="1500" spc="-1" strike="noStrike">
-              <a:latin typeface="Arial"/>
-            </a:endParaRPr>
-          </a:p>
-          <a:p>
-            <a:pPr marL="216000" indent="-215280">
+            <a:endParaRPr lang="ru-RU" sz="1500" b="0" strike="noStrike" spc="-1">
+              <a:latin typeface="Arial"/>
+            </a:endParaRPr>
+          </a:p>
+          <a:p>
+            <a:pPr marL="216000" indent="-214920">
               <a:lnSpc>
                 <a:spcPct val="100000"/>
               </a:lnSpc>
@@ -3967,7 +4611,7 @@
               <a:buChar char=""/>
             </a:pPr>
             <a:r>
-              <a:rPr b="0" lang="ru-RU" sz="1500" spc="-1" strike="noStrike">
+              <a:rPr lang="ru-RU" sz="1500" b="0" strike="noStrike" spc="-1">
                 <a:solidFill>
                   <a:srgbClr val="000000"/>
                 </a:solidFill>
@@ -3976,12 +4620,12 @@
               </a:rPr>
               <a:t>Используем DotNet Core 3.x</a:t>
             </a:r>
-            <a:endParaRPr b="0" lang="ru-RU" sz="1500" spc="-1" strike="noStrike">
-              <a:latin typeface="Arial"/>
-            </a:endParaRPr>
-          </a:p>
-          <a:p>
-            <a:pPr marL="216000" indent="-215280">
+            <a:endParaRPr lang="ru-RU" sz="1500" b="0" strike="noStrike" spc="-1">
+              <a:latin typeface="Arial"/>
+            </a:endParaRPr>
+          </a:p>
+          <a:p>
+            <a:pPr marL="216000" indent="-214920">
               <a:lnSpc>
                 <a:spcPct val="100000"/>
               </a:lnSpc>
@@ -3999,7 +4643,7 @@
               <a:buChar char=""/>
             </a:pPr>
             <a:r>
-              <a:rPr b="0" lang="ru-RU" sz="1400" spc="-1" strike="noStrike">
+              <a:rPr lang="ru-RU" sz="1400" b="0" strike="noStrike" spc="-1">
                 <a:solidFill>
                   <a:srgbClr val="000000"/>
                 </a:solidFill>
@@ -4008,12 +4652,12 @@
               </a:rPr>
               <a:t>Своя тема, подразумевающая наличие: БД, сервер с API (WebAPI), клиент на ASP.NET MVC (веб-приложение)</a:t>
             </a:r>
-            <a:endParaRPr b="0" lang="ru-RU" sz="1400" spc="-1" strike="noStrike">
-              <a:latin typeface="Arial"/>
-            </a:endParaRPr>
-          </a:p>
-          <a:p>
-            <a:pPr marL="216000" indent="-215280">
+            <a:endParaRPr lang="ru-RU" sz="1400" b="0" strike="noStrike" spc="-1">
+              <a:latin typeface="Arial"/>
+            </a:endParaRPr>
+          </a:p>
+          <a:p>
+            <a:pPr marL="216000" indent="-214920">
               <a:lnSpc>
                 <a:spcPct val="100000"/>
               </a:lnSpc>
@@ -4031,7 +4675,7 @@
               <a:buChar char=""/>
             </a:pPr>
             <a:r>
-              <a:rPr b="0" lang="ru-RU" sz="1500" spc="-1" strike="noStrike">
+              <a:rPr lang="ru-RU" sz="1500" b="0" strike="noStrike" spc="-1">
                 <a:solidFill>
                   <a:srgbClr val="000000"/>
                 </a:solidFill>
@@ -4040,12 +4684,12 @@
               </a:rPr>
               <a:t>Написать мне на почту выбранную тему</a:t>
             </a:r>
-            <a:endParaRPr b="0" lang="ru-RU" sz="1500" spc="-1" strike="noStrike">
-              <a:latin typeface="Arial"/>
-            </a:endParaRPr>
-          </a:p>
-          <a:p>
-            <a:pPr marL="216000" indent="-215280">
+            <a:endParaRPr lang="ru-RU" sz="1500" b="0" strike="noStrike" spc="-1">
+              <a:latin typeface="Arial"/>
+            </a:endParaRPr>
+          </a:p>
+          <a:p>
+            <a:pPr marL="216000" indent="-214920">
               <a:lnSpc>
                 <a:spcPct val="100000"/>
               </a:lnSpc>
@@ -4063,7 +4707,7 @@
               <a:buChar char=""/>
             </a:pPr>
             <a:r>
-              <a:rPr b="0" lang="ru-RU" sz="1500" spc="-1" strike="noStrike">
+              <a:rPr lang="ru-RU" sz="1500" b="0" strike="noStrike" spc="-1">
                 <a:solidFill>
                   <a:srgbClr val="000000"/>
                 </a:solidFill>
@@ -4072,7 +4716,7 @@
               </a:rPr>
               <a:t>Начать реализацию проекта – создать новый Solution, продумать и сделать доменную модель</a:t>
             </a:r>
-            <a:endParaRPr b="0" lang="ru-RU" sz="1500" spc="-1" strike="noStrike">
+            <a:endParaRPr lang="ru-RU" sz="1500" b="0" strike="noStrike" spc="-1">
               <a:latin typeface="Arial"/>
             </a:endParaRPr>
           </a:p>
@@ -4087,7 +4731,7 @@
         <p:spPr>
           <a:xfrm>
             <a:off x="360000" y="5400000"/>
-            <a:ext cx="10797120" cy="1260720"/>
+            <a:ext cx="10796760" cy="1260360"/>
           </a:xfrm>
           <a:prstGeom prst="rect">
             <a:avLst/>
@@ -4098,16 +4742,23 @@
           </a:ln>
         </p:spPr>
         <p:style>
-          <a:lnRef idx="0"/>
-          <a:fillRef idx="0"/>
-          <a:effectRef idx="0"/>
+          <a:lnRef idx="0">
+            <a:scrgbClr r="0" g="0" b="0"/>
+          </a:lnRef>
+          <a:fillRef idx="0">
+            <a:scrgbClr r="0" g="0" b="0"/>
+          </a:fillRef>
+          <a:effectRef idx="0">
+            <a:scrgbClr r="0" g="0" b="0"/>
+          </a:effectRef>
           <a:fontRef idx="minor"/>
         </p:style>
         <p:txBody>
-          <a:bodyPr lIns="0" rIns="0" tIns="0" bIns="0" anchor="ctr"/>
-          <a:p>
-            <a:r>
-              <a:rPr b="0" lang="ru-RU" sz="2800" spc="-1" strike="noStrike">
+          <a:bodyPr lIns="0" tIns="0" rIns="0" bIns="0" anchor="ctr"/>
+          <a:lstStyle/>
+          <a:p>
+            <a:r>
+              <a:rPr lang="ru-RU" sz="2800" b="0" strike="noStrike" spc="-1">
                 <a:solidFill>
                   <a:srgbClr val="000000"/>
                 </a:solidFill>
@@ -4116,7 +4767,7 @@
               </a:rPr>
               <a:t>Основы разработки корпоративных систем на платформе .NET</a:t>
             </a:r>
-            <a:endParaRPr b="0" lang="ru-RU" sz="2800" spc="-1" strike="noStrike">
+            <a:endParaRPr lang="ru-RU" sz="2800" b="0" strike="noStrike" spc="-1">
               <a:latin typeface="Arial"/>
             </a:endParaRPr>
           </a:p>
@@ -4124,22 +4775,25 @@
       </p:sp>
     </p:spTree>
   </p:cSld>
+  <p:clrMapOvr>
+    <a:masterClrMapping/>
+  </p:clrMapOvr>
   <p:timing>
     <p:tnLst>
       <p:par>
-        <p:cTn id="35" dur="indefinite" restart="never" nodeType="tmRoot">
+        <p:cTn id="1" dur="indefinite" restart="never" nodeType="tmRoot">
           <p:childTnLst>
             <p:seq>
-              <p:cTn id="36" dur="indefinite" nodeType="mainSeq"/>
+              <p:cTn id="2" dur="indefinite" nodeType="mainSeq"/>
               <p:prevCondLst>
-                <p:cond delay="0" evt="onPrev">
+                <p:cond evt="onPrev" delay="0">
                   <p:tgtEl>
                     <p:sldTgt/>
                   </p:tgtEl>
                 </p:cond>
               </p:prevCondLst>
               <p:nextCondLst>
-                <p:cond delay="0" evt="onNext">
+                <p:cond evt="onNext" delay="0">
                   <p:tgtEl>
                     <p:sldTgt/>
                   </p:tgtEl>
@@ -4155,7 +4809,7 @@
 </file>
 
 <file path=ppt/slides/slide19.xml><?xml version="1.0" encoding="utf-8"?>
-<p:sld xmlns:a="http://schemas.openxmlformats.org/drawingml/2006/main" xmlns:p="http://schemas.openxmlformats.org/presentationml/2006/main" xmlns:r="http://schemas.openxmlformats.org/officeDocument/2006/relationships" xmlns:p14="http://schemas.microsoft.com/office/powerpoint/2010/main" xmlns:p15="http://schemas.microsoft.com/office/powerpoint/2012/main" xmlns:mc="http://schemas.openxmlformats.org/markup-compatibility/2006">
+<p:sld xmlns:a="http://schemas.openxmlformats.org/drawingml/2006/main" xmlns:r="http://schemas.openxmlformats.org/officeDocument/2006/relationships" xmlns:p="http://schemas.openxmlformats.org/presentationml/2006/main">
   <p:cSld>
     <p:spTree>
       <p:nvGrpSpPr>
@@ -4180,7 +4834,7 @@
         <p:spPr>
           <a:xfrm>
             <a:off x="576000" y="1800000"/>
-            <a:ext cx="10797120" cy="1260720"/>
+            <a:ext cx="10796760" cy="1260360"/>
           </a:xfrm>
           <a:prstGeom prst="rect">
             <a:avLst/>
@@ -4191,13 +4845,20 @@
           </a:ln>
         </p:spPr>
         <p:style>
-          <a:lnRef idx="0"/>
-          <a:fillRef idx="0"/>
-          <a:effectRef idx="0"/>
+          <a:lnRef idx="0">
+            <a:scrgbClr r="0" g="0" b="0"/>
+          </a:lnRef>
+          <a:fillRef idx="0">
+            <a:scrgbClr r="0" g="0" b="0"/>
+          </a:fillRef>
+          <a:effectRef idx="0">
+            <a:scrgbClr r="0" g="0" b="0"/>
+          </a:effectRef>
           <a:fontRef idx="minor"/>
         </p:style>
         <p:txBody>
-          <a:bodyPr lIns="0" rIns="0" tIns="0" bIns="0" anchor="ctr"/>
+          <a:bodyPr lIns="0" tIns="0" rIns="0" bIns="0" anchor="ctr"/>
+          <a:lstStyle/>
           <a:p>
             <a:pPr algn="ctr">
               <a:lnSpc>
@@ -4205,7 +4866,7 @@
               </a:lnSpc>
             </a:pPr>
             <a:r>
-              <a:rPr b="0" lang="ru-RU" sz="4400" spc="-1" strike="noStrike">
+              <a:rPr lang="ru-RU" sz="4400" b="0" strike="noStrike" spc="-1">
                 <a:solidFill>
                   <a:srgbClr val="000000"/>
                 </a:solidFill>
@@ -4214,7 +4875,7 @@
               </a:rPr>
               <a:t>Спасибо за внимание!</a:t>
             </a:r>
-            <a:endParaRPr b="0" lang="ru-RU" sz="4400" spc="-1" strike="noStrike">
+            <a:endParaRPr lang="ru-RU" sz="4400" b="0" strike="noStrike" spc="-1">
               <a:latin typeface="Arial"/>
             </a:endParaRPr>
           </a:p>
@@ -4222,22 +4883,25 @@
       </p:sp>
     </p:spTree>
   </p:cSld>
+  <p:clrMapOvr>
+    <a:masterClrMapping/>
+  </p:clrMapOvr>
   <p:timing>
     <p:tnLst>
       <p:par>
-        <p:cTn id="37" dur="indefinite" restart="never" nodeType="tmRoot">
+        <p:cTn id="1" dur="indefinite" restart="never" nodeType="tmRoot">
           <p:childTnLst>
             <p:seq>
-              <p:cTn id="38" dur="indefinite" nodeType="mainSeq"/>
+              <p:cTn id="2" dur="indefinite" nodeType="mainSeq"/>
               <p:prevCondLst>
-                <p:cond delay="0" evt="onPrev">
+                <p:cond evt="onPrev" delay="0">
                   <p:tgtEl>
                     <p:sldTgt/>
                   </p:tgtEl>
                 </p:cond>
               </p:prevCondLst>
               <p:nextCondLst>
-                <p:cond delay="0" evt="onNext">
+                <p:cond evt="onNext" delay="0">
                   <p:tgtEl>
                     <p:sldTgt/>
                   </p:tgtEl>
@@ -4253,7 +4917,7 @@
 </file>
 
 <file path=ppt/slides/slide2.xml><?xml version="1.0" encoding="utf-8"?>
-<p:sld xmlns:a="http://schemas.openxmlformats.org/drawingml/2006/main" xmlns:p="http://schemas.openxmlformats.org/presentationml/2006/main" xmlns:r="http://schemas.openxmlformats.org/officeDocument/2006/relationships" xmlns:p14="http://schemas.microsoft.com/office/powerpoint/2010/main" xmlns:p15="http://schemas.microsoft.com/office/powerpoint/2012/main" xmlns:mc="http://schemas.openxmlformats.org/markup-compatibility/2006">
+<p:sld xmlns:a="http://schemas.openxmlformats.org/drawingml/2006/main" xmlns:r="http://schemas.openxmlformats.org/officeDocument/2006/relationships" xmlns:p="http://schemas.openxmlformats.org/presentationml/2006/main">
   <p:cSld>
     <p:spTree>
       <p:nvGrpSpPr>
@@ -4278,7 +4942,7 @@
         <p:spPr>
           <a:xfrm>
             <a:off x="504000" y="1762920"/>
-            <a:ext cx="10797120" cy="1260720"/>
+            <a:ext cx="10796760" cy="1260360"/>
           </a:xfrm>
           <a:prstGeom prst="rect">
             <a:avLst/>
@@ -4289,13 +4953,20 @@
           </a:ln>
         </p:spPr>
         <p:style>
-          <a:lnRef idx="0"/>
-          <a:fillRef idx="0"/>
-          <a:effectRef idx="0"/>
+          <a:lnRef idx="0">
+            <a:scrgbClr r="0" g="0" b="0"/>
+          </a:lnRef>
+          <a:fillRef idx="0">
+            <a:scrgbClr r="0" g="0" b="0"/>
+          </a:fillRef>
+          <a:effectRef idx="0">
+            <a:scrgbClr r="0" g="0" b="0"/>
+          </a:effectRef>
           <a:fontRef idx="minor"/>
         </p:style>
         <p:txBody>
-          <a:bodyPr lIns="0" rIns="0" tIns="0" bIns="0" anchor="ctr"/>
+          <a:bodyPr lIns="0" tIns="0" rIns="0" bIns="0" anchor="ctr"/>
+          <a:lstStyle/>
           <a:p>
             <a:pPr algn="ctr">
               <a:lnSpc>
@@ -4303,7 +4974,7 @@
               </a:lnSpc>
             </a:pPr>
             <a:r>
-              <a:rPr b="0" lang="ru-RU" sz="4400" spc="-1" strike="noStrike">
+              <a:rPr lang="ru-RU" sz="4400" b="0" strike="noStrike" spc="-1">
                 <a:solidFill>
                   <a:srgbClr val="000000"/>
                 </a:solidFill>
@@ -4312,7 +4983,7 @@
               </a:rPr>
               <a:t>Методологии</a:t>
             </a:r>
-            <a:endParaRPr b="0" lang="ru-RU" sz="4400" spc="-1" strike="noStrike">
+            <a:endParaRPr lang="ru-RU" sz="4400" b="0" strike="noStrike" spc="-1">
               <a:latin typeface="Arial"/>
             </a:endParaRPr>
           </a:p>
@@ -4327,7 +4998,7 @@
         <p:spPr>
           <a:xfrm>
             <a:off x="360000" y="5400000"/>
-            <a:ext cx="10797120" cy="1260720"/>
+            <a:ext cx="10796760" cy="1260360"/>
           </a:xfrm>
           <a:prstGeom prst="rect">
             <a:avLst/>
@@ -4338,16 +5009,23 @@
           </a:ln>
         </p:spPr>
         <p:style>
-          <a:lnRef idx="0"/>
-          <a:fillRef idx="0"/>
-          <a:effectRef idx="0"/>
+          <a:lnRef idx="0">
+            <a:scrgbClr r="0" g="0" b="0"/>
+          </a:lnRef>
+          <a:fillRef idx="0">
+            <a:scrgbClr r="0" g="0" b="0"/>
+          </a:fillRef>
+          <a:effectRef idx="0">
+            <a:scrgbClr r="0" g="0" b="0"/>
+          </a:effectRef>
           <a:fontRef idx="minor"/>
         </p:style>
         <p:txBody>
-          <a:bodyPr lIns="0" rIns="0" tIns="0" bIns="0" anchor="ctr"/>
-          <a:p>
-            <a:r>
-              <a:rPr b="0" lang="ru-RU" sz="2800" spc="-1" strike="noStrike">
+          <a:bodyPr lIns="0" tIns="0" rIns="0" bIns="0" anchor="ctr"/>
+          <a:lstStyle/>
+          <a:p>
+            <a:r>
+              <a:rPr lang="ru-RU" sz="2800" b="0" strike="noStrike" spc="-1">
                 <a:solidFill>
                   <a:srgbClr val="000000"/>
                 </a:solidFill>
@@ -4356,7 +5034,7 @@
               </a:rPr>
               <a:t>Основы разработки корпоративных систем на платформе .NET</a:t>
             </a:r>
-            <a:endParaRPr b="0" lang="ru-RU" sz="2800" spc="-1" strike="noStrike">
+            <a:endParaRPr lang="ru-RU" sz="2800" b="0" strike="noStrike" spc="-1">
               <a:latin typeface="Arial"/>
             </a:endParaRPr>
           </a:p>
@@ -4364,22 +5042,25 @@
       </p:sp>
     </p:spTree>
   </p:cSld>
+  <p:clrMapOvr>
+    <a:masterClrMapping/>
+  </p:clrMapOvr>
   <p:timing>
     <p:tnLst>
       <p:par>
-        <p:cTn id="3" dur="indefinite" restart="never" nodeType="tmRoot">
+        <p:cTn id="1" dur="indefinite" restart="never" nodeType="tmRoot">
           <p:childTnLst>
             <p:seq>
-              <p:cTn id="4" dur="indefinite" nodeType="mainSeq"/>
+              <p:cTn id="2" dur="indefinite" nodeType="mainSeq"/>
               <p:prevCondLst>
-                <p:cond delay="0" evt="onPrev">
+                <p:cond evt="onPrev" delay="0">
                   <p:tgtEl>
                     <p:sldTgt/>
                   </p:tgtEl>
                 </p:cond>
               </p:prevCondLst>
               <p:nextCondLst>
-                <p:cond delay="0" evt="onNext">
+                <p:cond evt="onNext" delay="0">
                   <p:tgtEl>
                     <p:sldTgt/>
                   </p:tgtEl>
@@ -4395,7 +5076,7 @@
 </file>
 
 <file path=ppt/slides/slide3.xml><?xml version="1.0" encoding="utf-8"?>
-<p:sld xmlns:a="http://schemas.openxmlformats.org/drawingml/2006/main" xmlns:p="http://schemas.openxmlformats.org/presentationml/2006/main" xmlns:r="http://schemas.openxmlformats.org/officeDocument/2006/relationships" xmlns:p14="http://schemas.microsoft.com/office/powerpoint/2010/main" xmlns:p15="http://schemas.microsoft.com/office/powerpoint/2012/main" xmlns:mc="http://schemas.openxmlformats.org/markup-compatibility/2006">
+<p:sld xmlns:a="http://schemas.openxmlformats.org/drawingml/2006/main" xmlns:r="http://schemas.openxmlformats.org/officeDocument/2006/relationships" xmlns:p="http://schemas.openxmlformats.org/presentationml/2006/main">
   <p:cSld>
     <p:spTree>
       <p:nvGrpSpPr>
@@ -4420,7 +5101,7 @@
         <p:spPr>
           <a:xfrm>
             <a:off x="578160" y="34560"/>
-            <a:ext cx="10797120" cy="1260720"/>
+            <a:ext cx="10796760" cy="1260360"/>
           </a:xfrm>
           <a:prstGeom prst="rect">
             <a:avLst/>
@@ -4431,13 +5112,20 @@
           </a:ln>
         </p:spPr>
         <p:style>
-          <a:lnRef idx="0"/>
-          <a:fillRef idx="0"/>
-          <a:effectRef idx="0"/>
+          <a:lnRef idx="0">
+            <a:scrgbClr r="0" g="0" b="0"/>
+          </a:lnRef>
+          <a:fillRef idx="0">
+            <a:scrgbClr r="0" g="0" b="0"/>
+          </a:fillRef>
+          <a:effectRef idx="0">
+            <a:scrgbClr r="0" g="0" b="0"/>
+          </a:effectRef>
           <a:fontRef idx="minor"/>
         </p:style>
         <p:txBody>
-          <a:bodyPr lIns="0" rIns="0" tIns="0" bIns="0" anchor="ctr"/>
+          <a:bodyPr lIns="0" tIns="0" rIns="0" bIns="0" anchor="ctr"/>
+          <a:lstStyle/>
           <a:p>
             <a:pPr algn="ctr">
               <a:lnSpc>
@@ -4445,7 +5133,7 @@
               </a:lnSpc>
             </a:pPr>
             <a:r>
-              <a:rPr b="0" lang="ru-RU" sz="4400" spc="-1" strike="noStrike">
+              <a:rPr lang="ru-RU" sz="4400" b="0" strike="noStrike" spc="-1">
                 <a:solidFill>
                   <a:srgbClr val="000000"/>
                 </a:solidFill>
@@ -4454,7 +5142,7 @@
               </a:rPr>
               <a:t>Методологии разработки ПО</a:t>
             </a:r>
-            <a:endParaRPr b="0" lang="ru-RU" sz="4400" spc="-1" strike="noStrike">
+            <a:endParaRPr lang="ru-RU" sz="4400" b="0" strike="noStrike" spc="-1">
               <a:latin typeface="Arial"/>
             </a:endParaRPr>
           </a:p>
@@ -4469,7 +5157,7 @@
         <p:spPr>
           <a:xfrm>
             <a:off x="521280" y="921600"/>
-            <a:ext cx="6800400" cy="4123440"/>
+            <a:ext cx="6800040" cy="4123080"/>
           </a:xfrm>
           <a:prstGeom prst="rect">
             <a:avLst/>
@@ -4480,15 +5168,22 @@
           </a:ln>
         </p:spPr>
         <p:style>
-          <a:lnRef idx="0"/>
-          <a:fillRef idx="0"/>
-          <a:effectRef idx="0"/>
+          <a:lnRef idx="0">
+            <a:scrgbClr r="0" g="0" b="0"/>
+          </a:lnRef>
+          <a:fillRef idx="0">
+            <a:scrgbClr r="0" g="0" b="0"/>
+          </a:fillRef>
+          <a:effectRef idx="0">
+            <a:scrgbClr r="0" g="0" b="0"/>
+          </a:effectRef>
           <a:fontRef idx="minor"/>
         </p:style>
         <p:txBody>
-          <a:bodyPr lIns="90000" rIns="90000" tIns="45000" bIns="45000"/>
-          <a:p>
-            <a:pPr marL="216000" indent="-215280">
+          <a:bodyPr lIns="90000" tIns="45000" rIns="90000" bIns="45000"/>
+          <a:lstStyle/>
+          <a:p>
+            <a:pPr marL="216000" indent="-214920">
               <a:lnSpc>
                 <a:spcPct val="150000"/>
               </a:lnSpc>
@@ -4506,7 +5201,7 @@
               <a:buChar char=""/>
             </a:pPr>
             <a:r>
-              <a:rPr b="0" lang="ru-RU" sz="1500" spc="-1" strike="noStrike">
+              <a:rPr lang="ru-RU" sz="1500" b="0" strike="noStrike" spc="-1">
                 <a:solidFill>
                   <a:srgbClr val="000000"/>
                 </a:solidFill>
@@ -4515,12 +5210,12 @@
               </a:rPr>
               <a:t>Waterfall – долго всё анализируем, долго всё планируем, долго всё пишем, долго всё тестируем… Смотрим, что получилось.</a:t>
             </a:r>
-            <a:endParaRPr b="0" lang="ru-RU" sz="1500" spc="-1" strike="noStrike">
-              <a:latin typeface="Arial"/>
-            </a:endParaRPr>
-          </a:p>
-          <a:p>
-            <a:pPr marL="216000" indent="-215280">
+            <a:endParaRPr lang="ru-RU" sz="1500" b="0" strike="noStrike" spc="-1">
+              <a:latin typeface="Arial"/>
+            </a:endParaRPr>
+          </a:p>
+          <a:p>
+            <a:pPr marL="216000" indent="-214920">
               <a:lnSpc>
                 <a:spcPct val="150000"/>
               </a:lnSpc>
@@ -4538,7 +5233,7 @@
               <a:buChar char=""/>
             </a:pPr>
             <a:r>
-              <a:rPr b="0" lang="ru-RU" sz="1500" spc="-1" strike="noStrike">
+              <a:rPr lang="ru-RU" sz="1500" b="0" strike="noStrike" spc="-1">
                 <a:solidFill>
                   <a:srgbClr val="000000"/>
                 </a:solidFill>
@@ -4547,12 +5242,12 @@
               </a:rPr>
               <a:t>Scrum – анализируем маленький кусок, планируем его, пишем, тестируем, показываем. Не понравилось – выбрасываем. Повторяем для следующего куска.</a:t>
             </a:r>
-            <a:endParaRPr b="0" lang="ru-RU" sz="1500" spc="-1" strike="noStrike">
-              <a:latin typeface="Arial"/>
-            </a:endParaRPr>
-          </a:p>
-          <a:p>
-            <a:pPr marL="216000" indent="-215280">
+            <a:endParaRPr lang="ru-RU" sz="1500" b="0" strike="noStrike" spc="-1">
+              <a:latin typeface="Arial"/>
+            </a:endParaRPr>
+          </a:p>
+          <a:p>
+            <a:pPr marL="216000" indent="-214920">
               <a:lnSpc>
                 <a:spcPct val="150000"/>
               </a:lnSpc>
@@ -4570,7 +5265,7 @@
               <a:buChar char=""/>
             </a:pPr>
             <a:r>
-              <a:rPr b="0" lang="ru-RU" sz="1500" spc="-1" strike="noStrike">
+              <a:rPr lang="ru-RU" sz="1500" b="0" strike="noStrike" spc="-1">
                 <a:solidFill>
                   <a:srgbClr val="000000"/>
                 </a:solidFill>
@@ -4579,12 +5274,12 @@
               </a:rPr>
               <a:t>Kanban – добавим доску, ограничение на количество задач и попробуем равномерно всех занимать.</a:t>
             </a:r>
-            <a:endParaRPr b="0" lang="ru-RU" sz="1500" spc="-1" strike="noStrike">
-              <a:latin typeface="Arial"/>
-            </a:endParaRPr>
-          </a:p>
-          <a:p>
-            <a:pPr marL="216000" indent="-215280">
+            <a:endParaRPr lang="ru-RU" sz="1500" b="0" strike="noStrike" spc="-1">
+              <a:latin typeface="Arial"/>
+            </a:endParaRPr>
+          </a:p>
+          <a:p>
+            <a:pPr marL="216000" indent="-214920">
               <a:lnSpc>
                 <a:spcPct val="150000"/>
               </a:lnSpc>
@@ -4602,7 +5297,7 @@
               <a:buChar char=""/>
             </a:pPr>
             <a:r>
-              <a:rPr b="0" lang="ru-RU" sz="1500" spc="-1" strike="noStrike">
+              <a:rPr lang="ru-RU" sz="1500" b="0" strike="noStrike" spc="-1">
                 <a:solidFill>
                   <a:srgbClr val="000000"/>
                 </a:solidFill>
@@ -4611,12 +5306,12 @@
               </a:rPr>
               <a:t>Другие Agile-методологии (Lean, XP, FDD, ...)</a:t>
             </a:r>
-            <a:endParaRPr b="0" lang="ru-RU" sz="1500" spc="-1" strike="noStrike">
-              <a:latin typeface="Arial"/>
-            </a:endParaRPr>
-          </a:p>
-          <a:p>
-            <a:pPr marL="216000" indent="-215280">
+            <a:endParaRPr lang="ru-RU" sz="1500" b="0" strike="noStrike" spc="-1">
+              <a:latin typeface="Arial"/>
+            </a:endParaRPr>
+          </a:p>
+          <a:p>
+            <a:pPr marL="216000" indent="-214920">
               <a:lnSpc>
                 <a:spcPct val="150000"/>
               </a:lnSpc>
@@ -4634,7 +5329,7 @@
               <a:buChar char=""/>
             </a:pPr>
             <a:r>
-              <a:rPr b="0" lang="ru-RU" sz="1500" spc="-1" strike="noStrike">
+              <a:rPr lang="ru-RU" sz="1500" b="0" strike="noStrike" spc="-1">
                 <a:solidFill>
                   <a:srgbClr val="000000"/>
                 </a:solidFill>
@@ -4643,7 +5338,7 @@
               </a:rPr>
               <a:t>Еще есть Microsoft Solutions Framework, Rational Unified Process и другие менее используемые и менее модные методологии.</a:t>
             </a:r>
-            <a:endParaRPr b="0" lang="ru-RU" sz="1500" spc="-1" strike="noStrike">
+            <a:endParaRPr lang="ru-RU" sz="1500" b="0" strike="noStrike" spc="-1">
               <a:latin typeface="Arial"/>
             </a:endParaRPr>
           </a:p>
@@ -4658,7 +5353,7 @@
         <p:spPr>
           <a:xfrm>
             <a:off x="360000" y="5400000"/>
-            <a:ext cx="10797120" cy="1260720"/>
+            <a:ext cx="10796760" cy="1260360"/>
           </a:xfrm>
           <a:prstGeom prst="rect">
             <a:avLst/>
@@ -4669,16 +5364,23 @@
           </a:ln>
         </p:spPr>
         <p:style>
-          <a:lnRef idx="0"/>
-          <a:fillRef idx="0"/>
-          <a:effectRef idx="0"/>
+          <a:lnRef idx="0">
+            <a:scrgbClr r="0" g="0" b="0"/>
+          </a:lnRef>
+          <a:fillRef idx="0">
+            <a:scrgbClr r="0" g="0" b="0"/>
+          </a:fillRef>
+          <a:effectRef idx="0">
+            <a:scrgbClr r="0" g="0" b="0"/>
+          </a:effectRef>
           <a:fontRef idx="minor"/>
         </p:style>
         <p:txBody>
-          <a:bodyPr lIns="0" rIns="0" tIns="0" bIns="0" anchor="ctr"/>
-          <a:p>
-            <a:r>
-              <a:rPr b="0" lang="ru-RU" sz="2800" spc="-1" strike="noStrike">
+          <a:bodyPr lIns="0" tIns="0" rIns="0" bIns="0" anchor="ctr"/>
+          <a:lstStyle/>
+          <a:p>
+            <a:r>
+              <a:rPr lang="ru-RU" sz="2800" b="0" strike="noStrike" spc="-1">
                 <a:solidFill>
                   <a:srgbClr val="000000"/>
                 </a:solidFill>
@@ -4687,7 +5389,7 @@
               </a:rPr>
               <a:t>Основы разработки корпоративных систем на платформе .NET</a:t>
             </a:r>
-            <a:endParaRPr b="0" lang="ru-RU" sz="2800" spc="-1" strike="noStrike">
+            <a:endParaRPr lang="ru-RU" sz="2800" b="0" strike="noStrike" spc="-1">
               <a:latin typeface="Arial"/>
             </a:endParaRPr>
           </a:p>
@@ -4695,22 +5397,25 @@
       </p:sp>
     </p:spTree>
   </p:cSld>
+  <p:clrMapOvr>
+    <a:masterClrMapping/>
+  </p:clrMapOvr>
   <p:timing>
     <p:tnLst>
       <p:par>
-        <p:cTn id="5" dur="indefinite" restart="never" nodeType="tmRoot">
+        <p:cTn id="1" dur="indefinite" restart="never" nodeType="tmRoot">
           <p:childTnLst>
             <p:seq>
-              <p:cTn id="6" dur="indefinite" nodeType="mainSeq"/>
+              <p:cTn id="2" dur="indefinite" nodeType="mainSeq"/>
               <p:prevCondLst>
-                <p:cond delay="0" evt="onPrev">
+                <p:cond evt="onPrev" delay="0">
                   <p:tgtEl>
                     <p:sldTgt/>
                   </p:tgtEl>
                 </p:cond>
               </p:prevCondLst>
               <p:nextCondLst>
-                <p:cond delay="0" evt="onNext">
+                <p:cond evt="onNext" delay="0">
                   <p:tgtEl>
                     <p:sldTgt/>
                   </p:tgtEl>
@@ -4726,7 +5431,7 @@
 </file>
 
 <file path=ppt/slides/slide4.xml><?xml version="1.0" encoding="utf-8"?>
-<p:sld xmlns:a="http://schemas.openxmlformats.org/drawingml/2006/main" xmlns:p="http://schemas.openxmlformats.org/presentationml/2006/main" xmlns:r="http://schemas.openxmlformats.org/officeDocument/2006/relationships" xmlns:p14="http://schemas.microsoft.com/office/powerpoint/2010/main" xmlns:p15="http://schemas.microsoft.com/office/powerpoint/2012/main" xmlns:mc="http://schemas.openxmlformats.org/markup-compatibility/2006">
+<p:sld xmlns:a="http://schemas.openxmlformats.org/drawingml/2006/main" xmlns:r="http://schemas.openxmlformats.org/officeDocument/2006/relationships" xmlns:p="http://schemas.openxmlformats.org/presentationml/2006/main">
   <p:cSld>
     <p:spTree>
       <p:nvGrpSpPr>
@@ -4751,7 +5456,7 @@
         <p:spPr>
           <a:xfrm>
             <a:off x="578160" y="34560"/>
-            <a:ext cx="10797120" cy="1260720"/>
+            <a:ext cx="10796760" cy="1260360"/>
           </a:xfrm>
           <a:prstGeom prst="rect">
             <a:avLst/>
@@ -4762,13 +5467,20 @@
           </a:ln>
         </p:spPr>
         <p:style>
-          <a:lnRef idx="0"/>
-          <a:fillRef idx="0"/>
-          <a:effectRef idx="0"/>
+          <a:lnRef idx="0">
+            <a:scrgbClr r="0" g="0" b="0"/>
+          </a:lnRef>
+          <a:fillRef idx="0">
+            <a:scrgbClr r="0" g="0" b="0"/>
+          </a:fillRef>
+          <a:effectRef idx="0">
+            <a:scrgbClr r="0" g="0" b="0"/>
+          </a:effectRef>
           <a:fontRef idx="minor"/>
         </p:style>
         <p:txBody>
-          <a:bodyPr lIns="0" rIns="0" tIns="0" bIns="0" anchor="ctr"/>
+          <a:bodyPr lIns="0" tIns="0" rIns="0" bIns="0" anchor="ctr"/>
+          <a:lstStyle/>
           <a:p>
             <a:pPr algn="ctr">
               <a:lnSpc>
@@ -4776,7 +5488,7 @@
               </a:lnSpc>
             </a:pPr>
             <a:r>
-              <a:rPr b="0" lang="ru-RU" sz="4400" spc="-1" strike="noStrike">
+              <a:rPr lang="ru-RU" sz="4400" b="0" strike="noStrike" spc="-1">
                 <a:solidFill>
                   <a:srgbClr val="000000"/>
                 </a:solidFill>
@@ -4785,7 +5497,7 @@
               </a:rPr>
               <a:t>Waterfall</a:t>
             </a:r>
-            <a:endParaRPr b="0" lang="ru-RU" sz="4400" spc="-1" strike="noStrike">
+            <a:endParaRPr lang="ru-RU" sz="4400" b="0" strike="noStrike" spc="-1">
               <a:latin typeface="Arial"/>
             </a:endParaRPr>
           </a:p>
@@ -4800,7 +5512,7 @@
         <p:spPr>
           <a:xfrm>
             <a:off x="360000" y="5400000"/>
-            <a:ext cx="10797120" cy="1260720"/>
+            <a:ext cx="10796760" cy="1260360"/>
           </a:xfrm>
           <a:prstGeom prst="rect">
             <a:avLst/>
@@ -4811,16 +5523,23 @@
           </a:ln>
         </p:spPr>
         <p:style>
-          <a:lnRef idx="0"/>
-          <a:fillRef idx="0"/>
-          <a:effectRef idx="0"/>
+          <a:lnRef idx="0">
+            <a:scrgbClr r="0" g="0" b="0"/>
+          </a:lnRef>
+          <a:fillRef idx="0">
+            <a:scrgbClr r="0" g="0" b="0"/>
+          </a:fillRef>
+          <a:effectRef idx="0">
+            <a:scrgbClr r="0" g="0" b="0"/>
+          </a:effectRef>
           <a:fontRef idx="minor"/>
         </p:style>
         <p:txBody>
-          <a:bodyPr lIns="0" rIns="0" tIns="0" bIns="0" anchor="ctr"/>
-          <a:p>
-            <a:r>
-              <a:rPr b="0" lang="ru-RU" sz="2800" spc="-1" strike="noStrike">
+          <a:bodyPr lIns="0" tIns="0" rIns="0" bIns="0" anchor="ctr"/>
+          <a:lstStyle/>
+          <a:p>
+            <a:r>
+              <a:rPr lang="ru-RU" sz="2800" b="0" strike="noStrike" spc="-1">
                 <a:solidFill>
                   <a:srgbClr val="000000"/>
                 </a:solidFill>
@@ -4829,7 +5548,7 @@
               </a:rPr>
               <a:t>Основы разработки корпоративных систем на платформе .NET</a:t>
             </a:r>
-            <a:endParaRPr b="0" lang="ru-RU" sz="2800" spc="-1" strike="noStrike">
+            <a:endParaRPr lang="ru-RU" sz="2800" b="0" strike="noStrike" spc="-1">
               <a:latin typeface="Arial"/>
             </a:endParaRPr>
           </a:p>
@@ -4837,18 +5556,18 @@
       </p:sp>
       <p:pic>
         <p:nvPicPr>
-          <p:cNvPr id="47" name="Picture 6" descr=""/>
+          <p:cNvPr id="47" name="Picture 6"/>
           <p:cNvPicPr/>
           <p:nvPr/>
         </p:nvPicPr>
         <p:blipFill>
-          <a:blip r:embed="rId1"/>
+          <a:blip r:embed="rId2"/>
           <a:stretch/>
         </p:blipFill>
         <p:spPr>
           <a:xfrm>
             <a:off x="1872000" y="1008360"/>
-            <a:ext cx="8063640" cy="3692160"/>
+            <a:ext cx="8063280" cy="3691800"/>
           </a:xfrm>
           <a:prstGeom prst="rect">
             <a:avLst/>
@@ -4867,7 +5586,7 @@
         <p:spPr>
           <a:xfrm>
             <a:off x="1855080" y="4653720"/>
-            <a:ext cx="8296560" cy="417240"/>
+            <a:ext cx="8296200" cy="416880"/>
           </a:xfrm>
           <a:prstGeom prst="rect">
             <a:avLst/>
@@ -4878,15 +5597,22 @@
           </a:ln>
         </p:spPr>
         <p:style>
-          <a:lnRef idx="0"/>
-          <a:fillRef idx="0"/>
-          <a:effectRef idx="0"/>
+          <a:lnRef idx="0">
+            <a:scrgbClr r="0" g="0" b="0"/>
+          </a:lnRef>
+          <a:fillRef idx="0">
+            <a:scrgbClr r="0" g="0" b="0"/>
+          </a:fillRef>
+          <a:effectRef idx="0">
+            <a:scrgbClr r="0" g="0" b="0"/>
+          </a:effectRef>
           <a:fontRef idx="minor"/>
         </p:style>
         <p:txBody>
-          <a:bodyPr lIns="68760" rIns="68760" tIns="34200" bIns="34200">
+          <a:bodyPr lIns="68760" tIns="34200" rIns="68760" bIns="34200">
             <a:normAutofit/>
           </a:bodyPr>
+          <a:lstStyle/>
           <a:p>
             <a:pPr>
               <a:lnSpc>
@@ -4900,15 +5626,16 @@
               </a:spcAft>
             </a:pPr>
             <a:r>
-              <a:rPr b="0" lang="ru-RU" sz="1400" spc="-1" strike="noStrike">
+              <a:rPr lang="ru-RU" sz="1400" b="0" strike="noStrike" spc="-1">
                 <a:solidFill>
                   <a:srgbClr val="000000"/>
                 </a:solidFill>
                 <a:latin typeface="Open Sans"/>
+                <a:ea typeface="DejaVu Sans"/>
               </a:rPr>
               <a:t>https://www.asahitechnologies.com/blog/why-agile-is-the-best-alternate-methodology-to-waterfall</a:t>
             </a:r>
-            <a:endParaRPr b="0" lang="ru-RU" sz="1400" spc="-1" strike="noStrike">
+            <a:endParaRPr lang="ru-RU" sz="1400" b="0" strike="noStrike" spc="-1">
               <a:latin typeface="Arial"/>
             </a:endParaRPr>
           </a:p>
@@ -4916,22 +5643,25 @@
       </p:sp>
     </p:spTree>
   </p:cSld>
+  <p:clrMapOvr>
+    <a:masterClrMapping/>
+  </p:clrMapOvr>
   <p:timing>
     <p:tnLst>
       <p:par>
-        <p:cTn id="7" dur="indefinite" restart="never" nodeType="tmRoot">
+        <p:cTn id="1" dur="indefinite" restart="never" nodeType="tmRoot">
           <p:childTnLst>
             <p:seq>
-              <p:cTn id="8" dur="indefinite" nodeType="mainSeq"/>
+              <p:cTn id="2" dur="indefinite" nodeType="mainSeq"/>
               <p:prevCondLst>
-                <p:cond delay="0" evt="onPrev">
+                <p:cond evt="onPrev" delay="0">
                   <p:tgtEl>
                     <p:sldTgt/>
                   </p:tgtEl>
                 </p:cond>
               </p:prevCondLst>
               <p:nextCondLst>
-                <p:cond delay="0" evt="onNext">
+                <p:cond evt="onNext" delay="0">
                   <p:tgtEl>
                     <p:sldTgt/>
                   </p:tgtEl>
@@ -4947,7 +5677,7 @@
 </file>
 
 <file path=ppt/slides/slide5.xml><?xml version="1.0" encoding="utf-8"?>
-<p:sld xmlns:a="http://schemas.openxmlformats.org/drawingml/2006/main" xmlns:p="http://schemas.openxmlformats.org/presentationml/2006/main" xmlns:r="http://schemas.openxmlformats.org/officeDocument/2006/relationships" xmlns:p14="http://schemas.microsoft.com/office/powerpoint/2010/main" xmlns:p15="http://schemas.microsoft.com/office/powerpoint/2012/main" xmlns:mc="http://schemas.openxmlformats.org/markup-compatibility/2006">
+<p:sld xmlns:a="http://schemas.openxmlformats.org/drawingml/2006/main" xmlns:r="http://schemas.openxmlformats.org/officeDocument/2006/relationships" xmlns:p="http://schemas.openxmlformats.org/presentationml/2006/main">
   <p:cSld>
     <p:spTree>
       <p:nvGrpSpPr>
@@ -4972,7 +5702,7 @@
         <p:spPr>
           <a:xfrm>
             <a:off x="578160" y="34560"/>
-            <a:ext cx="10797120" cy="1260720"/>
+            <a:ext cx="10796760" cy="1260360"/>
           </a:xfrm>
           <a:prstGeom prst="rect">
             <a:avLst/>
@@ -4983,13 +5713,20 @@
           </a:ln>
         </p:spPr>
         <p:style>
-          <a:lnRef idx="0"/>
-          <a:fillRef idx="0"/>
-          <a:effectRef idx="0"/>
+          <a:lnRef idx="0">
+            <a:scrgbClr r="0" g="0" b="0"/>
+          </a:lnRef>
+          <a:fillRef idx="0">
+            <a:scrgbClr r="0" g="0" b="0"/>
+          </a:fillRef>
+          <a:effectRef idx="0">
+            <a:scrgbClr r="0" g="0" b="0"/>
+          </a:effectRef>
           <a:fontRef idx="minor"/>
         </p:style>
         <p:txBody>
-          <a:bodyPr lIns="0" rIns="0" tIns="0" bIns="0" anchor="ctr"/>
+          <a:bodyPr lIns="0" tIns="0" rIns="0" bIns="0" anchor="ctr"/>
+          <a:lstStyle/>
           <a:p>
             <a:pPr algn="ctr">
               <a:lnSpc>
@@ -4997,7 +5734,7 @@
               </a:lnSpc>
             </a:pPr>
             <a:r>
-              <a:rPr b="0" lang="ru-RU" sz="4400" spc="-1" strike="noStrike">
+              <a:rPr lang="ru-RU" sz="4400" b="0" strike="noStrike" spc="-1">
                 <a:solidFill>
                   <a:srgbClr val="000000"/>
                 </a:solidFill>
@@ -5006,7 +5743,7 @@
               </a:rPr>
               <a:t>Agile Manifesto</a:t>
             </a:r>
-            <a:endParaRPr b="0" lang="ru-RU" sz="4400" spc="-1" strike="noStrike">
+            <a:endParaRPr lang="ru-RU" sz="4400" b="0" strike="noStrike" spc="-1">
               <a:latin typeface="Arial"/>
             </a:endParaRPr>
           </a:p>
@@ -5021,7 +5758,7 @@
         <p:spPr>
           <a:xfrm>
             <a:off x="521280" y="921600"/>
-            <a:ext cx="6800400" cy="4123440"/>
+            <a:ext cx="6800040" cy="4123080"/>
           </a:xfrm>
           <a:prstGeom prst="rect">
             <a:avLst/>
@@ -5032,15 +5769,22 @@
           </a:ln>
         </p:spPr>
         <p:style>
-          <a:lnRef idx="0"/>
-          <a:fillRef idx="0"/>
-          <a:effectRef idx="0"/>
+          <a:lnRef idx="0">
+            <a:scrgbClr r="0" g="0" b="0"/>
+          </a:lnRef>
+          <a:fillRef idx="0">
+            <a:scrgbClr r="0" g="0" b="0"/>
+          </a:fillRef>
+          <a:effectRef idx="0">
+            <a:scrgbClr r="0" g="0" b="0"/>
+          </a:effectRef>
           <a:fontRef idx="minor"/>
         </p:style>
         <p:txBody>
-          <a:bodyPr lIns="90000" rIns="90000" tIns="45000" bIns="45000"/>
-          <a:p>
-            <a:pPr marL="216000" indent="-215280">
+          <a:bodyPr lIns="90000" tIns="45000" rIns="90000" bIns="45000"/>
+          <a:lstStyle/>
+          <a:p>
+            <a:pPr marL="216000" indent="-214920">
               <a:lnSpc>
                 <a:spcPct val="150000"/>
               </a:lnSpc>
@@ -5058,7 +5802,7 @@
               <a:buChar char=""/>
             </a:pPr>
             <a:r>
-              <a:rPr b="0" lang="ru-RU" sz="1500" spc="-1" strike="noStrike">
+              <a:rPr lang="ru-RU" sz="1500" b="0" strike="noStrike" spc="-1">
                 <a:solidFill>
                   <a:srgbClr val="000000"/>
                 </a:solidFill>
@@ -5067,12 +5811,12 @@
               </a:rPr>
               <a:t>Люди и взаимодействие важнее процессов и инструментов.</a:t>
             </a:r>
-            <a:endParaRPr b="0" lang="ru-RU" sz="1500" spc="-1" strike="noStrike">
-              <a:latin typeface="Arial"/>
-            </a:endParaRPr>
-          </a:p>
-          <a:p>
-            <a:pPr marL="216000" indent="-215280">
+            <a:endParaRPr lang="ru-RU" sz="1500" b="0" strike="noStrike" spc="-1">
+              <a:latin typeface="Arial"/>
+            </a:endParaRPr>
+          </a:p>
+          <a:p>
+            <a:pPr marL="216000" indent="-214920">
               <a:lnSpc>
                 <a:spcPct val="150000"/>
               </a:lnSpc>
@@ -5090,7 +5834,7 @@
               <a:buChar char=""/>
             </a:pPr>
             <a:r>
-              <a:rPr b="0" lang="ru-RU" sz="1500" spc="-1" strike="noStrike">
+              <a:rPr lang="ru-RU" sz="1500" b="0" strike="noStrike" spc="-1">
                 <a:solidFill>
                   <a:srgbClr val="000000"/>
                 </a:solidFill>
@@ -5099,12 +5843,12 @@
               </a:rPr>
               <a:t>Работающий продукт важнее исчерпывающей документации.</a:t>
             </a:r>
-            <a:endParaRPr b="0" lang="ru-RU" sz="1500" spc="-1" strike="noStrike">
-              <a:latin typeface="Arial"/>
-            </a:endParaRPr>
-          </a:p>
-          <a:p>
-            <a:pPr marL="216000" indent="-215280">
+            <a:endParaRPr lang="ru-RU" sz="1500" b="0" strike="noStrike" spc="-1">
+              <a:latin typeface="Arial"/>
+            </a:endParaRPr>
+          </a:p>
+          <a:p>
+            <a:pPr marL="216000" indent="-214920">
               <a:lnSpc>
                 <a:spcPct val="150000"/>
               </a:lnSpc>
@@ -5122,7 +5866,7 @@
               <a:buChar char=""/>
             </a:pPr>
             <a:r>
-              <a:rPr b="0" lang="ru-RU" sz="1500" spc="-1" strike="noStrike">
+              <a:rPr lang="ru-RU" sz="1500" b="0" strike="noStrike" spc="-1">
                 <a:solidFill>
                   <a:srgbClr val="000000"/>
                 </a:solidFill>
@@ -5131,12 +5875,12 @@
               </a:rPr>
               <a:t>Сотрудничество с заказчиком важнее согласования условий контракта.</a:t>
             </a:r>
-            <a:endParaRPr b="0" lang="ru-RU" sz="1500" spc="-1" strike="noStrike">
-              <a:latin typeface="Arial"/>
-            </a:endParaRPr>
-          </a:p>
-          <a:p>
-            <a:pPr marL="216000" indent="-215280">
+            <a:endParaRPr lang="ru-RU" sz="1500" b="0" strike="noStrike" spc="-1">
+              <a:latin typeface="Arial"/>
+            </a:endParaRPr>
+          </a:p>
+          <a:p>
+            <a:pPr marL="216000" indent="-214920">
               <a:lnSpc>
                 <a:spcPct val="150000"/>
               </a:lnSpc>
@@ -5154,7 +5898,7 @@
               <a:buChar char=""/>
             </a:pPr>
             <a:r>
-              <a:rPr b="0" lang="ru-RU" sz="1500" spc="-1" strike="noStrike">
+              <a:rPr lang="ru-RU" sz="1500" b="0" strike="noStrike" spc="-1">
                 <a:solidFill>
                   <a:srgbClr val="000000"/>
                 </a:solidFill>
@@ -5163,7 +5907,7 @@
               </a:rPr>
               <a:t>Готовность к изменениям важнее следования первоначальному плану.</a:t>
             </a:r>
-            <a:endParaRPr b="0" lang="ru-RU" sz="1500" spc="-1" strike="noStrike">
+            <a:endParaRPr lang="ru-RU" sz="1500" b="0" strike="noStrike" spc="-1">
               <a:latin typeface="Arial"/>
             </a:endParaRPr>
           </a:p>
@@ -5178,7 +5922,7 @@
         <p:spPr>
           <a:xfrm>
             <a:off x="360000" y="5400000"/>
-            <a:ext cx="10797120" cy="1260720"/>
+            <a:ext cx="10796760" cy="1260360"/>
           </a:xfrm>
           <a:prstGeom prst="rect">
             <a:avLst/>
@@ -5189,16 +5933,23 @@
           </a:ln>
         </p:spPr>
         <p:style>
-          <a:lnRef idx="0"/>
-          <a:fillRef idx="0"/>
-          <a:effectRef idx="0"/>
+          <a:lnRef idx="0">
+            <a:scrgbClr r="0" g="0" b="0"/>
+          </a:lnRef>
+          <a:fillRef idx="0">
+            <a:scrgbClr r="0" g="0" b="0"/>
+          </a:fillRef>
+          <a:effectRef idx="0">
+            <a:scrgbClr r="0" g="0" b="0"/>
+          </a:effectRef>
           <a:fontRef idx="minor"/>
         </p:style>
         <p:txBody>
-          <a:bodyPr lIns="0" rIns="0" tIns="0" bIns="0" anchor="ctr"/>
-          <a:p>
-            <a:r>
-              <a:rPr b="0" lang="ru-RU" sz="2800" spc="-1" strike="noStrike">
+          <a:bodyPr lIns="0" tIns="0" rIns="0" bIns="0" anchor="ctr"/>
+          <a:lstStyle/>
+          <a:p>
+            <a:r>
+              <a:rPr lang="ru-RU" sz="2800" b="0" strike="noStrike" spc="-1">
                 <a:solidFill>
                   <a:srgbClr val="000000"/>
                 </a:solidFill>
@@ -5207,7 +5958,7 @@
               </a:rPr>
               <a:t>Основы разработки корпоративных систем на платформе .NET</a:t>
             </a:r>
-            <a:endParaRPr b="0" lang="ru-RU" sz="2800" spc="-1" strike="noStrike">
+            <a:endParaRPr lang="ru-RU" sz="2800" b="0" strike="noStrike" spc="-1">
               <a:latin typeface="Arial"/>
             </a:endParaRPr>
           </a:p>
@@ -5215,22 +5966,25 @@
       </p:sp>
     </p:spTree>
   </p:cSld>
+  <p:clrMapOvr>
+    <a:masterClrMapping/>
+  </p:clrMapOvr>
   <p:timing>
     <p:tnLst>
       <p:par>
-        <p:cTn id="9" dur="indefinite" restart="never" nodeType="tmRoot">
+        <p:cTn id="1" dur="indefinite" restart="never" nodeType="tmRoot">
           <p:childTnLst>
             <p:seq>
-              <p:cTn id="10" dur="indefinite" nodeType="mainSeq"/>
+              <p:cTn id="2" dur="indefinite" nodeType="mainSeq"/>
               <p:prevCondLst>
-                <p:cond delay="0" evt="onPrev">
+                <p:cond evt="onPrev" delay="0">
                   <p:tgtEl>
                     <p:sldTgt/>
                   </p:tgtEl>
                 </p:cond>
               </p:prevCondLst>
               <p:nextCondLst>
-                <p:cond delay="0" evt="onNext">
+                <p:cond evt="onNext" delay="0">
                   <p:tgtEl>
                     <p:sldTgt/>
                   </p:tgtEl>
@@ -5246,7 +6000,7 @@
 </file>
 
 <file path=ppt/slides/slide6.xml><?xml version="1.0" encoding="utf-8"?>
-<p:sld xmlns:a="http://schemas.openxmlformats.org/drawingml/2006/main" xmlns:p="http://schemas.openxmlformats.org/presentationml/2006/main" xmlns:r="http://schemas.openxmlformats.org/officeDocument/2006/relationships" xmlns:p14="http://schemas.microsoft.com/office/powerpoint/2010/main" xmlns:p15="http://schemas.microsoft.com/office/powerpoint/2012/main" xmlns:mc="http://schemas.openxmlformats.org/markup-compatibility/2006">
+<p:sld xmlns:a="http://schemas.openxmlformats.org/drawingml/2006/main" xmlns:r="http://schemas.openxmlformats.org/officeDocument/2006/relationships" xmlns:p="http://schemas.openxmlformats.org/presentationml/2006/main">
   <p:cSld>
     <p:spTree>
       <p:nvGrpSpPr>
@@ -5271,7 +6025,7 @@
         <p:spPr>
           <a:xfrm>
             <a:off x="578160" y="34560"/>
-            <a:ext cx="10797120" cy="1260720"/>
+            <a:ext cx="10796760" cy="1260360"/>
           </a:xfrm>
           <a:prstGeom prst="rect">
             <a:avLst/>
@@ -5282,13 +6036,20 @@
           </a:ln>
         </p:spPr>
         <p:style>
-          <a:lnRef idx="0"/>
-          <a:fillRef idx="0"/>
-          <a:effectRef idx="0"/>
+          <a:lnRef idx="0">
+            <a:scrgbClr r="0" g="0" b="0"/>
+          </a:lnRef>
+          <a:fillRef idx="0">
+            <a:scrgbClr r="0" g="0" b="0"/>
+          </a:fillRef>
+          <a:effectRef idx="0">
+            <a:scrgbClr r="0" g="0" b="0"/>
+          </a:effectRef>
           <a:fontRef idx="minor"/>
         </p:style>
         <p:txBody>
-          <a:bodyPr lIns="0" rIns="0" tIns="0" bIns="0" anchor="ctr"/>
+          <a:bodyPr lIns="0" tIns="0" rIns="0" bIns="0" anchor="ctr"/>
+          <a:lstStyle/>
           <a:p>
             <a:pPr algn="ctr">
               <a:lnSpc>
@@ -5296,7 +6057,7 @@
               </a:lnSpc>
             </a:pPr>
             <a:r>
-              <a:rPr b="0" lang="ru-RU" sz="4400" spc="-1" strike="noStrike">
+              <a:rPr lang="ru-RU" sz="4400" b="0" strike="noStrike" spc="-1">
                 <a:solidFill>
                   <a:srgbClr val="000000"/>
                 </a:solidFill>
@@ -5305,7 +6066,7 @@
               </a:rPr>
               <a:t>Scrum</a:t>
             </a:r>
-            <a:endParaRPr b="0" lang="ru-RU" sz="4400" spc="-1" strike="noStrike">
+            <a:endParaRPr lang="ru-RU" sz="4400" b="0" strike="noStrike" spc="-1">
               <a:latin typeface="Arial"/>
             </a:endParaRPr>
           </a:p>
@@ -5320,7 +6081,7 @@
         <p:spPr>
           <a:xfrm>
             <a:off x="360000" y="5400000"/>
-            <a:ext cx="10797120" cy="1260720"/>
+            <a:ext cx="10796760" cy="1260360"/>
           </a:xfrm>
           <a:prstGeom prst="rect">
             <a:avLst/>
@@ -5331,16 +6092,23 @@
           </a:ln>
         </p:spPr>
         <p:style>
-          <a:lnRef idx="0"/>
-          <a:fillRef idx="0"/>
-          <a:effectRef idx="0"/>
+          <a:lnRef idx="0">
+            <a:scrgbClr r="0" g="0" b="0"/>
+          </a:lnRef>
+          <a:fillRef idx="0">
+            <a:scrgbClr r="0" g="0" b="0"/>
+          </a:fillRef>
+          <a:effectRef idx="0">
+            <a:scrgbClr r="0" g="0" b="0"/>
+          </a:effectRef>
           <a:fontRef idx="minor"/>
         </p:style>
         <p:txBody>
-          <a:bodyPr lIns="0" rIns="0" tIns="0" bIns="0" anchor="ctr"/>
-          <a:p>
-            <a:r>
-              <a:rPr b="0" lang="ru-RU" sz="2800" spc="-1" strike="noStrike">
+          <a:bodyPr lIns="0" tIns="0" rIns="0" bIns="0" anchor="ctr"/>
+          <a:lstStyle/>
+          <a:p>
+            <a:r>
+              <a:rPr lang="ru-RU" sz="2800" b="0" strike="noStrike" spc="-1">
                 <a:solidFill>
                   <a:srgbClr val="000000"/>
                 </a:solidFill>
@@ -5349,7 +6117,7 @@
               </a:rPr>
               <a:t>Основы разработки корпоративных систем на платформе .NET</a:t>
             </a:r>
-            <a:endParaRPr b="0" lang="ru-RU" sz="2800" spc="-1" strike="noStrike">
+            <a:endParaRPr lang="ru-RU" sz="2800" b="0" strike="noStrike" spc="-1">
               <a:latin typeface="Arial"/>
             </a:endParaRPr>
           </a:p>
@@ -5364,7 +6132,7 @@
         <p:spPr>
           <a:xfrm>
             <a:off x="4536000" y="4536000"/>
-            <a:ext cx="2824560" cy="417240"/>
+            <a:ext cx="2824200" cy="416880"/>
           </a:xfrm>
           <a:prstGeom prst="rect">
             <a:avLst/>
@@ -5375,26 +6143,34 @@
           </a:ln>
         </p:spPr>
         <p:style>
-          <a:lnRef idx="0"/>
-          <a:fillRef idx="0"/>
-          <a:effectRef idx="0"/>
+          <a:lnRef idx="0">
+            <a:scrgbClr r="0" g="0" b="0"/>
+          </a:lnRef>
+          <a:fillRef idx="0">
+            <a:scrgbClr r="0" g="0" b="0"/>
+          </a:fillRef>
+          <a:effectRef idx="0">
+            <a:scrgbClr r="0" g="0" b="0"/>
+          </a:effectRef>
           <a:fontRef idx="minor"/>
         </p:style>
         <p:txBody>
-          <a:bodyPr lIns="68760" rIns="68760" tIns="34200" bIns="34200">
+          <a:bodyPr lIns="68760" tIns="34200" rIns="68760" bIns="34200">
             <a:normAutofit/>
           </a:bodyPr>
-          <a:p>
-            <a:r>
-              <a:rPr b="0" lang="ru-RU" sz="1400" spc="-1" strike="noStrike">
+          <a:lstStyle/>
+          <a:p>
+            <a:r>
+              <a:rPr lang="ru-RU" sz="1400" b="0" strike="noStrike" spc="-1">
                 <a:solidFill>
                   <a:srgbClr val="000000"/>
                 </a:solidFill>
                 <a:latin typeface="Open Sans"/>
+                <a:ea typeface="DejaVu Sans"/>
               </a:rPr>
               <a:t>https://habrahabr.ru/post/247319/</a:t>
             </a:r>
-            <a:endParaRPr b="0" lang="ru-RU" sz="1400" spc="-1" strike="noStrike">
+            <a:endParaRPr lang="ru-RU" sz="1400" b="0" strike="noStrike" spc="-1">
               <a:latin typeface="Arial"/>
             </a:endParaRPr>
           </a:p>
@@ -5409,13 +6185,13 @@
         <p:spPr>
           <a:xfrm>
             <a:off x="2951280" y="986760"/>
-            <a:ext cx="6192360" cy="3476880"/>
+            <a:ext cx="6192000" cy="3476520"/>
           </a:xfrm>
           <a:prstGeom prst="rect">
             <a:avLst/>
           </a:prstGeom>
           <a:blipFill rotWithShape="0">
-            <a:blip r:embed="rId1"/>
+            <a:blip r:embed="rId2"/>
             <a:stretch>
               <a:fillRect/>
             </a:stretch>
@@ -5425,21 +6201,32 @@
           </a:ln>
         </p:spPr>
         <p:style>
-          <a:lnRef idx="0"/>
-          <a:fillRef idx="0"/>
-          <a:effectRef idx="0"/>
+          <a:lnRef idx="0">
+            <a:scrgbClr r="0" g="0" b="0"/>
+          </a:lnRef>
+          <a:fillRef idx="0">
+            <a:scrgbClr r="0" g="0" b="0"/>
+          </a:fillRef>
+          <a:effectRef idx="0">
+            <a:scrgbClr r="0" g="0" b="0"/>
+          </a:effectRef>
           <a:fontRef idx="minor"/>
         </p:style>
         <p:txBody>
-          <a:bodyPr lIns="90000" rIns="90000" tIns="45000" bIns="45000"/>
-          <a:p>
-            <a:r>
-              <a:rPr b="0" lang="ru-RU" sz="1800" spc="-1" strike="noStrike">
+          <a:bodyPr lIns="90000" tIns="45000" rIns="90000" bIns="45000"/>
+          <a:lstStyle/>
+          <a:p>
+            <a:r>
+              <a:rPr lang="ru-RU" sz="1800" b="0" strike="noStrike" spc="-1">
+                <a:solidFill>
+                  <a:srgbClr val="000000"/>
+                </a:solidFill>
                 <a:latin typeface="Arial"/>
+                <a:ea typeface="DejaVu Sans"/>
               </a:rPr>
               <a:t> </a:t>
             </a:r>
-            <a:endParaRPr b="0" lang="ru-RU" sz="1800" spc="-1" strike="noStrike">
+            <a:endParaRPr lang="ru-RU" sz="1800" b="0" strike="noStrike" spc="-1">
               <a:latin typeface="Arial"/>
             </a:endParaRPr>
           </a:p>
@@ -5447,22 +6234,25 @@
       </p:sp>
     </p:spTree>
   </p:cSld>
+  <p:clrMapOvr>
+    <a:masterClrMapping/>
+  </p:clrMapOvr>
   <p:timing>
     <p:tnLst>
       <p:par>
-        <p:cTn id="11" dur="indefinite" restart="never" nodeType="tmRoot">
+        <p:cTn id="1" dur="indefinite" restart="never" nodeType="tmRoot">
           <p:childTnLst>
             <p:seq>
-              <p:cTn id="12" dur="indefinite" nodeType="mainSeq"/>
+              <p:cTn id="2" dur="indefinite" nodeType="mainSeq"/>
               <p:prevCondLst>
-                <p:cond delay="0" evt="onPrev">
+                <p:cond evt="onPrev" delay="0">
                   <p:tgtEl>
                     <p:sldTgt/>
                   </p:tgtEl>
                 </p:cond>
               </p:prevCondLst>
               <p:nextCondLst>
-                <p:cond delay="0" evt="onNext">
+                <p:cond evt="onNext" delay="0">
                   <p:tgtEl>
                     <p:sldTgt/>
                   </p:tgtEl>
@@ -5478,7 +6268,7 @@
 </file>
 
 <file path=ppt/slides/slide7.xml><?xml version="1.0" encoding="utf-8"?>
-<p:sld xmlns:a="http://schemas.openxmlformats.org/drawingml/2006/main" xmlns:p="http://schemas.openxmlformats.org/presentationml/2006/main" xmlns:r="http://schemas.openxmlformats.org/officeDocument/2006/relationships" xmlns:p14="http://schemas.microsoft.com/office/powerpoint/2010/main" xmlns:p15="http://schemas.microsoft.com/office/powerpoint/2012/main" xmlns:mc="http://schemas.openxmlformats.org/markup-compatibility/2006">
+<p:sld xmlns:a="http://schemas.openxmlformats.org/drawingml/2006/main" xmlns:r="http://schemas.openxmlformats.org/officeDocument/2006/relationships" xmlns:p="http://schemas.openxmlformats.org/presentationml/2006/main">
   <p:cSld>
     <p:spTree>
       <p:nvGrpSpPr>
@@ -5503,7 +6293,7 @@
         <p:spPr>
           <a:xfrm>
             <a:off x="578160" y="34560"/>
-            <a:ext cx="10797120" cy="1260720"/>
+            <a:ext cx="10796760" cy="1260360"/>
           </a:xfrm>
           <a:prstGeom prst="rect">
             <a:avLst/>
@@ -5514,13 +6304,20 @@
           </a:ln>
         </p:spPr>
         <p:style>
-          <a:lnRef idx="0"/>
-          <a:fillRef idx="0"/>
-          <a:effectRef idx="0"/>
+          <a:lnRef idx="0">
+            <a:scrgbClr r="0" g="0" b="0"/>
+          </a:lnRef>
+          <a:fillRef idx="0">
+            <a:scrgbClr r="0" g="0" b="0"/>
+          </a:fillRef>
+          <a:effectRef idx="0">
+            <a:scrgbClr r="0" g="0" b="0"/>
+          </a:effectRef>
           <a:fontRef idx="minor"/>
         </p:style>
         <p:txBody>
-          <a:bodyPr lIns="0" rIns="0" tIns="0" bIns="0" anchor="ctr"/>
+          <a:bodyPr lIns="0" tIns="0" rIns="0" bIns="0" anchor="ctr"/>
+          <a:lstStyle/>
           <a:p>
             <a:pPr algn="ctr">
               <a:lnSpc>
@@ -5528,7 +6325,7 @@
               </a:lnSpc>
             </a:pPr>
             <a:r>
-              <a:rPr b="0" lang="ru-RU" sz="4400" spc="-1" strike="noStrike">
+              <a:rPr lang="ru-RU" sz="4400" b="0" strike="noStrike" spc="-1">
                 <a:solidFill>
                   <a:srgbClr val="000000"/>
                 </a:solidFill>
@@ -5537,7 +6334,7 @@
               </a:rPr>
               <a:t>Kanban</a:t>
             </a:r>
-            <a:endParaRPr b="0" lang="ru-RU" sz="4400" spc="-1" strike="noStrike">
+            <a:endParaRPr lang="ru-RU" sz="4400" b="0" strike="noStrike" spc="-1">
               <a:latin typeface="Arial"/>
             </a:endParaRPr>
           </a:p>
@@ -5552,7 +6349,7 @@
         <p:spPr>
           <a:xfrm>
             <a:off x="360000" y="5400000"/>
-            <a:ext cx="10797120" cy="1260720"/>
+            <a:ext cx="10796760" cy="1260360"/>
           </a:xfrm>
           <a:prstGeom prst="rect">
             <a:avLst/>
@@ -5563,16 +6360,23 @@
           </a:ln>
         </p:spPr>
         <p:style>
-          <a:lnRef idx="0"/>
-          <a:fillRef idx="0"/>
-          <a:effectRef idx="0"/>
+          <a:lnRef idx="0">
+            <a:scrgbClr r="0" g="0" b="0"/>
+          </a:lnRef>
+          <a:fillRef idx="0">
+            <a:scrgbClr r="0" g="0" b="0"/>
+          </a:fillRef>
+          <a:effectRef idx="0">
+            <a:scrgbClr r="0" g="0" b="0"/>
+          </a:effectRef>
           <a:fontRef idx="minor"/>
         </p:style>
         <p:txBody>
-          <a:bodyPr lIns="0" rIns="0" tIns="0" bIns="0" anchor="ctr"/>
-          <a:p>
-            <a:r>
-              <a:rPr b="0" lang="ru-RU" sz="2800" spc="-1" strike="noStrike">
+          <a:bodyPr lIns="0" tIns="0" rIns="0" bIns="0" anchor="ctr"/>
+          <a:lstStyle/>
+          <a:p>
+            <a:r>
+              <a:rPr lang="ru-RU" sz="2800" b="0" strike="noStrike" spc="-1">
                 <a:solidFill>
                   <a:srgbClr val="000000"/>
                 </a:solidFill>
@@ -5581,7 +6385,7 @@
               </a:rPr>
               <a:t>Основы разработки корпоративных систем на платформе .NET</a:t>
             </a:r>
-            <a:endParaRPr b="0" lang="ru-RU" sz="2800" spc="-1" strike="noStrike">
+            <a:endParaRPr lang="ru-RU" sz="2800" b="0" strike="noStrike" spc="-1">
               <a:latin typeface="Arial"/>
             </a:endParaRPr>
           </a:p>
@@ -5596,7 +6400,7 @@
         <p:spPr>
           <a:xfrm>
             <a:off x="4536000" y="4536000"/>
-            <a:ext cx="2824560" cy="417240"/>
+            <a:ext cx="2824200" cy="416880"/>
           </a:xfrm>
           <a:prstGeom prst="rect">
             <a:avLst/>
@@ -5607,26 +6411,34 @@
           </a:ln>
         </p:spPr>
         <p:style>
-          <a:lnRef idx="0"/>
-          <a:fillRef idx="0"/>
-          <a:effectRef idx="0"/>
+          <a:lnRef idx="0">
+            <a:scrgbClr r="0" g="0" b="0"/>
+          </a:lnRef>
+          <a:fillRef idx="0">
+            <a:scrgbClr r="0" g="0" b="0"/>
+          </a:fillRef>
+          <a:effectRef idx="0">
+            <a:scrgbClr r="0" g="0" b="0"/>
+          </a:effectRef>
           <a:fontRef idx="minor"/>
         </p:style>
         <p:txBody>
-          <a:bodyPr lIns="68760" rIns="68760" tIns="34200" bIns="34200">
+          <a:bodyPr lIns="68760" tIns="34200" rIns="68760" bIns="34200">
             <a:normAutofit/>
           </a:bodyPr>
-          <a:p>
-            <a:r>
-              <a:rPr b="0" lang="ru-RU" sz="1400" spc="-1" strike="noStrike">
+          <a:lstStyle/>
+          <a:p>
+            <a:r>
+              <a:rPr lang="ru-RU" sz="1400" b="0" strike="noStrike" spc="-1">
                 <a:solidFill>
                   <a:srgbClr val="000000"/>
                 </a:solidFill>
                 <a:latin typeface="Open Sans"/>
+                <a:ea typeface="DejaVu Sans"/>
               </a:rPr>
               <a:t>http://kanbanblog.com/explained/</a:t>
             </a:r>
-            <a:endParaRPr b="0" lang="ru-RU" sz="1400" spc="-1" strike="noStrike">
+            <a:endParaRPr lang="ru-RU" sz="1400" b="0" strike="noStrike" spc="-1">
               <a:latin typeface="Arial"/>
             </a:endParaRPr>
           </a:p>
@@ -5634,18 +6446,18 @@
       </p:sp>
       <p:pic>
         <p:nvPicPr>
-          <p:cNvPr id="59" name="Picture 6" descr=""/>
+          <p:cNvPr id="59" name="Picture 6"/>
           <p:cNvPicPr/>
           <p:nvPr/>
         </p:nvPicPr>
         <p:blipFill>
-          <a:blip r:embed="rId1"/>
+          <a:blip r:embed="rId2"/>
           <a:stretch/>
         </p:blipFill>
         <p:spPr>
           <a:xfrm>
             <a:off x="2448000" y="1008000"/>
-            <a:ext cx="7328520" cy="3610080"/>
+            <a:ext cx="7328160" cy="3609720"/>
           </a:xfrm>
           <a:prstGeom prst="rect">
             <a:avLst/>
@@ -5657,22 +6469,25 @@
       </p:pic>
     </p:spTree>
   </p:cSld>
+  <p:clrMapOvr>
+    <a:masterClrMapping/>
+  </p:clrMapOvr>
   <p:timing>
     <p:tnLst>
       <p:par>
-        <p:cTn id="13" dur="indefinite" restart="never" nodeType="tmRoot">
+        <p:cTn id="1" dur="indefinite" restart="never" nodeType="tmRoot">
           <p:childTnLst>
             <p:seq>
-              <p:cTn id="14" dur="indefinite" nodeType="mainSeq"/>
+              <p:cTn id="2" dur="indefinite" nodeType="mainSeq"/>
               <p:prevCondLst>
-                <p:cond delay="0" evt="onPrev">
+                <p:cond evt="onPrev" delay="0">
                   <p:tgtEl>
                     <p:sldTgt/>
                   </p:tgtEl>
                 </p:cond>
               </p:prevCondLst>
               <p:nextCondLst>
-                <p:cond delay="0" evt="onNext">
+                <p:cond evt="onNext" delay="0">
                   <p:tgtEl>
                     <p:sldTgt/>
                   </p:tgtEl>
@@ -5688,7 +6503,7 @@
 </file>
 
 <file path=ppt/slides/slide8.xml><?xml version="1.0" encoding="utf-8"?>
-<p:sld xmlns:a="http://schemas.openxmlformats.org/drawingml/2006/main" xmlns:p="http://schemas.openxmlformats.org/presentationml/2006/main" xmlns:r="http://schemas.openxmlformats.org/officeDocument/2006/relationships" xmlns:p14="http://schemas.microsoft.com/office/powerpoint/2010/main" xmlns:p15="http://schemas.microsoft.com/office/powerpoint/2012/main" xmlns:mc="http://schemas.openxmlformats.org/markup-compatibility/2006">
+<p:sld xmlns:a="http://schemas.openxmlformats.org/drawingml/2006/main" xmlns:r="http://schemas.openxmlformats.org/officeDocument/2006/relationships" xmlns:p="http://schemas.openxmlformats.org/presentationml/2006/main">
   <p:cSld>
     <p:spTree>
       <p:nvGrpSpPr>
@@ -5713,7 +6528,7 @@
         <p:spPr>
           <a:xfrm>
             <a:off x="504000" y="1762920"/>
-            <a:ext cx="10797120" cy="1260720"/>
+            <a:ext cx="10796760" cy="1260360"/>
           </a:xfrm>
           <a:prstGeom prst="rect">
             <a:avLst/>
@@ -5724,13 +6539,20 @@
           </a:ln>
         </p:spPr>
         <p:style>
-          <a:lnRef idx="0"/>
-          <a:fillRef idx="0"/>
-          <a:effectRef idx="0"/>
+          <a:lnRef idx="0">
+            <a:scrgbClr r="0" g="0" b="0"/>
+          </a:lnRef>
+          <a:fillRef idx="0">
+            <a:scrgbClr r="0" g="0" b="0"/>
+          </a:fillRef>
+          <a:effectRef idx="0">
+            <a:scrgbClr r="0" g="0" b="0"/>
+          </a:effectRef>
           <a:fontRef idx="minor"/>
         </p:style>
         <p:txBody>
-          <a:bodyPr lIns="0" rIns="0" tIns="0" bIns="0" anchor="ctr"/>
+          <a:bodyPr lIns="0" tIns="0" rIns="0" bIns="0" anchor="ctr"/>
+          <a:lstStyle/>
           <a:p>
             <a:pPr algn="ctr">
               <a:lnSpc>
@@ -5738,7 +6560,7 @@
               </a:lnSpc>
             </a:pPr>
             <a:r>
-              <a:rPr b="0" lang="ru-RU" sz="4400" spc="-1" strike="noStrike">
+              <a:rPr lang="ru-RU" sz="4400" b="0" strike="noStrike" spc="-1">
                 <a:solidFill>
                   <a:srgbClr val="000000"/>
                 </a:solidFill>
@@ -5747,7 +6569,7 @@
               </a:rPr>
               <a:t>Архитектуры</a:t>
             </a:r>
-            <a:endParaRPr b="0" lang="ru-RU" sz="4400" spc="-1" strike="noStrike">
+            <a:endParaRPr lang="ru-RU" sz="4400" b="0" strike="noStrike" spc="-1">
               <a:latin typeface="Arial"/>
             </a:endParaRPr>
           </a:p>
@@ -5762,7 +6584,7 @@
         <p:spPr>
           <a:xfrm>
             <a:off x="360000" y="5400000"/>
-            <a:ext cx="10797120" cy="1260720"/>
+            <a:ext cx="10796760" cy="1260360"/>
           </a:xfrm>
           <a:prstGeom prst="rect">
             <a:avLst/>
@@ -5773,16 +6595,23 @@
           </a:ln>
         </p:spPr>
         <p:style>
-          <a:lnRef idx="0"/>
-          <a:fillRef idx="0"/>
-          <a:effectRef idx="0"/>
+          <a:lnRef idx="0">
+            <a:scrgbClr r="0" g="0" b="0"/>
+          </a:lnRef>
+          <a:fillRef idx="0">
+            <a:scrgbClr r="0" g="0" b="0"/>
+          </a:fillRef>
+          <a:effectRef idx="0">
+            <a:scrgbClr r="0" g="0" b="0"/>
+          </a:effectRef>
           <a:fontRef idx="minor"/>
         </p:style>
         <p:txBody>
-          <a:bodyPr lIns="0" rIns="0" tIns="0" bIns="0" anchor="ctr"/>
-          <a:p>
-            <a:r>
-              <a:rPr b="0" lang="ru-RU" sz="2800" spc="-1" strike="noStrike">
+          <a:bodyPr lIns="0" tIns="0" rIns="0" bIns="0" anchor="ctr"/>
+          <a:lstStyle/>
+          <a:p>
+            <a:r>
+              <a:rPr lang="ru-RU" sz="2800" b="0" strike="noStrike" spc="-1">
                 <a:solidFill>
                   <a:srgbClr val="000000"/>
                 </a:solidFill>
@@ -5791,7 +6620,7 @@
               </a:rPr>
               <a:t>Основы разработки корпоративных систем на платформе .NET</a:t>
             </a:r>
-            <a:endParaRPr b="0" lang="ru-RU" sz="2800" spc="-1" strike="noStrike">
+            <a:endParaRPr lang="ru-RU" sz="2800" b="0" strike="noStrike" spc="-1">
               <a:latin typeface="Arial"/>
             </a:endParaRPr>
           </a:p>
@@ -5799,22 +6628,25 @@
       </p:sp>
     </p:spTree>
   </p:cSld>
+  <p:clrMapOvr>
+    <a:masterClrMapping/>
+  </p:clrMapOvr>
   <p:timing>
     <p:tnLst>
       <p:par>
-        <p:cTn id="15" dur="indefinite" restart="never" nodeType="tmRoot">
+        <p:cTn id="1" dur="indefinite" restart="never" nodeType="tmRoot">
           <p:childTnLst>
             <p:seq>
-              <p:cTn id="16" dur="indefinite" nodeType="mainSeq"/>
+              <p:cTn id="2" dur="indefinite" nodeType="mainSeq"/>
               <p:prevCondLst>
-                <p:cond delay="0" evt="onPrev">
+                <p:cond evt="onPrev" delay="0">
                   <p:tgtEl>
                     <p:sldTgt/>
                   </p:tgtEl>
                 </p:cond>
               </p:prevCondLst>
               <p:nextCondLst>
-                <p:cond delay="0" evt="onNext">
+                <p:cond evt="onNext" delay="0">
                   <p:tgtEl>
                     <p:sldTgt/>
                   </p:tgtEl>
@@ -5830,7 +6662,7 @@
 </file>
 
 <file path=ppt/slides/slide9.xml><?xml version="1.0" encoding="utf-8"?>
-<p:sld xmlns:a="http://schemas.openxmlformats.org/drawingml/2006/main" xmlns:p="http://schemas.openxmlformats.org/presentationml/2006/main" xmlns:r="http://schemas.openxmlformats.org/officeDocument/2006/relationships" xmlns:p14="http://schemas.microsoft.com/office/powerpoint/2010/main" xmlns:p15="http://schemas.microsoft.com/office/powerpoint/2012/main" xmlns:mc="http://schemas.openxmlformats.org/markup-compatibility/2006">
+<p:sld xmlns:a="http://schemas.openxmlformats.org/drawingml/2006/main" xmlns:r="http://schemas.openxmlformats.org/officeDocument/2006/relationships" xmlns:p="http://schemas.openxmlformats.org/presentationml/2006/main">
   <p:cSld>
     <p:spTree>
       <p:nvGrpSpPr>
@@ -5855,7 +6687,7 @@
         <p:spPr>
           <a:xfrm>
             <a:off x="578160" y="34560"/>
-            <a:ext cx="10797120" cy="1260720"/>
+            <a:ext cx="10796760" cy="1260360"/>
           </a:xfrm>
           <a:prstGeom prst="rect">
             <a:avLst/>
@@ -5866,13 +6698,20 @@
           </a:ln>
         </p:spPr>
         <p:style>
-          <a:lnRef idx="0"/>
-          <a:fillRef idx="0"/>
-          <a:effectRef idx="0"/>
+          <a:lnRef idx="0">
+            <a:scrgbClr r="0" g="0" b="0"/>
+          </a:lnRef>
+          <a:fillRef idx="0">
+            <a:scrgbClr r="0" g="0" b="0"/>
+          </a:fillRef>
+          <a:effectRef idx="0">
+            <a:scrgbClr r="0" g="0" b="0"/>
+          </a:effectRef>
           <a:fontRef idx="minor"/>
         </p:style>
         <p:txBody>
-          <a:bodyPr lIns="0" rIns="0" tIns="0" bIns="0" anchor="ctr"/>
+          <a:bodyPr lIns="0" tIns="0" rIns="0" bIns="0" anchor="ctr"/>
+          <a:lstStyle/>
           <a:p>
             <a:pPr algn="ctr">
               <a:lnSpc>
@@ -5880,7 +6719,7 @@
               </a:lnSpc>
             </a:pPr>
             <a:r>
-              <a:rPr b="0" lang="ru-RU" sz="4400" spc="-1" strike="noStrike">
+              <a:rPr lang="ru-RU" sz="4400" b="0" strike="noStrike" spc="-1">
                 <a:solidFill>
                   <a:srgbClr val="000000"/>
                 </a:solidFill>
@@ -5889,7 +6728,7 @@
               </a:rPr>
               <a:t>Трехзвенная архитектура</a:t>
             </a:r>
-            <a:endParaRPr b="0" lang="ru-RU" sz="4400" spc="-1" strike="noStrike">
+            <a:endParaRPr lang="ru-RU" sz="4400" b="0" strike="noStrike" spc="-1">
               <a:latin typeface="Arial"/>
             </a:endParaRPr>
           </a:p>
@@ -5904,7 +6743,7 @@
         <p:spPr>
           <a:xfrm>
             <a:off x="360000" y="5400000"/>
-            <a:ext cx="10797120" cy="1260720"/>
+            <a:ext cx="10796760" cy="1260360"/>
           </a:xfrm>
           <a:prstGeom prst="rect">
             <a:avLst/>
@@ -5915,16 +6754,23 @@
           </a:ln>
         </p:spPr>
         <p:style>
-          <a:lnRef idx="0"/>
-          <a:fillRef idx="0"/>
-          <a:effectRef idx="0"/>
+          <a:lnRef idx="0">
+            <a:scrgbClr r="0" g="0" b="0"/>
+          </a:lnRef>
+          <a:fillRef idx="0">
+            <a:scrgbClr r="0" g="0" b="0"/>
+          </a:fillRef>
+          <a:effectRef idx="0">
+            <a:scrgbClr r="0" g="0" b="0"/>
+          </a:effectRef>
           <a:fontRef idx="minor"/>
         </p:style>
         <p:txBody>
-          <a:bodyPr lIns="0" rIns="0" tIns="0" bIns="0" anchor="ctr"/>
-          <a:p>
-            <a:r>
-              <a:rPr b="0" lang="ru-RU" sz="2800" spc="-1" strike="noStrike">
+          <a:bodyPr lIns="0" tIns="0" rIns="0" bIns="0" anchor="ctr"/>
+          <a:lstStyle/>
+          <a:p>
+            <a:r>
+              <a:rPr lang="ru-RU" sz="2800" b="0" strike="noStrike" spc="-1">
                 <a:solidFill>
                   <a:srgbClr val="000000"/>
                 </a:solidFill>
@@ -5933,7 +6779,7 @@
               </a:rPr>
               <a:t>Основы разработки корпоративных систем на платформе .NET</a:t>
             </a:r>
-            <a:endParaRPr b="0" lang="ru-RU" sz="2800" spc="-1" strike="noStrike">
+            <a:endParaRPr lang="ru-RU" sz="2800" b="0" strike="noStrike" spc="-1">
               <a:latin typeface="Arial"/>
             </a:endParaRPr>
           </a:p>
@@ -5948,7 +6794,7 @@
         <p:spPr>
           <a:xfrm>
             <a:off x="4248000" y="4536000"/>
-            <a:ext cx="3455640" cy="417240"/>
+            <a:ext cx="3455280" cy="416880"/>
           </a:xfrm>
           <a:prstGeom prst="rect">
             <a:avLst/>
@@ -5959,26 +6805,34 @@
           </a:ln>
         </p:spPr>
         <p:style>
-          <a:lnRef idx="0"/>
-          <a:fillRef idx="0"/>
-          <a:effectRef idx="0"/>
+          <a:lnRef idx="0">
+            <a:scrgbClr r="0" g="0" b="0"/>
+          </a:lnRef>
+          <a:fillRef idx="0">
+            <a:scrgbClr r="0" g="0" b="0"/>
+          </a:fillRef>
+          <a:effectRef idx="0">
+            <a:scrgbClr r="0" g="0" b="0"/>
+          </a:effectRef>
           <a:fontRef idx="minor"/>
         </p:style>
         <p:txBody>
-          <a:bodyPr lIns="68760" rIns="68760" tIns="34200" bIns="34200">
+          <a:bodyPr lIns="68760" tIns="34200" rIns="68760" bIns="34200">
             <a:normAutofit/>
           </a:bodyPr>
-          <a:p>
-            <a:r>
-              <a:rPr b="0" lang="ru-RU" sz="1400" spc="-1" strike="noStrike">
+          <a:lstStyle/>
+          <a:p>
+            <a:r>
+              <a:rPr lang="ru-RU" sz="1400" b="0" strike="noStrike" spc="-1">
                 <a:solidFill>
                   <a:srgbClr val="000000"/>
                 </a:solidFill>
                 <a:latin typeface="Open Sans"/>
+                <a:ea typeface="DejaVu Sans"/>
               </a:rPr>
               <a:t>https://en.wikipedia.org/wiki/Multitier_architecture</a:t>
             </a:r>
-            <a:endParaRPr b="0" lang="ru-RU" sz="1400" spc="-1" strike="noStrike">
+            <a:endParaRPr lang="ru-RU" sz="1400" b="0" strike="noStrike" spc="-1">
               <a:latin typeface="Arial"/>
             </a:endParaRPr>
           </a:p>
@@ -5986,18 +6840,18 @@
       </p:sp>
       <p:pic>
         <p:nvPicPr>
-          <p:cNvPr id="65" name="Picture 7" descr=""/>
+          <p:cNvPr id="65" name="Picture 7"/>
           <p:cNvPicPr/>
           <p:nvPr/>
         </p:nvPicPr>
         <p:blipFill>
-          <a:blip r:embed="rId1"/>
+          <a:blip r:embed="rId2"/>
           <a:stretch/>
         </p:blipFill>
         <p:spPr>
           <a:xfrm>
             <a:off x="4151880" y="1029600"/>
-            <a:ext cx="3623760" cy="3395520"/>
+            <a:ext cx="3623400" cy="3395160"/>
           </a:xfrm>
           <a:prstGeom prst="rect">
             <a:avLst/>
@@ -6009,22 +6863,25 @@
       </p:pic>
     </p:spTree>
   </p:cSld>
+  <p:clrMapOvr>
+    <a:masterClrMapping/>
+  </p:clrMapOvr>
   <p:timing>
     <p:tnLst>
       <p:par>
-        <p:cTn id="17" dur="indefinite" restart="never" nodeType="tmRoot">
+        <p:cTn id="1" dur="indefinite" restart="never" nodeType="tmRoot">
           <p:childTnLst>
             <p:seq>
-              <p:cTn id="18" dur="indefinite" nodeType="mainSeq"/>
+              <p:cTn id="2" dur="indefinite" nodeType="mainSeq"/>
               <p:prevCondLst>
-                <p:cond delay="0" evt="onPrev">
+                <p:cond evt="onPrev" delay="0">
                   <p:tgtEl>
                     <p:sldTgt/>
                   </p:tgtEl>
                 </p:cond>
               </p:prevCondLst>
               <p:nextCondLst>
-                <p:cond delay="0" evt="onNext">
+                <p:cond evt="onNext" delay="0">
                   <p:tgtEl>
                     <p:sldTgt/>
                   </p:tgtEl>
@@ -6050,31 +6907,31 @@
         <a:sysClr val="window" lastClr="FFFFFF"/>
       </a:lt1>
       <a:dk2>
-        <a:srgbClr val="1f497d"/>
+        <a:srgbClr val="1F497D"/>
       </a:dk2>
       <a:lt2>
-        <a:srgbClr val="eeece1"/>
+        <a:srgbClr val="EEECE1"/>
       </a:lt2>
       <a:accent1>
-        <a:srgbClr val="4f81bd"/>
+        <a:srgbClr val="4F81BD"/>
       </a:accent1>
       <a:accent2>
-        <a:srgbClr val="c0504d"/>
+        <a:srgbClr val="C0504D"/>
       </a:accent2>
       <a:accent3>
-        <a:srgbClr val="9bbb59"/>
+        <a:srgbClr val="9BBB59"/>
       </a:accent3>
       <a:accent4>
-        <a:srgbClr val="8064a2"/>
+        <a:srgbClr val="8064A2"/>
       </a:accent4>
       <a:accent5>
-        <a:srgbClr val="4bacc6"/>
+        <a:srgbClr val="4BACC6"/>
       </a:accent5>
       <a:accent6>
-        <a:srgbClr val="f79646"/>
+        <a:srgbClr val="F79646"/>
       </a:accent6>
       <a:hlink>
-        <a:srgbClr val="0000ff"/>
+        <a:srgbClr val="0000FF"/>
       </a:hlink>
       <a:folHlink>
         <a:srgbClr val="800080"/>
@@ -6259,5 +7116,7 @@
       </a:bgFillStyleLst>
     </a:fmtScheme>
   </a:themeElements>
+  <a:objectDefaults/>
+  <a:extraClrSchemeLst/>
 </a:theme>
 </file>